--- a/2D게임프로그래밍 Term_Project 중간 2012182042 진우원.pptx
+++ b/2D게임프로그래밍 Term_Project 중간 2012182042 진우원.pptx
@@ -5,46 +5,40 @@
     <p:sldMasterId id="2147483648" r:id="rId1"/>
   </p:sldMasterIdLst>
   <p:notesMasterIdLst>
-    <p:notesMasterId r:id="rId13"/>
+    <p:notesMasterId r:id="rId7"/>
   </p:notesMasterIdLst>
   <p:sldIdLst>
     <p:sldId id="266" r:id="rId2"/>
     <p:sldId id="271" r:id="rId3"/>
-    <p:sldId id="281" r:id="rId4"/>
+    <p:sldId id="285" r:id="rId4"/>
     <p:sldId id="286" r:id="rId5"/>
-    <p:sldId id="280" r:id="rId6"/>
-    <p:sldId id="287" r:id="rId7"/>
-    <p:sldId id="284" r:id="rId8"/>
-    <p:sldId id="288" r:id="rId9"/>
-    <p:sldId id="285" r:id="rId10"/>
-    <p:sldId id="282" r:id="rId11"/>
-    <p:sldId id="283" r:id="rId12"/>
+    <p:sldId id="283" r:id="rId6"/>
   </p:sldIdLst>
   <p:sldSz cx="9144000" cy="6858000" type="screen4x3"/>
   <p:notesSz cx="6858000" cy="9144000"/>
   <p:embeddedFontLst>
     <p:embeddedFont>
+      <p:font typeface="나눔고딕" charset="-127"/>
+      <p:regular r:id="rId8"/>
+      <p:bold r:id="rId9"/>
+    </p:embeddedFont>
+    <p:embeddedFont>
+      <p:font typeface="나눔고딕 ExtraBold" charset="-127"/>
+      <p:bold r:id="rId10"/>
+    </p:embeddedFont>
+    <p:embeddedFont>
+      <p:font typeface="맑은 고딕" pitchFamily="50" charset="-127"/>
+      <p:regular r:id="rId11"/>
+      <p:bold r:id="rId12"/>
+    </p:embeddedFont>
+    <p:embeddedFont>
+      <p:font typeface="배달의민족 한나" pitchFamily="2" charset="-127"/>
+      <p:regular r:id="rId13"/>
+    </p:embeddedFont>
+    <p:embeddedFont>
       <p:font typeface="나눔바른고딕" pitchFamily="50" charset="-127"/>
       <p:regular r:id="rId14"/>
       <p:bold r:id="rId15"/>
-    </p:embeddedFont>
-    <p:embeddedFont>
-      <p:font typeface="배달의민족 한나" pitchFamily="2" charset="-127"/>
-      <p:regular r:id="rId16"/>
-    </p:embeddedFont>
-    <p:embeddedFont>
-      <p:font typeface="나눔고딕 ExtraBold" charset="-127"/>
-      <p:bold r:id="rId17"/>
-    </p:embeddedFont>
-    <p:embeddedFont>
-      <p:font typeface="맑은 고딕" pitchFamily="50" charset="-127"/>
-      <p:regular r:id="rId18"/>
-      <p:bold r:id="rId19"/>
-    </p:embeddedFont>
-    <p:embeddedFont>
-      <p:font typeface="나눔고딕" charset="-127"/>
-      <p:regular r:id="rId20"/>
-      <p:bold r:id="rId21"/>
     </p:embeddedFont>
   </p:embeddedFontLst>
   <p:defaultTextStyle>
@@ -996,31 +990,23 @@
           <a:pPr latinLnBrk="1"/>
           <a:r>
             <a:rPr lang="ko-KR" altLang="en-US" dirty="0" smtClean="0"/>
-            <a:t>캐릭터 </a:t>
-          </a:r>
-          <a:r>
-            <a:rPr lang="ko-KR" altLang="en-US" dirty="0" err="1" smtClean="0"/>
-            <a:t>스프라이트</a:t>
-          </a:r>
-          <a:r>
-            <a:rPr lang="ko-KR" altLang="en-US" dirty="0" smtClean="0"/>
-            <a:t> 리소스 수집 및 </a:t>
-          </a:r>
-          <a:r>
-            <a:rPr lang="ko-KR" altLang="en-US" dirty="0" err="1" smtClean="0"/>
-            <a:t>컨셉에</a:t>
-          </a:r>
-          <a:r>
-            <a:rPr lang="ko-KR" altLang="en-US" dirty="0" smtClean="0"/>
-            <a:t> 맞는 수정 및 </a:t>
-          </a:r>
-          <a:r>
-            <a:rPr lang="ko-KR" altLang="en-US" dirty="0" smtClean="0"/>
-            <a:t>제작</a:t>
+            <a:t>리소스 수집 및 제작</a:t>
           </a:r>
           <a:r>
             <a:rPr lang="en-US" altLang="ko-KR" dirty="0" smtClean="0"/>
-            <a:t>(9/25~10/1)</a:t>
+            <a:t>(9/25~10/1) </a:t>
+          </a:r>
+          <a:r>
+            <a:rPr lang="en-US" altLang="ko-KR" dirty="0" smtClean="0">
+              <a:sym typeface="Wingdings" pitchFamily="2" charset="2"/>
+            </a:rPr>
+            <a:t> </a:t>
+          </a:r>
+          <a:r>
+            <a:rPr lang="ko-KR" altLang="en-US" dirty="0" smtClean="0">
+              <a:sym typeface="Wingdings" pitchFamily="2" charset="2"/>
+            </a:rPr>
+            <a:t>완료</a:t>
           </a:r>
           <a:endParaRPr lang="ko-KR" altLang="en-US" dirty="0"/>
         </a:p>
@@ -1107,28 +1093,28 @@
             <a:t>캐릭터 </a:t>
           </a:r>
           <a:r>
-            <a:rPr lang="ko-KR" altLang="en-US" dirty="0" err="1" smtClean="0"/>
-            <a:t>스프라이트</a:t>
-          </a:r>
-          <a:r>
-            <a:rPr lang="ko-KR" altLang="en-US" dirty="0" smtClean="0"/>
-            <a:t> </a:t>
-          </a:r>
-          <a:r>
             <a:rPr lang="en-US" altLang="ko-KR" dirty="0" smtClean="0"/>
             <a:t>Canvas</a:t>
           </a:r>
           <a:r>
             <a:rPr lang="ko-KR" altLang="en-US" dirty="0" smtClean="0"/>
-            <a:t>에 배치 및 애니메이션 </a:t>
-          </a:r>
-          <a:r>
-            <a:rPr lang="ko-KR" altLang="en-US" dirty="0" smtClean="0"/>
-            <a:t>작업</a:t>
+            <a:t>에 배치 및 애니메이션 작업</a:t>
           </a:r>
           <a:r>
             <a:rPr lang="en-US" altLang="ko-KR" dirty="0" smtClean="0"/>
-            <a:t>(10/2~10/8)</a:t>
+            <a:t>(10/2~10/8) </a:t>
+          </a:r>
+          <a:r>
+            <a:rPr lang="en-US" altLang="ko-KR" dirty="0" smtClean="0">
+              <a:sym typeface="Wingdings" pitchFamily="2" charset="2"/>
+            </a:rPr>
+            <a:t> </a:t>
+          </a:r>
+          <a:r>
+            <a:rPr lang="ko-KR" altLang="en-US" dirty="0" smtClean="0">
+              <a:sym typeface="Wingdings" pitchFamily="2" charset="2"/>
+            </a:rPr>
+            <a:t>완료</a:t>
           </a:r>
           <a:endParaRPr lang="ko-KR" altLang="en-US" dirty="0"/>
         </a:p>
@@ -1212,15 +1198,23 @@
           <a:pPr latinLnBrk="1"/>
           <a:r>
             <a:rPr lang="ko-KR" altLang="en-US" dirty="0" smtClean="0"/>
-            <a:t>캐릭터 입력처리 </a:t>
-          </a:r>
-          <a:r>
-            <a:rPr lang="ko-KR" altLang="en-US" dirty="0" smtClean="0"/>
-            <a:t>제작</a:t>
+            <a:t>캐릭터 입력처리 제작</a:t>
           </a:r>
           <a:r>
             <a:rPr lang="en-US" altLang="ko-KR" dirty="0" smtClean="0"/>
-            <a:t>(10/9~10/15)</a:t>
+            <a:t>(10/9~10/15) </a:t>
+          </a:r>
+          <a:r>
+            <a:rPr lang="en-US" altLang="ko-KR" dirty="0" smtClean="0">
+              <a:sym typeface="Wingdings" pitchFamily="2" charset="2"/>
+            </a:rPr>
+            <a:t></a:t>
+          </a:r>
+          <a:r>
+            <a:rPr lang="ko-KR" altLang="en-US" dirty="0" smtClean="0">
+              <a:sym typeface="Wingdings" pitchFamily="2" charset="2"/>
+            </a:rPr>
+            <a:t>완료</a:t>
           </a:r>
           <a:endParaRPr lang="ko-KR" altLang="en-US" dirty="0"/>
         </a:p>
@@ -1312,11 +1306,7 @@
           </a:r>
           <a:r>
             <a:rPr lang="ko-KR" altLang="en-US" dirty="0" smtClean="0"/>
-            <a:t>배치 및 </a:t>
-          </a:r>
-          <a:r>
-            <a:rPr lang="ko-KR" altLang="en-US" dirty="0" smtClean="0"/>
-            <a:t>애니메이션작업</a:t>
+            <a:t>배치 및 애니메이션작업</a:t>
           </a:r>
           <a:r>
             <a:rPr lang="en-US" altLang="ko-KR" dirty="0" smtClean="0"/>
@@ -1328,7 +1318,13 @@
           </a:r>
           <a:r>
             <a:rPr lang="en-US" altLang="ko-KR" dirty="0" smtClean="0"/>
-            <a:t>: 10/18</a:t>
+            <a:t>: 10/18 </a:t>
+          </a:r>
+          <a:r>
+            <a:rPr lang="en-US" altLang="ko-KR" dirty="0" smtClean="0">
+              <a:sym typeface="Wingdings" pitchFamily="2" charset="2"/>
+            </a:rPr>
+            <a:t> 50%</a:t>
           </a:r>
           <a:endParaRPr lang="ko-KR" altLang="en-US" dirty="0"/>
         </a:p>
@@ -1544,8 +1540,8 @@
     <dgm:cxn modelId="{131B34CA-8391-4F46-BDDC-68A5EBA0D378}" srcId="{3EFA8821-AEA7-432B-ADED-EB1A1F51D5EE}" destId="{EBDC8C74-F7A3-4BB7-84B3-8A354CA4B7A4}" srcOrd="0" destOrd="0" parTransId="{B3E6A51F-9438-421E-8612-6BD8EAB71672}" sibTransId="{732D2691-0F34-4429-9EAE-93A42CEE25C1}"/>
     <dgm:cxn modelId="{A46CE818-EC33-4904-803C-291168607F6B}" type="presOf" srcId="{E75A8737-4039-43D2-88B4-8BCD3EF1574B}" destId="{0742AE28-3C62-4B0F-8563-6F79F1CDBB24}" srcOrd="0" destOrd="0" presId="urn:microsoft.com/office/officeart/2005/8/layout/chevron2"/>
     <dgm:cxn modelId="{EB445C00-7CBB-4819-B113-5A0DD8BDCAF9}" type="presOf" srcId="{6E5CBBF3-6C8A-4695-BC16-4881984060F1}" destId="{5F6ADD69-8FA4-479B-88DE-E359E019E32C}" srcOrd="0" destOrd="0" presId="urn:microsoft.com/office/officeart/2005/8/layout/chevron2"/>
+    <dgm:cxn modelId="{898A83B3-32D1-45BD-A1E4-6AD2F3046693}" type="presOf" srcId="{25CE4999-6614-44D5-980A-8139E1D09D3C}" destId="{454A725B-5459-4D90-9E7C-98180F371436}" srcOrd="0" destOrd="0" presId="urn:microsoft.com/office/officeart/2005/8/layout/chevron2"/>
     <dgm:cxn modelId="{110BE101-9A7A-4F55-9584-4FAA71767165}" srcId="{25CE4999-6614-44D5-980A-8139E1D09D3C}" destId="{E75A8737-4039-43D2-88B4-8BCD3EF1574B}" srcOrd="1" destOrd="0" parTransId="{F58841B7-92CD-46A5-BA1E-77BEC900C6EC}" sibTransId="{FEE8E3D5-288A-4DE3-B3CC-3B7ECFBE968C}"/>
-    <dgm:cxn modelId="{898A83B3-32D1-45BD-A1E4-6AD2F3046693}" type="presOf" srcId="{25CE4999-6614-44D5-980A-8139E1D09D3C}" destId="{454A725B-5459-4D90-9E7C-98180F371436}" srcOrd="0" destOrd="0" presId="urn:microsoft.com/office/officeart/2005/8/layout/chevron2"/>
     <dgm:cxn modelId="{A86B885A-F601-4A14-949D-A99FEAF46CA2}" srcId="{E75A8737-4039-43D2-88B4-8BCD3EF1574B}" destId="{D484EA9D-6ED2-4AB7-A481-23E5D0038F93}" srcOrd="0" destOrd="0" parTransId="{A6627874-B79C-4FBD-BCDD-34DE780D014A}" sibTransId="{1947B6F8-3924-4D53-BD29-E2DCDEB9FFAD}"/>
     <dgm:cxn modelId="{24CF4B11-07D9-4FCC-BB81-7077BBDF1895}" srcId="{25CE4999-6614-44D5-980A-8139E1D09D3C}" destId="{3EFA8821-AEA7-432B-ADED-EB1A1F51D5EE}" srcOrd="2" destOrd="0" parTransId="{15465093-5177-4C32-BD4B-EA0BCD54950A}" sibTransId="{86FEBEFB-E6DB-4C2C-B9AF-B14229E98DDE}"/>
     <dgm:cxn modelId="{D38A045B-DE29-4FB8-970A-6BB5D22916AA}" srcId="{6E5CBBF3-6C8A-4695-BC16-4881984060F1}" destId="{CF3A0977-2329-46B5-B026-038B0FF6A026}" srcOrd="0" destOrd="0" parTransId="{9DC363DA-3528-4365-B411-6BC0C6EE9494}" sibTransId="{96B62C13-EB98-480E-A3E2-42FE8BAA38C4}"/>
@@ -1737,31 +1733,23 @@
           </a:pPr>
           <a:r>
             <a:rPr lang="ko-KR" altLang="en-US" sz="1500" kern="1200" dirty="0" smtClean="0"/>
-            <a:t>캐릭터 </a:t>
-          </a:r>
-          <a:r>
-            <a:rPr lang="ko-KR" altLang="en-US" sz="1500" kern="1200" dirty="0" err="1" smtClean="0"/>
-            <a:t>스프라이트</a:t>
-          </a:r>
-          <a:r>
-            <a:rPr lang="ko-KR" altLang="en-US" sz="1500" kern="1200" dirty="0" smtClean="0"/>
-            <a:t> 리소스 수집 및 </a:t>
-          </a:r>
-          <a:r>
-            <a:rPr lang="ko-KR" altLang="en-US" sz="1500" kern="1200" dirty="0" err="1" smtClean="0"/>
-            <a:t>컨셉에</a:t>
-          </a:r>
-          <a:r>
-            <a:rPr lang="ko-KR" altLang="en-US" sz="1500" kern="1200" dirty="0" smtClean="0"/>
-            <a:t> 맞는 수정 및 </a:t>
-          </a:r>
-          <a:r>
-            <a:rPr lang="ko-KR" altLang="en-US" sz="1500" kern="1200" dirty="0" smtClean="0"/>
-            <a:t>제작</a:t>
+            <a:t>리소스 수집 및 제작</a:t>
           </a:r>
           <a:r>
             <a:rPr lang="en-US" altLang="ko-KR" sz="1500" kern="1200" dirty="0" smtClean="0"/>
-            <a:t>(9/25~10/1)</a:t>
+            <a:t>(9/25~10/1) </a:t>
+          </a:r>
+          <a:r>
+            <a:rPr lang="en-US" altLang="ko-KR" sz="1500" kern="1200" dirty="0" smtClean="0">
+              <a:sym typeface="Wingdings" pitchFamily="2" charset="2"/>
+            </a:rPr>
+            <a:t> </a:t>
+          </a:r>
+          <a:r>
+            <a:rPr lang="ko-KR" altLang="en-US" sz="1500" kern="1200" dirty="0" smtClean="0">
+              <a:sym typeface="Wingdings" pitchFamily="2" charset="2"/>
+            </a:rPr>
+            <a:t>완료</a:t>
           </a:r>
           <a:endParaRPr lang="ko-KR" altLang="en-US" sz="1500" kern="1200" dirty="0"/>
         </a:p>
@@ -1922,28 +1910,28 @@
             <a:t>캐릭터 </a:t>
           </a:r>
           <a:r>
-            <a:rPr lang="ko-KR" altLang="en-US" sz="1500" kern="1200" dirty="0" err="1" smtClean="0"/>
-            <a:t>스프라이트</a:t>
-          </a:r>
-          <a:r>
-            <a:rPr lang="ko-KR" altLang="en-US" sz="1500" kern="1200" dirty="0" smtClean="0"/>
-            <a:t> </a:t>
-          </a:r>
-          <a:r>
             <a:rPr lang="en-US" altLang="ko-KR" sz="1500" kern="1200" dirty="0" smtClean="0"/>
             <a:t>Canvas</a:t>
           </a:r>
           <a:r>
             <a:rPr lang="ko-KR" altLang="en-US" sz="1500" kern="1200" dirty="0" smtClean="0"/>
-            <a:t>에 배치 및 애니메이션 </a:t>
-          </a:r>
-          <a:r>
-            <a:rPr lang="ko-KR" altLang="en-US" sz="1500" kern="1200" dirty="0" smtClean="0"/>
-            <a:t>작업</a:t>
+            <a:t>에 배치 및 애니메이션 작업</a:t>
           </a:r>
           <a:r>
             <a:rPr lang="en-US" altLang="ko-KR" sz="1500" kern="1200" dirty="0" smtClean="0"/>
-            <a:t>(10/2~10/8)</a:t>
+            <a:t>(10/2~10/8) </a:t>
+          </a:r>
+          <a:r>
+            <a:rPr lang="en-US" altLang="ko-KR" sz="1500" kern="1200" dirty="0" smtClean="0">
+              <a:sym typeface="Wingdings" pitchFamily="2" charset="2"/>
+            </a:rPr>
+            <a:t> </a:t>
+          </a:r>
+          <a:r>
+            <a:rPr lang="ko-KR" altLang="en-US" sz="1500" kern="1200" dirty="0" smtClean="0">
+              <a:sym typeface="Wingdings" pitchFamily="2" charset="2"/>
+            </a:rPr>
+            <a:t>완료</a:t>
           </a:r>
           <a:endParaRPr lang="ko-KR" altLang="en-US" sz="1500" kern="1200" dirty="0"/>
         </a:p>
@@ -2101,15 +2089,23 @@
           </a:pPr>
           <a:r>
             <a:rPr lang="ko-KR" altLang="en-US" sz="1500" kern="1200" dirty="0" smtClean="0"/>
-            <a:t>캐릭터 입력처리 </a:t>
-          </a:r>
-          <a:r>
-            <a:rPr lang="ko-KR" altLang="en-US" sz="1500" kern="1200" dirty="0" smtClean="0"/>
-            <a:t>제작</a:t>
+            <a:t>캐릭터 입력처리 제작</a:t>
           </a:r>
           <a:r>
             <a:rPr lang="en-US" altLang="ko-KR" sz="1500" kern="1200" dirty="0" smtClean="0"/>
-            <a:t>(10/9~10/15)</a:t>
+            <a:t>(10/9~10/15) </a:t>
+          </a:r>
+          <a:r>
+            <a:rPr lang="en-US" altLang="ko-KR" sz="1500" kern="1200" dirty="0" smtClean="0">
+              <a:sym typeface="Wingdings" pitchFamily="2" charset="2"/>
+            </a:rPr>
+            <a:t></a:t>
+          </a:r>
+          <a:r>
+            <a:rPr lang="ko-KR" altLang="en-US" sz="1500" kern="1200" dirty="0" smtClean="0">
+              <a:sym typeface="Wingdings" pitchFamily="2" charset="2"/>
+            </a:rPr>
+            <a:t>완료</a:t>
           </a:r>
           <a:endParaRPr lang="ko-KR" altLang="en-US" sz="1500" kern="1200" dirty="0"/>
         </a:p>
@@ -2275,11 +2271,7 @@
           </a:r>
           <a:r>
             <a:rPr lang="ko-KR" altLang="en-US" sz="1500" kern="1200" dirty="0" smtClean="0"/>
-            <a:t>배치 및 </a:t>
-          </a:r>
-          <a:r>
-            <a:rPr lang="ko-KR" altLang="en-US" sz="1500" kern="1200" dirty="0" smtClean="0"/>
-            <a:t>애니메이션작업</a:t>
+            <a:t>배치 및 애니메이션작업</a:t>
           </a:r>
           <a:r>
             <a:rPr lang="en-US" altLang="ko-KR" sz="1500" kern="1200" dirty="0" smtClean="0"/>
@@ -2291,7 +2283,13 @@
           </a:r>
           <a:r>
             <a:rPr lang="en-US" altLang="ko-KR" sz="1500" kern="1200" dirty="0" smtClean="0"/>
-            <a:t>: 10/18</a:t>
+            <a:t>: 10/18 </a:t>
+          </a:r>
+          <a:r>
+            <a:rPr lang="en-US" altLang="ko-KR" sz="1500" kern="1200" dirty="0" smtClean="0">
+              <a:sym typeface="Wingdings" pitchFamily="2" charset="2"/>
+            </a:rPr>
+            <a:t> 50%</a:t>
           </a:r>
           <a:endParaRPr lang="ko-KR" altLang="en-US" sz="1500" kern="1200" dirty="0"/>
         </a:p>
@@ -3677,7 +3675,7 @@
           <a:p>
             <a:fld id="{A8B608C5-2C8B-42A5-AFD1-B261BB870D5A}" type="datetimeFigureOut">
               <a:rPr lang="ko-KR" altLang="en-US" smtClean="0"/>
-              <a:t>2017-10-17</a:t>
+              <a:t>2017-10-18</a:t>
             </a:fld>
             <a:endParaRPr lang="ko-KR" altLang="en-US"/>
           </a:p>
@@ -3943,90 +3941,6 @@
     </a:lvl9pPr>
   </p:notesStyle>
 </p:notesMaster>
-</file>
-
-<file path=ppt/notesSlides/notesSlide1.xml><?xml version="1.0" encoding="utf-8"?>
-<p:notes xmlns:a="http://schemas.openxmlformats.org/drawingml/2006/main" xmlns:r="http://schemas.openxmlformats.org/officeDocument/2006/relationships" xmlns:p="http://schemas.openxmlformats.org/presentationml/2006/main">
-  <p:cSld>
-    <p:spTree>
-      <p:nvGrpSpPr>
-        <p:cNvPr id="1" name=""/>
-        <p:cNvGrpSpPr/>
-        <p:nvPr/>
-      </p:nvGrpSpPr>
-      <p:grpSpPr>
-        <a:xfrm>
-          <a:off x="0" y="0"/>
-          <a:ext cx="0" cy="0"/>
-          <a:chOff x="0" y="0"/>
-          <a:chExt cx="0" cy="0"/>
-        </a:xfrm>
-      </p:grpSpPr>
-      <p:sp>
-        <p:nvSpPr>
-          <p:cNvPr id="2" name="슬라이드 이미지 개체 틀 1"/>
-          <p:cNvSpPr>
-            <a:spLocks noGrp="1" noRot="1" noChangeAspect="1"/>
-          </p:cNvSpPr>
-          <p:nvPr>
-            <p:ph type="sldImg"/>
-          </p:nvPr>
-        </p:nvSpPr>
-        <p:spPr/>
-      </p:sp>
-      <p:sp>
-        <p:nvSpPr>
-          <p:cNvPr id="3" name="슬라이드 노트 개체 틀 2"/>
-          <p:cNvSpPr>
-            <a:spLocks noGrp="1"/>
-          </p:cNvSpPr>
-          <p:nvPr>
-            <p:ph type="body" idx="1"/>
-          </p:nvPr>
-        </p:nvSpPr>
-        <p:spPr/>
-        <p:txBody>
-          <a:bodyPr/>
-          <a:lstStyle/>
-          <a:p>
-            <a:endParaRPr lang="ko-KR" altLang="en-US" dirty="0"/>
-          </a:p>
-        </p:txBody>
-      </p:sp>
-      <p:sp>
-        <p:nvSpPr>
-          <p:cNvPr id="4" name="슬라이드 번호 개체 틀 3"/>
-          <p:cNvSpPr>
-            <a:spLocks noGrp="1"/>
-          </p:cNvSpPr>
-          <p:nvPr>
-            <p:ph type="sldNum" sz="quarter" idx="10"/>
-          </p:nvPr>
-        </p:nvSpPr>
-        <p:spPr/>
-        <p:txBody>
-          <a:bodyPr/>
-          <a:lstStyle/>
-          <a:p>
-            <a:fld id="{FB56F4A8-AD70-4403-995A-FB712CCFF4DC}" type="slidenum">
-              <a:rPr lang="ko-KR" altLang="en-US" smtClean="0"/>
-              <a:t>9</a:t>
-            </a:fld>
-            <a:endParaRPr lang="ko-KR" altLang="en-US"/>
-          </a:p>
-        </p:txBody>
-      </p:sp>
-    </p:spTree>
-    <p:extLst>
-      <p:ext uri="{BB962C8B-B14F-4D97-AF65-F5344CB8AC3E}">
-        <p14:creationId xmlns:p14="http://schemas.microsoft.com/office/powerpoint/2010/main" val="1216274871"/>
-      </p:ext>
-    </p:extLst>
-  </p:cSld>
-  <p:clrMapOvr>
-    <a:masterClrMapping/>
-  </p:clrMapOvr>
-</p:notes>
 </file>
 
 <file path=ppt/slideLayouts/slideLayout1.xml><?xml version="1.0" encoding="utf-8"?>
@@ -4211,7 +4125,7 @@
             <a:fld id="{F3CF03C6-1A05-41EC-BC19-02EE946D372F}" type="datetimeFigureOut">
               <a:rPr lang="ko-KR" altLang="en-US" smtClean="0"/>
               <a:pPr/>
-              <a:t>2017-10-17</a:t>
+              <a:t>2017-10-18</a:t>
             </a:fld>
             <a:endParaRPr lang="ko-KR" altLang="en-US"/>
           </a:p>
@@ -4386,7 +4300,7 @@
             <a:fld id="{F3CF03C6-1A05-41EC-BC19-02EE946D372F}" type="datetimeFigureOut">
               <a:rPr lang="ko-KR" altLang="en-US" smtClean="0"/>
               <a:pPr/>
-              <a:t>2017-10-17</a:t>
+              <a:t>2017-10-18</a:t>
             </a:fld>
             <a:endParaRPr lang="ko-KR" altLang="en-US"/>
           </a:p>
@@ -4571,7 +4485,7 @@
             <a:fld id="{F3CF03C6-1A05-41EC-BC19-02EE946D372F}" type="datetimeFigureOut">
               <a:rPr lang="ko-KR" altLang="en-US" smtClean="0"/>
               <a:pPr/>
-              <a:t>2017-10-17</a:t>
+              <a:t>2017-10-18</a:t>
             </a:fld>
             <a:endParaRPr lang="ko-KR" altLang="en-US"/>
           </a:p>
@@ -4746,7 +4660,7 @@
             <a:fld id="{F3CF03C6-1A05-41EC-BC19-02EE946D372F}" type="datetimeFigureOut">
               <a:rPr lang="ko-KR" altLang="en-US" smtClean="0"/>
               <a:pPr/>
-              <a:t>2017-10-17</a:t>
+              <a:t>2017-10-18</a:t>
             </a:fld>
             <a:endParaRPr lang="ko-KR" altLang="en-US"/>
           </a:p>
@@ -4997,7 +4911,7 @@
             <a:fld id="{F3CF03C6-1A05-41EC-BC19-02EE946D372F}" type="datetimeFigureOut">
               <a:rPr lang="ko-KR" altLang="en-US" smtClean="0"/>
               <a:pPr/>
-              <a:t>2017-10-17</a:t>
+              <a:t>2017-10-18</a:t>
             </a:fld>
             <a:endParaRPr lang="ko-KR" altLang="en-US"/>
           </a:p>
@@ -5290,7 +5204,7 @@
             <a:fld id="{F3CF03C6-1A05-41EC-BC19-02EE946D372F}" type="datetimeFigureOut">
               <a:rPr lang="ko-KR" altLang="en-US" smtClean="0"/>
               <a:pPr/>
-              <a:t>2017-10-17</a:t>
+              <a:t>2017-10-18</a:t>
             </a:fld>
             <a:endParaRPr lang="ko-KR" altLang="en-US"/>
           </a:p>
@@ -5717,7 +5631,7 @@
             <a:fld id="{F3CF03C6-1A05-41EC-BC19-02EE946D372F}" type="datetimeFigureOut">
               <a:rPr lang="ko-KR" altLang="en-US" smtClean="0"/>
               <a:pPr/>
-              <a:t>2017-10-17</a:t>
+              <a:t>2017-10-18</a:t>
             </a:fld>
             <a:endParaRPr lang="ko-KR" altLang="en-US"/>
           </a:p>
@@ -5840,7 +5754,7 @@
             <a:fld id="{F3CF03C6-1A05-41EC-BC19-02EE946D372F}" type="datetimeFigureOut">
               <a:rPr lang="ko-KR" altLang="en-US" smtClean="0"/>
               <a:pPr/>
-              <a:t>2017-10-17</a:t>
+              <a:t>2017-10-18</a:t>
             </a:fld>
             <a:endParaRPr lang="ko-KR" altLang="en-US"/>
           </a:p>
@@ -5940,7 +5854,7 @@
             <a:fld id="{F3CF03C6-1A05-41EC-BC19-02EE946D372F}" type="datetimeFigureOut">
               <a:rPr lang="ko-KR" altLang="en-US" smtClean="0"/>
               <a:pPr/>
-              <a:t>2017-10-17</a:t>
+              <a:t>2017-10-18</a:t>
             </a:fld>
             <a:endParaRPr lang="ko-KR" altLang="en-US"/>
           </a:p>
@@ -6222,7 +6136,7 @@
             <a:fld id="{F3CF03C6-1A05-41EC-BC19-02EE946D372F}" type="datetimeFigureOut">
               <a:rPr lang="ko-KR" altLang="en-US" smtClean="0"/>
               <a:pPr/>
-              <a:t>2017-10-17</a:t>
+              <a:t>2017-10-18</a:t>
             </a:fld>
             <a:endParaRPr lang="ko-KR" altLang="en-US"/>
           </a:p>
@@ -6480,7 +6394,7 @@
             <a:fld id="{F3CF03C6-1A05-41EC-BC19-02EE946D372F}" type="datetimeFigureOut">
               <a:rPr lang="ko-KR" altLang="en-US" smtClean="0"/>
               <a:pPr/>
-              <a:t>2017-10-17</a:t>
+              <a:t>2017-10-18</a:t>
             </a:fld>
             <a:endParaRPr lang="ko-KR" altLang="en-US"/>
           </a:p>
@@ -6698,7 +6612,7 @@
             <a:fld id="{F3CF03C6-1A05-41EC-BC19-02EE946D372F}" type="datetimeFigureOut">
               <a:rPr lang="ko-KR" altLang="en-US" smtClean="0"/>
               <a:pPr/>
-              <a:t>2017-10-17</a:t>
+              <a:t>2017-10-18</a:t>
             </a:fld>
             <a:endParaRPr lang="ko-KR" altLang="en-US"/>
           </a:p>
@@ -7212,13 +7126,6 @@
               </a:rPr>
               <a:t>Term Project </a:t>
             </a:r>
-            <a:endParaRPr lang="en-US" altLang="ko-KR" sz="4400" dirty="0" smtClean="0">
-              <a:solidFill>
-                <a:schemeClr val="bg1"/>
-              </a:solidFill>
-              <a:latin typeface="배달의민족 한나" pitchFamily="2" charset="-127"/>
-              <a:ea typeface="배달의민족 한나" pitchFamily="2" charset="-127"/>
-            </a:endParaRPr>
           </a:p>
           <a:p>
             <a:pPr algn="ctr"/>
@@ -7480,7 +7387,413 @@
 </p:sld>
 </file>
 
-<file path=ppt/slides/slide10.xml><?xml version="1.0" encoding="utf-8"?>
+<file path=ppt/slides/slide2.xml><?xml version="1.0" encoding="utf-8"?>
+<p:sld xmlns:a="http://schemas.openxmlformats.org/drawingml/2006/main" xmlns:r="http://schemas.openxmlformats.org/officeDocument/2006/relationships" xmlns:p="http://schemas.openxmlformats.org/presentationml/2006/main">
+  <p:cSld>
+    <p:spTree>
+      <p:nvGrpSpPr>
+        <p:cNvPr id="1" name=""/>
+        <p:cNvGrpSpPr/>
+        <p:nvPr/>
+      </p:nvGrpSpPr>
+      <p:grpSpPr>
+        <a:xfrm>
+          <a:off x="0" y="0"/>
+          <a:ext cx="0" cy="0"/>
+          <a:chOff x="0" y="0"/>
+          <a:chExt cx="0" cy="0"/>
+        </a:xfrm>
+      </p:grpSpPr>
+      <p:sp>
+        <p:nvSpPr>
+          <p:cNvPr id="10" name="직사각형 9"/>
+          <p:cNvSpPr/>
+          <p:nvPr/>
+        </p:nvSpPr>
+        <p:spPr>
+          <a:xfrm>
+            <a:off x="0" y="0"/>
+            <a:ext cx="9169516" cy="6858000"/>
+          </a:xfrm>
+          <a:prstGeom prst="rect">
+            <a:avLst/>
+          </a:prstGeom>
+          <a:solidFill>
+            <a:schemeClr val="accent6"/>
+          </a:solidFill>
+          <a:ln>
+            <a:noFill/>
+          </a:ln>
+        </p:spPr>
+        <p:style>
+          <a:lnRef idx="2">
+            <a:schemeClr val="accent1">
+              <a:shade val="50000"/>
+            </a:schemeClr>
+          </a:lnRef>
+          <a:fillRef idx="1">
+            <a:schemeClr val="accent1"/>
+          </a:fillRef>
+          <a:effectRef idx="0">
+            <a:schemeClr val="accent1"/>
+          </a:effectRef>
+          <a:fontRef idx="minor">
+            <a:schemeClr val="lt1"/>
+          </a:fontRef>
+        </p:style>
+        <p:txBody>
+          <a:bodyPr rtlCol="0" anchor="ctr"/>
+          <a:lstStyle/>
+          <a:p>
+            <a:pPr algn="ctr"/>
+            <a:endParaRPr lang="ko-KR" altLang="en-US">
+              <a:latin typeface="배달의민족 한나" pitchFamily="2" charset="-127"/>
+              <a:ea typeface="배달의민족 한나" pitchFamily="2" charset="-127"/>
+            </a:endParaRPr>
+          </a:p>
+        </p:txBody>
+      </p:sp>
+      <p:sp>
+        <p:nvSpPr>
+          <p:cNvPr id="2" name="TextBox 25"/>
+          <p:cNvSpPr txBox="1">
+            <a:spLocks noChangeArrowheads="1"/>
+          </p:cNvSpPr>
+          <p:nvPr/>
+        </p:nvSpPr>
+        <p:spPr bwMode="auto">
+          <a:xfrm>
+            <a:off x="539552" y="404664"/>
+            <a:ext cx="6408712" cy="461665"/>
+          </a:xfrm>
+          <a:prstGeom prst="rect">
+            <a:avLst/>
+          </a:prstGeom>
+          <a:noFill/>
+          <a:ln w="9525">
+            <a:noFill/>
+            <a:miter lim="800000"/>
+            <a:headEnd/>
+            <a:tailEnd/>
+          </a:ln>
+        </p:spPr>
+        <p:txBody>
+          <a:bodyPr wrap="square">
+            <a:spAutoFit/>
+          </a:bodyPr>
+          <a:lstStyle/>
+          <a:p>
+            <a:pPr marL="342900" indent="-342900"/>
+            <a:r>
+              <a:rPr lang="ko-KR" altLang="en-US" sz="2400" dirty="0" smtClean="0">
+                <a:solidFill>
+                  <a:schemeClr val="tx1">
+                    <a:lumMod val="65000"/>
+                    <a:lumOff val="35000"/>
+                  </a:schemeClr>
+                </a:solidFill>
+                <a:latin typeface="배달의민족 한나" pitchFamily="2" charset="-127"/>
+                <a:ea typeface="배달의민족 한나" pitchFamily="2" charset="-127"/>
+              </a:rPr>
+              <a:t>게임 </a:t>
+            </a:r>
+            <a:r>
+              <a:rPr lang="ko-KR" altLang="en-US" sz="2400" dirty="0" err="1" smtClean="0">
+                <a:solidFill>
+                  <a:schemeClr val="tx1">
+                    <a:lumMod val="65000"/>
+                    <a:lumOff val="35000"/>
+                  </a:schemeClr>
+                </a:solidFill>
+                <a:latin typeface="배달의민족 한나" pitchFamily="2" charset="-127"/>
+                <a:ea typeface="배달의민족 한나" pitchFamily="2" charset="-127"/>
+              </a:rPr>
+              <a:t>컨셉</a:t>
+            </a:r>
+            <a:r>
+              <a:rPr lang="ko-KR" altLang="en-US" sz="2400" dirty="0" smtClean="0">
+                <a:solidFill>
+                  <a:schemeClr val="tx1">
+                    <a:lumMod val="65000"/>
+                    <a:lumOff val="35000"/>
+                  </a:schemeClr>
+                </a:solidFill>
+                <a:latin typeface="배달의민족 한나" pitchFamily="2" charset="-127"/>
+                <a:ea typeface="배달의민족 한나" pitchFamily="2" charset="-127"/>
+              </a:rPr>
+              <a:t> </a:t>
+            </a:r>
+            <a:r>
+              <a:rPr lang="en-US" altLang="ko-KR" sz="2400" dirty="0" smtClean="0">
+                <a:solidFill>
+                  <a:schemeClr val="tx1">
+                    <a:lumMod val="65000"/>
+                    <a:lumOff val="35000"/>
+                  </a:schemeClr>
+                </a:solidFill>
+                <a:latin typeface="배달의민족 한나" pitchFamily="2" charset="-127"/>
+                <a:ea typeface="배달의민족 한나" pitchFamily="2" charset="-127"/>
+              </a:rPr>
+              <a:t>&amp;</a:t>
+            </a:r>
+            <a:r>
+              <a:rPr lang="ko-KR" altLang="en-US" sz="2400" dirty="0" smtClean="0">
+                <a:solidFill>
+                  <a:schemeClr val="tx1">
+                    <a:lumMod val="65000"/>
+                    <a:lumOff val="35000"/>
+                  </a:schemeClr>
+                </a:solidFill>
+                <a:latin typeface="배달의민족 한나" pitchFamily="2" charset="-127"/>
+                <a:ea typeface="배달의민족 한나" pitchFamily="2" charset="-127"/>
+              </a:rPr>
+              <a:t> 개발 범위</a:t>
+            </a:r>
+            <a:endParaRPr lang="en-US" altLang="ko-KR" sz="2400" dirty="0" smtClean="0">
+              <a:solidFill>
+                <a:schemeClr val="tx1">
+                  <a:lumMod val="65000"/>
+                  <a:lumOff val="35000"/>
+                </a:schemeClr>
+              </a:solidFill>
+              <a:latin typeface="배달의민족 한나" pitchFamily="2" charset="-127"/>
+              <a:ea typeface="배달의민족 한나" pitchFamily="2" charset="-127"/>
+            </a:endParaRPr>
+          </a:p>
+        </p:txBody>
+      </p:sp>
+      <p:cxnSp>
+        <p:nvCxnSpPr>
+          <p:cNvPr id="4" name="직선 연결선 3"/>
+          <p:cNvCxnSpPr/>
+          <p:nvPr/>
+        </p:nvCxnSpPr>
+        <p:spPr>
+          <a:xfrm>
+            <a:off x="179512" y="236354"/>
+            <a:ext cx="4464000" cy="0"/>
+          </a:xfrm>
+          <a:prstGeom prst="line">
+            <a:avLst/>
+          </a:prstGeom>
+          <a:ln>
+            <a:solidFill>
+              <a:schemeClr val="tx1">
+                <a:lumMod val="50000"/>
+                <a:lumOff val="50000"/>
+              </a:schemeClr>
+            </a:solidFill>
+          </a:ln>
+        </p:spPr>
+        <p:style>
+          <a:lnRef idx="1">
+            <a:schemeClr val="accent1"/>
+          </a:lnRef>
+          <a:fillRef idx="0">
+            <a:schemeClr val="accent1"/>
+          </a:fillRef>
+          <a:effectRef idx="0">
+            <a:schemeClr val="accent1"/>
+          </a:effectRef>
+          <a:fontRef idx="minor">
+            <a:schemeClr val="tx1"/>
+          </a:fontRef>
+        </p:style>
+      </p:cxnSp>
+      <p:sp>
+        <p:nvSpPr>
+          <p:cNvPr id="5" name="TextBox 4"/>
+          <p:cNvSpPr txBox="1">
+            <a:spLocks noChangeArrowheads="1"/>
+          </p:cNvSpPr>
+          <p:nvPr/>
+        </p:nvSpPr>
+        <p:spPr bwMode="auto">
+          <a:xfrm>
+            <a:off x="35496" y="182250"/>
+            <a:ext cx="720080" cy="923330"/>
+          </a:xfrm>
+          <a:prstGeom prst="rect">
+            <a:avLst/>
+          </a:prstGeom>
+          <a:noFill/>
+          <a:ln w="9525">
+            <a:noFill/>
+            <a:miter lim="800000"/>
+            <a:headEnd/>
+            <a:tailEnd/>
+          </a:ln>
+        </p:spPr>
+        <p:txBody>
+          <a:bodyPr wrap="square">
+            <a:spAutoFit/>
+          </a:bodyPr>
+          <a:lstStyle/>
+          <a:p>
+            <a:pPr marL="342900" indent="-342900"/>
+            <a:r>
+              <a:rPr lang="en-US" altLang="ko-KR" sz="5400" dirty="0" smtClean="0">
+                <a:solidFill>
+                  <a:schemeClr val="tx1">
+                    <a:lumMod val="65000"/>
+                    <a:lumOff val="35000"/>
+                  </a:schemeClr>
+                </a:solidFill>
+                <a:latin typeface="나눔고딕 ExtraBold" pitchFamily="50" charset="-127"/>
+                <a:ea typeface="나눔고딕 ExtraBold" pitchFamily="50" charset="-127"/>
+              </a:rPr>
+              <a:t>1</a:t>
+            </a:r>
+          </a:p>
+        </p:txBody>
+      </p:sp>
+      <p:cxnSp>
+        <p:nvCxnSpPr>
+          <p:cNvPr id="6" name="직선 연결선 5"/>
+          <p:cNvCxnSpPr/>
+          <p:nvPr/>
+        </p:nvCxnSpPr>
+        <p:spPr>
+          <a:xfrm>
+            <a:off x="179512" y="980728"/>
+            <a:ext cx="4464000" cy="0"/>
+          </a:xfrm>
+          <a:prstGeom prst="line">
+            <a:avLst/>
+          </a:prstGeom>
+          <a:ln>
+            <a:solidFill>
+              <a:schemeClr val="tx1">
+                <a:lumMod val="50000"/>
+                <a:lumOff val="50000"/>
+              </a:schemeClr>
+            </a:solidFill>
+          </a:ln>
+        </p:spPr>
+        <p:style>
+          <a:lnRef idx="1">
+            <a:schemeClr val="accent1"/>
+          </a:lnRef>
+          <a:fillRef idx="0">
+            <a:schemeClr val="accent1"/>
+          </a:fillRef>
+          <a:effectRef idx="0">
+            <a:schemeClr val="accent1"/>
+          </a:effectRef>
+          <a:fontRef idx="minor">
+            <a:schemeClr val="tx1"/>
+          </a:fontRef>
+        </p:style>
+      </p:cxnSp>
+      <p:graphicFrame>
+        <p:nvGraphicFramePr>
+          <p:cNvPr id="15" name="다이어그램 14"/>
+          <p:cNvGraphicFramePr/>
+          <p:nvPr>
+            <p:extLst>
+              <p:ext uri="{D42A27DB-BD31-4B8C-83A1-F6EECF244321}">
+                <p14:modId xmlns:p14="http://schemas.microsoft.com/office/powerpoint/2010/main" val="4013241707"/>
+              </p:ext>
+            </p:extLst>
+          </p:nvPr>
+        </p:nvGraphicFramePr>
+        <p:xfrm>
+          <a:off x="361266" y="1988840"/>
+          <a:ext cx="8388436" cy="4608512"/>
+        </p:xfrm>
+        <a:graphic>
+          <a:graphicData uri="http://schemas.openxmlformats.org/drawingml/2006/diagram">
+            <dgm:relIds xmlns:dgm="http://schemas.openxmlformats.org/drawingml/2006/diagram" xmlns:r="http://schemas.openxmlformats.org/officeDocument/2006/relationships" r:dm="rId2" r:lo="rId3" r:qs="rId4" r:cs="rId5"/>
+          </a:graphicData>
+        </a:graphic>
+      </p:graphicFrame>
+      <p:sp>
+        <p:nvSpPr>
+          <p:cNvPr id="8" name="TextBox 25"/>
+          <p:cNvSpPr txBox="1">
+            <a:spLocks noChangeArrowheads="1"/>
+          </p:cNvSpPr>
+          <p:nvPr/>
+        </p:nvSpPr>
+        <p:spPr bwMode="auto">
+          <a:xfrm>
+            <a:off x="732416" y="1268760"/>
+            <a:ext cx="6740482" cy="523220"/>
+          </a:xfrm>
+          <a:prstGeom prst="rect">
+            <a:avLst/>
+          </a:prstGeom>
+          <a:noFill/>
+          <a:ln w="9525">
+            <a:noFill/>
+            <a:miter lim="800000"/>
+            <a:headEnd/>
+            <a:tailEnd/>
+          </a:ln>
+        </p:spPr>
+        <p:txBody>
+          <a:bodyPr wrap="square">
+            <a:spAutoFit/>
+          </a:bodyPr>
+          <a:lstStyle/>
+          <a:p>
+            <a:pPr marL="342900" indent="-342900"/>
+            <a:r>
+              <a:rPr lang="ko-KR" altLang="en-US" sz="2800" dirty="0" err="1" smtClean="0">
+                <a:solidFill>
+                  <a:schemeClr val="bg1"/>
+                </a:solidFill>
+                <a:latin typeface="배달의민족 한나" pitchFamily="2" charset="-127"/>
+                <a:ea typeface="배달의민족 한나" pitchFamily="2" charset="-127"/>
+              </a:rPr>
+              <a:t>횡스크롤</a:t>
+            </a:r>
+            <a:r>
+              <a:rPr lang="ko-KR" altLang="en-US" sz="2800" dirty="0" smtClean="0">
+                <a:solidFill>
+                  <a:schemeClr val="bg1"/>
+                </a:solidFill>
+                <a:latin typeface="배달의민족 한나" pitchFamily="2" charset="-127"/>
+                <a:ea typeface="배달의민족 한나" pitchFamily="2" charset="-127"/>
+              </a:rPr>
+              <a:t> </a:t>
+            </a:r>
+            <a:r>
+              <a:rPr lang="ko-KR" altLang="en-US" sz="2800" dirty="0" err="1" smtClean="0">
+                <a:solidFill>
+                  <a:schemeClr val="bg1"/>
+                </a:solidFill>
+                <a:latin typeface="배달의민족 한나" pitchFamily="2" charset="-127"/>
+                <a:ea typeface="배달의민족 한나" pitchFamily="2" charset="-127"/>
+              </a:rPr>
+              <a:t>런게임</a:t>
+            </a:r>
+            <a:endParaRPr lang="en-US" altLang="ko-KR" sz="2800" dirty="0" smtClean="0">
+              <a:solidFill>
+                <a:schemeClr val="bg1"/>
+              </a:solidFill>
+              <a:latin typeface="배달의민족 한나" pitchFamily="2" charset="-127"/>
+              <a:ea typeface="배달의민족 한나" pitchFamily="2" charset="-127"/>
+            </a:endParaRPr>
+          </a:p>
+        </p:txBody>
+      </p:sp>
+    </p:spTree>
+  </p:cSld>
+  <p:clrMapOvr>
+    <a:masterClrMapping/>
+  </p:clrMapOvr>
+  <p:timing>
+    <p:tnLst>
+      <p:par>
+        <p:cTn id="1" dur="indefinite" restart="never" nodeType="tmRoot"/>
+      </p:par>
+    </p:tnLst>
+  </p:timing>
+</p:sld>
+</file>
+
+<file path=ppt/slides/slide3.xml><?xml version="1.0" encoding="utf-8"?>
 <p:sld xmlns:a="http://schemas.openxmlformats.org/drawingml/2006/main" xmlns:r="http://schemas.openxmlformats.org/officeDocument/2006/relationships" xmlns:p="http://schemas.openxmlformats.org/presentationml/2006/main">
   <p:cSld>
     <p:spTree>
@@ -7556,7 +7869,7 @@
         </p:nvSpPr>
         <p:spPr bwMode="auto">
           <a:xfrm>
-            <a:off x="179512" y="267038"/>
+            <a:off x="467544" y="404664"/>
             <a:ext cx="4104456" cy="523220"/>
           </a:xfrm>
           <a:prstGeom prst="rect">
@@ -7578,7 +7891,7 @@
           <a:p>
             <a:pPr marL="342900" indent="-342900"/>
             <a:r>
-              <a:rPr lang="en-US" altLang="ko-KR" sz="2800" dirty="0" err="1" smtClean="0">
+              <a:rPr lang="ko-KR" altLang="en-US" sz="2800" dirty="0">
                 <a:solidFill>
                   <a:schemeClr val="tx1">
                     <a:lumMod val="65000"/>
@@ -7588,22 +7901,9 @@
                 <a:latin typeface="배달의민족 한나" pitchFamily="2" charset="-127"/>
                 <a:ea typeface="배달의민족 한나" pitchFamily="2" charset="-127"/>
               </a:rPr>
-              <a:t>Github</a:t>
-            </a:r>
-            <a:r>
-              <a:rPr lang="en-US" altLang="ko-KR" sz="2800" dirty="0" smtClean="0">
-                <a:solidFill>
-                  <a:schemeClr val="tx1">
-                    <a:lumMod val="65000"/>
-                    <a:lumOff val="35000"/>
-                  </a:schemeClr>
-                </a:solidFill>
-                <a:latin typeface="배달의민족 한나" pitchFamily="2" charset="-127"/>
-                <a:ea typeface="배달의민족 한나" pitchFamily="2" charset="-127"/>
-              </a:rPr>
-              <a:t>-commit</a:t>
-            </a:r>
-            <a:endParaRPr lang="en-US" altLang="ko-KR" sz="2800" dirty="0" smtClean="0">
+              <a:t>계획 대비 진행 상황</a:t>
+            </a:r>
+            <a:endParaRPr lang="en-US" altLang="ko-KR" sz="2800" dirty="0">
               <a:solidFill>
                 <a:schemeClr val="tx1">
                   <a:lumMod val="65000"/>
@@ -7624,7 +7924,7 @@
         </p:nvCxnSpPr>
         <p:spPr>
           <a:xfrm>
-            <a:off x="179512" y="188640"/>
+            <a:off x="179512" y="236354"/>
             <a:ext cx="4464000" cy="0"/>
           </a:xfrm>
           <a:prstGeom prst="line">
@@ -7654,6 +7954,53 @@
           </a:fontRef>
         </p:style>
       </p:cxnSp>
+      <p:sp>
+        <p:nvSpPr>
+          <p:cNvPr id="5" name="TextBox 4"/>
+          <p:cNvSpPr txBox="1">
+            <a:spLocks noChangeArrowheads="1"/>
+          </p:cNvSpPr>
+          <p:nvPr/>
+        </p:nvSpPr>
+        <p:spPr bwMode="auto">
+          <a:xfrm>
+            <a:off x="35496" y="182250"/>
+            <a:ext cx="1080120" cy="923330"/>
+          </a:xfrm>
+          <a:prstGeom prst="rect">
+            <a:avLst/>
+          </a:prstGeom>
+          <a:noFill/>
+          <a:ln w="9525">
+            <a:noFill/>
+            <a:miter lim="800000"/>
+            <a:headEnd/>
+            <a:tailEnd/>
+          </a:ln>
+        </p:spPr>
+        <p:txBody>
+          <a:bodyPr wrap="square">
+            <a:spAutoFit/>
+          </a:bodyPr>
+          <a:lstStyle/>
+          <a:p>
+            <a:pPr marL="342900" indent="-342900"/>
+            <a:r>
+              <a:rPr lang="en-US" altLang="ko-KR" sz="5400" dirty="0" smtClean="0">
+                <a:solidFill>
+                  <a:schemeClr val="tx1">
+                    <a:lumMod val="65000"/>
+                    <a:lumOff val="35000"/>
+                  </a:schemeClr>
+                </a:solidFill>
+                <a:latin typeface="나눔고딕 ExtraBold" pitchFamily="50" charset="-127"/>
+                <a:ea typeface="나눔고딕 ExtraBold" pitchFamily="50" charset="-127"/>
+              </a:rPr>
+              <a:t>2</a:t>
+            </a:r>
+          </a:p>
+        </p:txBody>
+      </p:sp>
       <p:cxnSp>
         <p:nvCxnSpPr>
           <p:cNvPr id="6" name="직선 연결선 5"/>
@@ -7662,7 +8009,7 @@
         </p:nvCxnSpPr>
         <p:spPr>
           <a:xfrm>
-            <a:off x="179512" y="908720"/>
+            <a:off x="179512" y="980728"/>
             <a:ext cx="4464000" cy="0"/>
           </a:xfrm>
           <a:prstGeom prst="line">
@@ -7692,9 +8039,89 @@
           </a:fontRef>
         </p:style>
       </p:cxnSp>
+      <p:sp>
+        <p:nvSpPr>
+          <p:cNvPr id="8" name="TextBox 25"/>
+          <p:cNvSpPr txBox="1">
+            <a:spLocks noChangeArrowheads="1"/>
+          </p:cNvSpPr>
+          <p:nvPr/>
+        </p:nvSpPr>
+        <p:spPr bwMode="auto">
+          <a:xfrm>
+            <a:off x="251520" y="1124744"/>
+            <a:ext cx="7704856" cy="369332"/>
+          </a:xfrm>
+          <a:prstGeom prst="rect">
+            <a:avLst/>
+          </a:prstGeom>
+          <a:noFill/>
+          <a:ln w="9525">
+            <a:noFill/>
+            <a:miter lim="800000"/>
+            <a:headEnd/>
+            <a:tailEnd/>
+          </a:ln>
+        </p:spPr>
+        <p:txBody>
+          <a:bodyPr wrap="square">
+            <a:spAutoFit/>
+          </a:bodyPr>
+          <a:lstStyle/>
+          <a:p>
+            <a:pPr lvl="0"/>
+            <a:endParaRPr lang="ko-KR" altLang="en-US" b="1" dirty="0">
+              <a:solidFill>
+                <a:schemeClr val="bg1"/>
+              </a:solidFill>
+            </a:endParaRPr>
+          </a:p>
+        </p:txBody>
+      </p:sp>
       <p:pic>
         <p:nvPicPr>
-          <p:cNvPr id="5124" name="Picture 4" descr="C:\Users\진우원\Desktop\4주차.PNG"/>
+          <p:cNvPr id="4098" name="Picture 2" descr="C:\Users\진우원\Desktop\ingame.PNG"/>
+          <p:cNvPicPr>
+            <a:picLocks noChangeAspect="1" noChangeArrowheads="1"/>
+          </p:cNvPicPr>
+          <p:nvPr/>
+        </p:nvPicPr>
+        <p:blipFill>
+          <a:blip r:embed="rId2">
+            <a:extLst>
+              <a:ext uri="{28A0092B-C50C-407E-A947-70E740481C1C}">
+                <a14:useLocalDpi xmlns:a14="http://schemas.microsoft.com/office/drawing/2010/main" val="0"/>
+              </a:ext>
+            </a:extLst>
+          </a:blip>
+          <a:srcRect/>
+          <a:stretch>
+            <a:fillRect/>
+          </a:stretch>
+        </p:blipFill>
+        <p:spPr bwMode="auto">
+          <a:xfrm>
+            <a:off x="260238" y="2276872"/>
+            <a:ext cx="3843710" cy="3024336"/>
+          </a:xfrm>
+          <a:prstGeom prst="rect">
+            <a:avLst/>
+          </a:prstGeom>
+          <a:noFill/>
+          <a:extLst>
+            <a:ext uri="{909E8E84-426E-40DD-AFC4-6F175D3DCCD1}">
+              <a14:hiddenFill xmlns:a14="http://schemas.microsoft.com/office/drawing/2010/main">
+                <a:solidFill>
+                  <a:srgbClr val="FFFFFF"/>
+                </a:solidFill>
+              </a14:hiddenFill>
+            </a:ext>
+          </a:extLst>
+        </p:spPr>
+      </p:pic>
+      <p:pic>
+        <p:nvPicPr>
+          <p:cNvPr id="4099" name="Picture 3" descr="C:\Users\진우원\Desktop\ingame2.PNG"/>
           <p:cNvPicPr>
             <a:picLocks noChangeAspect="1" noChangeArrowheads="1"/>
           </p:cNvPicPr>
@@ -7715,8 +8142,8 @@
         </p:blipFill>
         <p:spPr bwMode="auto">
           <a:xfrm>
-            <a:off x="1118394" y="1484784"/>
-            <a:ext cx="6907212" cy="4933950"/>
+            <a:off x="4863440" y="2291858"/>
+            <a:ext cx="3819895" cy="3009350"/>
           </a:xfrm>
           <a:prstGeom prst="rect">
             <a:avLst/>
@@ -7733,7 +8160,277 @@
           </a:extLst>
         </p:spPr>
       </p:pic>
+      <p:sp>
+        <p:nvSpPr>
+          <p:cNvPr id="11" name="TextBox 25"/>
+          <p:cNvSpPr txBox="1">
+            <a:spLocks noChangeArrowheads="1"/>
+          </p:cNvSpPr>
+          <p:nvPr/>
+        </p:nvSpPr>
+        <p:spPr bwMode="auto">
+          <a:xfrm>
+            <a:off x="575556" y="5733256"/>
+            <a:ext cx="7704856" cy="369332"/>
+          </a:xfrm>
+          <a:prstGeom prst="rect">
+            <a:avLst/>
+          </a:prstGeom>
+          <a:noFill/>
+          <a:ln w="9525">
+            <a:noFill/>
+            <a:miter lim="800000"/>
+            <a:headEnd/>
+            <a:tailEnd/>
+          </a:ln>
+        </p:spPr>
+        <p:txBody>
+          <a:bodyPr wrap="square">
+            <a:spAutoFit/>
+          </a:bodyPr>
+          <a:lstStyle/>
+          <a:p>
+            <a:pPr lvl="0" algn="ctr"/>
+            <a:r>
+              <a:rPr lang="ko-KR" altLang="en-US" b="1" dirty="0" smtClean="0">
+                <a:solidFill>
+                  <a:schemeClr val="bg1"/>
+                </a:solidFill>
+              </a:rPr>
+              <a:t>장애물 및 적 오브젝트 횡 이동</a:t>
+            </a:r>
+            <a:r>
+              <a:rPr lang="en-US" altLang="ko-KR" b="1" dirty="0" smtClean="0">
+                <a:solidFill>
+                  <a:schemeClr val="bg1"/>
+                </a:solidFill>
+              </a:rPr>
+              <a:t>(</a:t>
+            </a:r>
+            <a:r>
+              <a:rPr lang="ko-KR" altLang="en-US" b="1" dirty="0" smtClean="0">
+                <a:solidFill>
+                  <a:schemeClr val="bg1"/>
+                </a:solidFill>
+              </a:rPr>
+              <a:t>충돌 처리 </a:t>
+            </a:r>
+            <a:r>
+              <a:rPr lang="en-US" altLang="ko-KR" b="1" dirty="0" smtClean="0">
+                <a:solidFill>
+                  <a:schemeClr val="bg1"/>
+                </a:solidFill>
+              </a:rPr>
+              <a:t>X,</a:t>
+            </a:r>
+            <a:r>
+              <a:rPr lang="ko-KR" altLang="en-US" b="1" dirty="0" smtClean="0">
+                <a:solidFill>
+                  <a:schemeClr val="bg1"/>
+                </a:solidFill>
+              </a:rPr>
+              <a:t>패턴 단순</a:t>
+            </a:r>
+            <a:r>
+              <a:rPr lang="en-US" altLang="ko-KR" b="1" dirty="0" smtClean="0">
+                <a:solidFill>
+                  <a:schemeClr val="bg1"/>
+                </a:solidFill>
+              </a:rPr>
+              <a:t>)</a:t>
+            </a:r>
+            <a:endParaRPr lang="ko-KR" altLang="en-US" b="1" dirty="0">
+              <a:solidFill>
+                <a:schemeClr val="bg1"/>
+              </a:solidFill>
+            </a:endParaRPr>
+          </a:p>
+        </p:txBody>
+      </p:sp>
+      <p:sp>
+        <p:nvSpPr>
+          <p:cNvPr id="12" name="TextBox 25"/>
+          <p:cNvSpPr txBox="1">
+            <a:spLocks noChangeArrowheads="1"/>
+          </p:cNvSpPr>
+          <p:nvPr/>
+        </p:nvSpPr>
+        <p:spPr bwMode="auto">
+          <a:xfrm>
+            <a:off x="283118" y="1124744"/>
+            <a:ext cx="5328592" cy="923330"/>
+          </a:xfrm>
+          <a:prstGeom prst="rect">
+            <a:avLst/>
+          </a:prstGeom>
+          <a:noFill/>
+          <a:ln w="9525">
+            <a:noFill/>
+            <a:miter lim="800000"/>
+            <a:headEnd/>
+            <a:tailEnd/>
+          </a:ln>
+        </p:spPr>
+        <p:txBody>
+          <a:bodyPr wrap="square">
+            <a:spAutoFit/>
+          </a:bodyPr>
+          <a:lstStyle/>
+          <a:p>
+            <a:pPr lvl="0"/>
+            <a:r>
+              <a:rPr lang="en-US" altLang="ko-KR" b="1" dirty="0" smtClean="0">
+                <a:solidFill>
+                  <a:schemeClr val="bg1"/>
+                </a:solidFill>
+              </a:rPr>
+              <a:t>* </a:t>
+            </a:r>
+            <a:r>
+              <a:rPr lang="ko-KR" altLang="en-US" b="1" dirty="0" err="1" smtClean="0">
+                <a:solidFill>
+                  <a:schemeClr val="bg1"/>
+                </a:solidFill>
+              </a:rPr>
+              <a:t>케릭터</a:t>
+            </a:r>
+            <a:r>
+              <a:rPr lang="ko-KR" altLang="en-US" b="1" dirty="0" smtClean="0">
+                <a:solidFill>
+                  <a:schemeClr val="bg1"/>
+                </a:solidFill>
+              </a:rPr>
+              <a:t> 애니메이션 </a:t>
+            </a:r>
+            <a:r>
+              <a:rPr lang="en-US" altLang="ko-KR" b="1" dirty="0" smtClean="0">
+                <a:solidFill>
+                  <a:schemeClr val="bg1"/>
+                </a:solidFill>
+              </a:rPr>
+              <a:t>&amp; </a:t>
+            </a:r>
+            <a:r>
+              <a:rPr lang="ko-KR" altLang="en-US" b="1" dirty="0" smtClean="0">
+                <a:solidFill>
+                  <a:schemeClr val="bg1"/>
+                </a:solidFill>
+              </a:rPr>
+              <a:t>입력 컨트롤</a:t>
+            </a:r>
+            <a:r>
+              <a:rPr lang="en-US" altLang="ko-KR" b="1" dirty="0" smtClean="0">
+                <a:solidFill>
+                  <a:schemeClr val="bg1"/>
+                </a:solidFill>
+              </a:rPr>
+              <a:t>(Spacebar)</a:t>
+            </a:r>
+          </a:p>
+          <a:p>
+            <a:pPr lvl="0"/>
+            <a:r>
+              <a:rPr lang="en-US" altLang="ko-KR" b="1" dirty="0" smtClean="0">
+                <a:solidFill>
+                  <a:schemeClr val="bg1"/>
+                </a:solidFill>
+              </a:rPr>
+              <a:t>* </a:t>
+            </a:r>
+            <a:r>
+              <a:rPr lang="ko-KR" altLang="en-US" b="1" dirty="0" smtClean="0">
+                <a:solidFill>
+                  <a:schemeClr val="bg1"/>
+                </a:solidFill>
+              </a:rPr>
+              <a:t>적 </a:t>
+            </a:r>
+            <a:r>
+              <a:rPr lang="en-US" altLang="ko-KR" b="1" dirty="0" smtClean="0">
+                <a:solidFill>
+                  <a:schemeClr val="bg1"/>
+                </a:solidFill>
+              </a:rPr>
+              <a:t>&amp; </a:t>
+            </a:r>
+            <a:r>
+              <a:rPr lang="ko-KR" altLang="en-US" b="1" dirty="0" smtClean="0">
+                <a:solidFill>
+                  <a:schemeClr val="bg1"/>
+                </a:solidFill>
+              </a:rPr>
+              <a:t>장애물 오브젝트 배치 및 애니메이션</a:t>
+            </a:r>
+            <a:endParaRPr lang="en-US" altLang="ko-KR" b="1" dirty="0" smtClean="0">
+              <a:solidFill>
+                <a:schemeClr val="bg1"/>
+              </a:solidFill>
+            </a:endParaRPr>
+          </a:p>
+          <a:p>
+            <a:pPr lvl="0"/>
+            <a:r>
+              <a:rPr lang="en-US" altLang="ko-KR" b="1" dirty="0" smtClean="0">
+                <a:solidFill>
+                  <a:schemeClr val="bg1"/>
+                </a:solidFill>
+              </a:rPr>
+              <a:t>* </a:t>
+            </a:r>
+            <a:r>
+              <a:rPr lang="ko-KR" altLang="en-US" b="1" dirty="0" smtClean="0">
+                <a:solidFill>
+                  <a:schemeClr val="bg1"/>
+                </a:solidFill>
+              </a:rPr>
+              <a:t>배경 및 장애물</a:t>
+            </a:r>
+            <a:r>
+              <a:rPr lang="en-US" altLang="ko-KR" b="1" dirty="0" smtClean="0">
+                <a:solidFill>
+                  <a:schemeClr val="bg1"/>
+                </a:solidFill>
+              </a:rPr>
+              <a:t>, </a:t>
+            </a:r>
+            <a:r>
+              <a:rPr lang="ko-KR" altLang="en-US" b="1" dirty="0" smtClean="0">
+                <a:solidFill>
+                  <a:schemeClr val="bg1"/>
+                </a:solidFill>
+              </a:rPr>
+              <a:t>적 오브젝트 </a:t>
+            </a:r>
+            <a:r>
+              <a:rPr lang="ko-KR" altLang="en-US" b="1" dirty="0" smtClean="0">
+                <a:solidFill>
+                  <a:schemeClr val="bg1"/>
+                </a:solidFill>
+              </a:rPr>
+              <a:t>횡 </a:t>
+            </a:r>
+            <a:r>
+              <a:rPr lang="ko-KR" altLang="en-US" b="1" dirty="0" smtClean="0">
+                <a:solidFill>
+                  <a:schemeClr val="bg1"/>
+                </a:solidFill>
+              </a:rPr>
+              <a:t>이동</a:t>
+            </a:r>
+            <a:endParaRPr lang="ko-KR" altLang="en-US" b="1" dirty="0">
+              <a:solidFill>
+                <a:schemeClr val="bg1"/>
+              </a:solidFill>
+            </a:endParaRPr>
+          </a:p>
+        </p:txBody>
+      </p:sp>
     </p:spTree>
+    <p:extLst>
+      <p:ext uri="{BB962C8B-B14F-4D97-AF65-F5344CB8AC3E}">
+        <p14:creationId xmlns:p14="http://schemas.microsoft.com/office/powerpoint/2010/main" val="679497562"/>
+      </p:ext>
+    </p:extLst>
   </p:cSld>
   <p:clrMapOvr>
     <a:masterClrMapping/>
@@ -7748,7 +8445,610 @@
 </p:sld>
 </file>
 
-<file path=ppt/slides/slide11.xml><?xml version="1.0" encoding="utf-8"?>
+<file path=ppt/slides/slide4.xml><?xml version="1.0" encoding="utf-8"?>
+<p:sld xmlns:a="http://schemas.openxmlformats.org/drawingml/2006/main" xmlns:r="http://schemas.openxmlformats.org/officeDocument/2006/relationships" xmlns:p="http://schemas.openxmlformats.org/presentationml/2006/main">
+  <p:cSld>
+    <p:spTree>
+      <p:nvGrpSpPr>
+        <p:cNvPr id="1" name=""/>
+        <p:cNvGrpSpPr/>
+        <p:nvPr/>
+      </p:nvGrpSpPr>
+      <p:grpSpPr>
+        <a:xfrm>
+          <a:off x="0" y="0"/>
+          <a:ext cx="0" cy="0"/>
+          <a:chOff x="0" y="0"/>
+          <a:chExt cx="0" cy="0"/>
+        </a:xfrm>
+      </p:grpSpPr>
+      <p:sp>
+        <p:nvSpPr>
+          <p:cNvPr id="7" name="직사각형 6"/>
+          <p:cNvSpPr/>
+          <p:nvPr/>
+        </p:nvSpPr>
+        <p:spPr>
+          <a:xfrm>
+            <a:off x="0" y="0"/>
+            <a:ext cx="9144000" cy="6858000"/>
+          </a:xfrm>
+          <a:prstGeom prst="rect">
+            <a:avLst/>
+          </a:prstGeom>
+          <a:solidFill>
+            <a:schemeClr val="accent6"/>
+          </a:solidFill>
+          <a:ln>
+            <a:noFill/>
+          </a:ln>
+        </p:spPr>
+        <p:style>
+          <a:lnRef idx="2">
+            <a:schemeClr val="accent1">
+              <a:shade val="50000"/>
+            </a:schemeClr>
+          </a:lnRef>
+          <a:fillRef idx="1">
+            <a:schemeClr val="accent1"/>
+          </a:fillRef>
+          <a:effectRef idx="0">
+            <a:schemeClr val="accent1"/>
+          </a:effectRef>
+          <a:fontRef idx="minor">
+            <a:schemeClr val="lt1"/>
+          </a:fontRef>
+        </p:style>
+        <p:txBody>
+          <a:bodyPr rtlCol="0" anchor="ctr"/>
+          <a:lstStyle/>
+          <a:p>
+            <a:pPr algn="ctr"/>
+            <a:endParaRPr lang="ko-KR" altLang="en-US">
+              <a:latin typeface="배달의민족 한나" pitchFamily="2" charset="-127"/>
+              <a:ea typeface="배달의민족 한나" pitchFamily="2" charset="-127"/>
+            </a:endParaRPr>
+          </a:p>
+        </p:txBody>
+      </p:sp>
+      <p:sp>
+        <p:nvSpPr>
+          <p:cNvPr id="2" name="TextBox 25"/>
+          <p:cNvSpPr txBox="1">
+            <a:spLocks noChangeArrowheads="1"/>
+          </p:cNvSpPr>
+          <p:nvPr/>
+        </p:nvSpPr>
+        <p:spPr bwMode="auto">
+          <a:xfrm>
+            <a:off x="575556" y="374988"/>
+            <a:ext cx="4104456" cy="523220"/>
+          </a:xfrm>
+          <a:prstGeom prst="rect">
+            <a:avLst/>
+          </a:prstGeom>
+          <a:noFill/>
+          <a:ln w="9525">
+            <a:noFill/>
+            <a:miter lim="800000"/>
+            <a:headEnd/>
+            <a:tailEnd/>
+          </a:ln>
+        </p:spPr>
+        <p:txBody>
+          <a:bodyPr wrap="square">
+            <a:spAutoFit/>
+          </a:bodyPr>
+          <a:lstStyle/>
+          <a:p>
+            <a:pPr marL="342900" indent="-342900"/>
+            <a:r>
+              <a:rPr lang="en-US" altLang="ko-KR" sz="2800" dirty="0" err="1" smtClean="0">
+                <a:solidFill>
+                  <a:schemeClr val="tx1">
+                    <a:lumMod val="65000"/>
+                    <a:lumOff val="35000"/>
+                  </a:schemeClr>
+                </a:solidFill>
+                <a:latin typeface="배달의민족 한나" pitchFamily="2" charset="-127"/>
+                <a:ea typeface="배달의민족 한나" pitchFamily="2" charset="-127"/>
+              </a:rPr>
+              <a:t>Github</a:t>
+            </a:r>
+            <a:r>
+              <a:rPr lang="en-US" altLang="ko-KR" sz="2800" dirty="0" smtClean="0">
+                <a:solidFill>
+                  <a:schemeClr val="tx1">
+                    <a:lumMod val="65000"/>
+                    <a:lumOff val="35000"/>
+                  </a:schemeClr>
+                </a:solidFill>
+                <a:latin typeface="배달의민족 한나" pitchFamily="2" charset="-127"/>
+                <a:ea typeface="배달의민족 한나" pitchFamily="2" charset="-127"/>
+              </a:rPr>
+              <a:t> Commit </a:t>
+            </a:r>
+          </a:p>
+        </p:txBody>
+      </p:sp>
+      <p:cxnSp>
+        <p:nvCxnSpPr>
+          <p:cNvPr id="4" name="직선 연결선 3"/>
+          <p:cNvCxnSpPr/>
+          <p:nvPr/>
+        </p:nvCxnSpPr>
+        <p:spPr>
+          <a:xfrm>
+            <a:off x="179512" y="236354"/>
+            <a:ext cx="4464000" cy="0"/>
+          </a:xfrm>
+          <a:prstGeom prst="line">
+            <a:avLst/>
+          </a:prstGeom>
+          <a:ln>
+            <a:solidFill>
+              <a:schemeClr val="tx1">
+                <a:lumMod val="50000"/>
+                <a:lumOff val="50000"/>
+              </a:schemeClr>
+            </a:solidFill>
+          </a:ln>
+        </p:spPr>
+        <p:style>
+          <a:lnRef idx="1">
+            <a:schemeClr val="accent1"/>
+          </a:lnRef>
+          <a:fillRef idx="0">
+            <a:schemeClr val="accent1"/>
+          </a:fillRef>
+          <a:effectRef idx="0">
+            <a:schemeClr val="accent1"/>
+          </a:effectRef>
+          <a:fontRef idx="minor">
+            <a:schemeClr val="tx1"/>
+          </a:fontRef>
+        </p:style>
+      </p:cxnSp>
+      <p:sp>
+        <p:nvSpPr>
+          <p:cNvPr id="5" name="TextBox 4"/>
+          <p:cNvSpPr txBox="1">
+            <a:spLocks noChangeArrowheads="1"/>
+          </p:cNvSpPr>
+          <p:nvPr/>
+        </p:nvSpPr>
+        <p:spPr bwMode="auto">
+          <a:xfrm>
+            <a:off x="35496" y="182250"/>
+            <a:ext cx="1080120" cy="923330"/>
+          </a:xfrm>
+          <a:prstGeom prst="rect">
+            <a:avLst/>
+          </a:prstGeom>
+          <a:noFill/>
+          <a:ln w="9525">
+            <a:noFill/>
+            <a:miter lim="800000"/>
+            <a:headEnd/>
+            <a:tailEnd/>
+          </a:ln>
+        </p:spPr>
+        <p:txBody>
+          <a:bodyPr wrap="square">
+            <a:spAutoFit/>
+          </a:bodyPr>
+          <a:lstStyle/>
+          <a:p>
+            <a:pPr marL="342900" indent="-342900"/>
+            <a:r>
+              <a:rPr lang="en-US" altLang="ko-KR" sz="5400" dirty="0">
+                <a:solidFill>
+                  <a:schemeClr val="tx1">
+                    <a:lumMod val="65000"/>
+                    <a:lumOff val="35000"/>
+                  </a:schemeClr>
+                </a:solidFill>
+                <a:latin typeface="나눔고딕 ExtraBold" pitchFamily="50" charset="-127"/>
+                <a:ea typeface="나눔고딕 ExtraBold" pitchFamily="50" charset="-127"/>
+              </a:rPr>
+              <a:t>3</a:t>
+            </a:r>
+            <a:endParaRPr lang="en-US" altLang="ko-KR" sz="5400" dirty="0" smtClean="0">
+              <a:solidFill>
+                <a:schemeClr val="tx1">
+                  <a:lumMod val="65000"/>
+                  <a:lumOff val="35000"/>
+                </a:schemeClr>
+              </a:solidFill>
+              <a:latin typeface="나눔고딕 ExtraBold" pitchFamily="50" charset="-127"/>
+              <a:ea typeface="나눔고딕 ExtraBold" pitchFamily="50" charset="-127"/>
+            </a:endParaRPr>
+          </a:p>
+        </p:txBody>
+      </p:sp>
+      <p:cxnSp>
+        <p:nvCxnSpPr>
+          <p:cNvPr id="6" name="직선 연결선 5"/>
+          <p:cNvCxnSpPr/>
+          <p:nvPr/>
+        </p:nvCxnSpPr>
+        <p:spPr>
+          <a:xfrm>
+            <a:off x="179512" y="980728"/>
+            <a:ext cx="4464000" cy="0"/>
+          </a:xfrm>
+          <a:prstGeom prst="line">
+            <a:avLst/>
+          </a:prstGeom>
+          <a:ln>
+            <a:solidFill>
+              <a:schemeClr val="tx1">
+                <a:lumMod val="50000"/>
+                <a:lumOff val="50000"/>
+              </a:schemeClr>
+            </a:solidFill>
+          </a:ln>
+        </p:spPr>
+        <p:style>
+          <a:lnRef idx="1">
+            <a:schemeClr val="accent1"/>
+          </a:lnRef>
+          <a:fillRef idx="0">
+            <a:schemeClr val="accent1"/>
+          </a:fillRef>
+          <a:effectRef idx="0">
+            <a:schemeClr val="accent1"/>
+          </a:effectRef>
+          <a:fontRef idx="minor">
+            <a:schemeClr val="tx1"/>
+          </a:fontRef>
+        </p:style>
+      </p:cxnSp>
+      <p:sp>
+        <p:nvSpPr>
+          <p:cNvPr id="8" name="TextBox 25"/>
+          <p:cNvSpPr txBox="1">
+            <a:spLocks noChangeArrowheads="1"/>
+          </p:cNvSpPr>
+          <p:nvPr/>
+        </p:nvSpPr>
+        <p:spPr bwMode="auto">
+          <a:xfrm>
+            <a:off x="251520" y="1124744"/>
+            <a:ext cx="7704856" cy="369332"/>
+          </a:xfrm>
+          <a:prstGeom prst="rect">
+            <a:avLst/>
+          </a:prstGeom>
+          <a:noFill/>
+          <a:ln w="9525">
+            <a:noFill/>
+            <a:miter lim="800000"/>
+            <a:headEnd/>
+            <a:tailEnd/>
+          </a:ln>
+        </p:spPr>
+        <p:txBody>
+          <a:bodyPr wrap="square">
+            <a:spAutoFit/>
+          </a:bodyPr>
+          <a:lstStyle/>
+          <a:p>
+            <a:pPr lvl="0"/>
+            <a:endParaRPr lang="ko-KR" altLang="en-US" b="1" dirty="0">
+              <a:solidFill>
+                <a:schemeClr val="bg1"/>
+              </a:solidFill>
+            </a:endParaRPr>
+          </a:p>
+        </p:txBody>
+      </p:sp>
+      <p:pic>
+        <p:nvPicPr>
+          <p:cNvPr id="1026" name="Picture 2" descr="C:\Users\진우원\Desktop\123.PNG"/>
+          <p:cNvPicPr>
+            <a:picLocks noChangeAspect="1" noChangeArrowheads="1"/>
+          </p:cNvPicPr>
+          <p:nvPr/>
+        </p:nvPicPr>
+        <p:blipFill>
+          <a:blip r:embed="rId2">
+            <a:extLst>
+              <a:ext uri="{28A0092B-C50C-407E-A947-70E740481C1C}">
+                <a14:useLocalDpi xmlns:a14="http://schemas.microsoft.com/office/drawing/2010/main" val="0"/>
+              </a:ext>
+            </a:extLst>
+          </a:blip>
+          <a:srcRect/>
+          <a:stretch>
+            <a:fillRect/>
+          </a:stretch>
+        </p:blipFill>
+        <p:spPr bwMode="auto">
+          <a:xfrm>
+            <a:off x="395536" y="1278979"/>
+            <a:ext cx="6869113" cy="4886325"/>
+          </a:xfrm>
+          <a:prstGeom prst="rect">
+            <a:avLst/>
+          </a:prstGeom>
+          <a:noFill/>
+          <a:extLst>
+            <a:ext uri="{909E8E84-426E-40DD-AFC4-6F175D3DCCD1}">
+              <a14:hiddenFill xmlns:a14="http://schemas.microsoft.com/office/drawing/2010/main">
+                <a:solidFill>
+                  <a:srgbClr val="FFFFFF"/>
+                </a:solidFill>
+              </a14:hiddenFill>
+            </a:ext>
+          </a:extLst>
+        </p:spPr>
+      </p:pic>
+      <p:sp>
+        <p:nvSpPr>
+          <p:cNvPr id="13" name="TextBox 25"/>
+          <p:cNvSpPr txBox="1">
+            <a:spLocks noChangeArrowheads="1"/>
+          </p:cNvSpPr>
+          <p:nvPr/>
+        </p:nvSpPr>
+        <p:spPr bwMode="auto">
+          <a:xfrm>
+            <a:off x="7334325" y="4841865"/>
+            <a:ext cx="1727243" cy="1323439"/>
+          </a:xfrm>
+          <a:prstGeom prst="rect">
+            <a:avLst/>
+          </a:prstGeom>
+          <a:noFill/>
+          <a:ln w="9525">
+            <a:noFill/>
+            <a:miter lim="800000"/>
+            <a:headEnd/>
+            <a:tailEnd/>
+          </a:ln>
+        </p:spPr>
+        <p:txBody>
+          <a:bodyPr wrap="square">
+            <a:spAutoFit/>
+          </a:bodyPr>
+          <a:lstStyle/>
+          <a:p>
+            <a:pPr marL="342900" indent="-342900"/>
+            <a:r>
+              <a:rPr lang="en-US" altLang="ko-KR" sz="1600" dirty="0" smtClean="0">
+                <a:solidFill>
+                  <a:schemeClr val="bg1"/>
+                </a:solidFill>
+                <a:latin typeface="배달의민족 한나" pitchFamily="2" charset="-127"/>
+                <a:ea typeface="배달의민족 한나" pitchFamily="2" charset="-127"/>
+              </a:rPr>
+              <a:t>1</a:t>
+            </a:r>
+            <a:r>
+              <a:rPr lang="ko-KR" altLang="en-US" sz="1600" dirty="0" smtClean="0">
+                <a:solidFill>
+                  <a:schemeClr val="bg1"/>
+                </a:solidFill>
+                <a:latin typeface="배달의민족 한나" pitchFamily="2" charset="-127"/>
+                <a:ea typeface="배달의민족 한나" pitchFamily="2" charset="-127"/>
+              </a:rPr>
+              <a:t>주차 </a:t>
+            </a:r>
+            <a:r>
+              <a:rPr lang="en-US" altLang="ko-KR" sz="1600" dirty="0" smtClean="0">
+                <a:solidFill>
+                  <a:schemeClr val="bg1"/>
+                </a:solidFill>
+                <a:latin typeface="배달의민족 한나" pitchFamily="2" charset="-127"/>
+                <a:ea typeface="배달의민족 한나" pitchFamily="2" charset="-127"/>
+              </a:rPr>
+              <a:t>: </a:t>
+            </a:r>
+            <a:r>
+              <a:rPr lang="en-US" altLang="ko-KR" sz="1600" dirty="0" smtClean="0">
+                <a:solidFill>
+                  <a:schemeClr val="accent6">
+                    <a:lumMod val="50000"/>
+                  </a:schemeClr>
+                </a:solidFill>
+                <a:latin typeface="배달의민족 한나" pitchFamily="2" charset="-127"/>
+                <a:ea typeface="배달의민족 한나" pitchFamily="2" charset="-127"/>
+              </a:rPr>
+              <a:t>9 commit</a:t>
+            </a:r>
+          </a:p>
+          <a:p>
+            <a:pPr marL="342900" indent="-342900"/>
+            <a:r>
+              <a:rPr lang="en-US" altLang="ko-KR" sz="1600" dirty="0" smtClean="0">
+                <a:solidFill>
+                  <a:schemeClr val="bg1"/>
+                </a:solidFill>
+                <a:latin typeface="배달의민족 한나" pitchFamily="2" charset="-127"/>
+                <a:ea typeface="배달의민족 한나" pitchFamily="2" charset="-127"/>
+              </a:rPr>
+              <a:t>2</a:t>
+            </a:r>
+            <a:r>
+              <a:rPr lang="ko-KR" altLang="en-US" sz="1600" dirty="0" smtClean="0">
+                <a:solidFill>
+                  <a:schemeClr val="bg1"/>
+                </a:solidFill>
+                <a:latin typeface="배달의민족 한나" pitchFamily="2" charset="-127"/>
+                <a:ea typeface="배달의민족 한나" pitchFamily="2" charset="-127"/>
+              </a:rPr>
+              <a:t>주차 </a:t>
+            </a:r>
+            <a:r>
+              <a:rPr lang="en-US" altLang="ko-KR" sz="1600" dirty="0" smtClean="0">
+                <a:solidFill>
+                  <a:schemeClr val="bg1"/>
+                </a:solidFill>
+                <a:latin typeface="배달의민족 한나" pitchFamily="2" charset="-127"/>
+                <a:ea typeface="배달의민족 한나" pitchFamily="2" charset="-127"/>
+              </a:rPr>
+              <a:t>: </a:t>
+            </a:r>
+            <a:r>
+              <a:rPr lang="en-US" altLang="ko-KR" sz="1600" dirty="0" smtClean="0">
+                <a:solidFill>
+                  <a:schemeClr val="accent6">
+                    <a:lumMod val="50000"/>
+                  </a:schemeClr>
+                </a:solidFill>
+                <a:latin typeface="배달의민족 한나" pitchFamily="2" charset="-127"/>
+                <a:ea typeface="배달의민족 한나" pitchFamily="2" charset="-127"/>
+              </a:rPr>
+              <a:t>26 commit</a:t>
+            </a:r>
+          </a:p>
+          <a:p>
+            <a:pPr marL="342900" indent="-342900"/>
+            <a:r>
+              <a:rPr lang="en-US" altLang="ko-KR" sz="1600" dirty="0" smtClean="0">
+                <a:solidFill>
+                  <a:schemeClr val="bg1"/>
+                </a:solidFill>
+                <a:latin typeface="배달의민족 한나" pitchFamily="2" charset="-127"/>
+                <a:ea typeface="배달의민족 한나" pitchFamily="2" charset="-127"/>
+              </a:rPr>
+              <a:t>3</a:t>
+            </a:r>
+            <a:r>
+              <a:rPr lang="ko-KR" altLang="en-US" sz="1600" dirty="0" smtClean="0">
+                <a:solidFill>
+                  <a:schemeClr val="bg1"/>
+                </a:solidFill>
+                <a:latin typeface="배달의민족 한나" pitchFamily="2" charset="-127"/>
+                <a:ea typeface="배달의민족 한나" pitchFamily="2" charset="-127"/>
+              </a:rPr>
+              <a:t>주차 </a:t>
+            </a:r>
+            <a:r>
+              <a:rPr lang="en-US" altLang="ko-KR" sz="1600" dirty="0" smtClean="0">
+                <a:solidFill>
+                  <a:schemeClr val="bg1"/>
+                </a:solidFill>
+                <a:latin typeface="배달의민족 한나" pitchFamily="2" charset="-127"/>
+                <a:ea typeface="배달의민족 한나" pitchFamily="2" charset="-127"/>
+              </a:rPr>
+              <a:t>: </a:t>
+            </a:r>
+            <a:r>
+              <a:rPr lang="en-US" altLang="ko-KR" sz="1600" dirty="0" smtClean="0">
+                <a:solidFill>
+                  <a:schemeClr val="accent6">
+                    <a:lumMod val="50000"/>
+                  </a:schemeClr>
+                </a:solidFill>
+                <a:latin typeface="배달의민족 한나" pitchFamily="2" charset="-127"/>
+                <a:ea typeface="배달의민족 한나" pitchFamily="2" charset="-127"/>
+              </a:rPr>
+              <a:t>13commit</a:t>
+            </a:r>
+          </a:p>
+          <a:p>
+            <a:pPr marL="342900" indent="-342900"/>
+            <a:r>
+              <a:rPr lang="en-US" altLang="ko-KR" sz="1600" dirty="0" smtClean="0">
+                <a:solidFill>
+                  <a:schemeClr val="bg1"/>
+                </a:solidFill>
+                <a:latin typeface="배달의민족 한나" pitchFamily="2" charset="-127"/>
+                <a:ea typeface="배달의민족 한나" pitchFamily="2" charset="-127"/>
+              </a:rPr>
+              <a:t>4</a:t>
+            </a:r>
+            <a:r>
+              <a:rPr lang="ko-KR" altLang="en-US" sz="1600" dirty="0" smtClean="0">
+                <a:solidFill>
+                  <a:schemeClr val="bg1"/>
+                </a:solidFill>
+                <a:latin typeface="배달의민족 한나" pitchFamily="2" charset="-127"/>
+                <a:ea typeface="배달의민족 한나" pitchFamily="2" charset="-127"/>
+              </a:rPr>
+              <a:t>주차 </a:t>
+            </a:r>
+            <a:r>
+              <a:rPr lang="en-US" altLang="ko-KR" sz="1600" dirty="0" smtClean="0">
+                <a:solidFill>
+                  <a:schemeClr val="bg1"/>
+                </a:solidFill>
+                <a:latin typeface="배달의민족 한나" pitchFamily="2" charset="-127"/>
+                <a:ea typeface="배달의민족 한나" pitchFamily="2" charset="-127"/>
+              </a:rPr>
+              <a:t>: </a:t>
+            </a:r>
+            <a:r>
+              <a:rPr lang="en-US" altLang="ko-KR" sz="1600" dirty="0" smtClean="0">
+                <a:solidFill>
+                  <a:schemeClr val="accent6">
+                    <a:lumMod val="50000"/>
+                  </a:schemeClr>
+                </a:solidFill>
+                <a:latin typeface="배달의민족 한나" pitchFamily="2" charset="-127"/>
+                <a:ea typeface="배달의민족 한나" pitchFamily="2" charset="-127"/>
+              </a:rPr>
+              <a:t>5commit</a:t>
+            </a:r>
+          </a:p>
+          <a:p>
+            <a:pPr marL="342900" indent="-342900"/>
+            <a:r>
+              <a:rPr lang="en-US" altLang="ko-KR" sz="1600" dirty="0" smtClean="0">
+                <a:solidFill>
+                  <a:schemeClr val="bg1"/>
+                </a:solidFill>
+                <a:latin typeface="배달의민족 한나" pitchFamily="2" charset="-127"/>
+                <a:ea typeface="배달의민족 한나" pitchFamily="2" charset="-127"/>
+              </a:rPr>
+              <a:t>(10/18</a:t>
+            </a:r>
+            <a:r>
+              <a:rPr lang="ko-KR" altLang="en-US" sz="1600" dirty="0" smtClean="0">
+                <a:solidFill>
+                  <a:schemeClr val="bg1"/>
+                </a:solidFill>
+                <a:latin typeface="배달의민족 한나" pitchFamily="2" charset="-127"/>
+                <a:ea typeface="배달의민족 한나" pitchFamily="2" charset="-127"/>
+              </a:rPr>
+              <a:t>일 기준</a:t>
+            </a:r>
+            <a:r>
+              <a:rPr lang="en-US" altLang="ko-KR" sz="1600" dirty="0" smtClean="0">
+                <a:solidFill>
+                  <a:schemeClr val="bg1"/>
+                </a:solidFill>
+                <a:latin typeface="배달의민족 한나" pitchFamily="2" charset="-127"/>
+                <a:ea typeface="배달의민족 한나" pitchFamily="2" charset="-127"/>
+              </a:rPr>
+              <a:t>)</a:t>
+            </a:r>
+          </a:p>
+        </p:txBody>
+      </p:sp>
+    </p:spTree>
+    <p:extLst>
+      <p:ext uri="{BB962C8B-B14F-4D97-AF65-F5344CB8AC3E}">
+        <p14:creationId xmlns:p14="http://schemas.microsoft.com/office/powerpoint/2010/main" val="4027619933"/>
+      </p:ext>
+    </p:extLst>
+  </p:cSld>
+  <p:clrMapOvr>
+    <a:masterClrMapping/>
+  </p:clrMapOvr>
+  <p:timing>
+    <p:tnLst>
+      <p:par>
+        <p:cTn id="1" dur="indefinite" restart="never" nodeType="tmRoot"/>
+      </p:par>
+    </p:tnLst>
+  </p:timing>
+</p:sld>
+</file>
+
+<file path=ppt/slides/slide5.xml><?xml version="1.0" encoding="utf-8"?>
 <p:sld xmlns:a="http://schemas.openxmlformats.org/drawingml/2006/main" xmlns:r="http://schemas.openxmlformats.org/officeDocument/2006/relationships" xmlns:p="http://schemas.openxmlformats.org/presentationml/2006/main">
   <p:cSld>
     <p:spTree>
@@ -8081,3545 +9381,6 @@
         </p:cxnSp>
       </p:grpSp>
     </p:spTree>
-  </p:cSld>
-  <p:clrMapOvr>
-    <a:masterClrMapping/>
-  </p:clrMapOvr>
-  <p:timing>
-    <p:tnLst>
-      <p:par>
-        <p:cTn id="1" dur="indefinite" restart="never" nodeType="tmRoot"/>
-      </p:par>
-    </p:tnLst>
-  </p:timing>
-</p:sld>
-</file>
-
-<file path=ppt/slides/slide2.xml><?xml version="1.0" encoding="utf-8"?>
-<p:sld xmlns:a="http://schemas.openxmlformats.org/drawingml/2006/main" xmlns:r="http://schemas.openxmlformats.org/officeDocument/2006/relationships" xmlns:p="http://schemas.openxmlformats.org/presentationml/2006/main">
-  <p:cSld>
-    <p:spTree>
-      <p:nvGrpSpPr>
-        <p:cNvPr id="1" name=""/>
-        <p:cNvGrpSpPr/>
-        <p:nvPr/>
-      </p:nvGrpSpPr>
-      <p:grpSpPr>
-        <a:xfrm>
-          <a:off x="0" y="0"/>
-          <a:ext cx="0" cy="0"/>
-          <a:chOff x="0" y="0"/>
-          <a:chExt cx="0" cy="0"/>
-        </a:xfrm>
-      </p:grpSpPr>
-      <p:sp>
-        <p:nvSpPr>
-          <p:cNvPr id="10" name="직사각형 9"/>
-          <p:cNvSpPr/>
-          <p:nvPr/>
-        </p:nvSpPr>
-        <p:spPr>
-          <a:xfrm>
-            <a:off x="0" y="0"/>
-            <a:ext cx="9169516" cy="6858000"/>
-          </a:xfrm>
-          <a:prstGeom prst="rect">
-            <a:avLst/>
-          </a:prstGeom>
-          <a:solidFill>
-            <a:schemeClr val="accent6"/>
-          </a:solidFill>
-          <a:ln>
-            <a:noFill/>
-          </a:ln>
-        </p:spPr>
-        <p:style>
-          <a:lnRef idx="2">
-            <a:schemeClr val="accent1">
-              <a:shade val="50000"/>
-            </a:schemeClr>
-          </a:lnRef>
-          <a:fillRef idx="1">
-            <a:schemeClr val="accent1"/>
-          </a:fillRef>
-          <a:effectRef idx="0">
-            <a:schemeClr val="accent1"/>
-          </a:effectRef>
-          <a:fontRef idx="minor">
-            <a:schemeClr val="lt1"/>
-          </a:fontRef>
-        </p:style>
-        <p:txBody>
-          <a:bodyPr rtlCol="0" anchor="ctr"/>
-          <a:lstStyle/>
-          <a:p>
-            <a:pPr algn="ctr"/>
-            <a:endParaRPr lang="ko-KR" altLang="en-US">
-              <a:latin typeface="배달의민족 한나" pitchFamily="2" charset="-127"/>
-              <a:ea typeface="배달의민족 한나" pitchFamily="2" charset="-127"/>
-            </a:endParaRPr>
-          </a:p>
-        </p:txBody>
-      </p:sp>
-      <p:sp>
-        <p:nvSpPr>
-          <p:cNvPr id="2" name="TextBox 25"/>
-          <p:cNvSpPr txBox="1">
-            <a:spLocks noChangeArrowheads="1"/>
-          </p:cNvSpPr>
-          <p:nvPr/>
-        </p:nvSpPr>
-        <p:spPr bwMode="auto">
-          <a:xfrm>
-            <a:off x="755576" y="404664"/>
-            <a:ext cx="4104456" cy="523220"/>
-          </a:xfrm>
-          <a:prstGeom prst="rect">
-            <a:avLst/>
-          </a:prstGeom>
-          <a:noFill/>
-          <a:ln w="9525">
-            <a:noFill/>
-            <a:miter lim="800000"/>
-            <a:headEnd/>
-            <a:tailEnd/>
-          </a:ln>
-        </p:spPr>
-        <p:txBody>
-          <a:bodyPr wrap="square">
-            <a:spAutoFit/>
-          </a:bodyPr>
-          <a:lstStyle/>
-          <a:p>
-            <a:pPr marL="342900" indent="-342900"/>
-            <a:r>
-              <a:rPr lang="ko-KR" altLang="en-US" sz="2800" dirty="0" smtClean="0">
-                <a:solidFill>
-                  <a:schemeClr val="tx1">
-                    <a:lumMod val="65000"/>
-                    <a:lumOff val="35000"/>
-                  </a:schemeClr>
-                </a:solidFill>
-                <a:latin typeface="배달의민족 한나" pitchFamily="2" charset="-127"/>
-                <a:ea typeface="배달의민족 한나" pitchFamily="2" charset="-127"/>
-              </a:rPr>
-              <a:t>개발 현</a:t>
-            </a:r>
-            <a:r>
-              <a:rPr lang="ko-KR" altLang="en-US" sz="2800" dirty="0">
-                <a:solidFill>
-                  <a:schemeClr val="tx1">
-                    <a:lumMod val="65000"/>
-                    <a:lumOff val="35000"/>
-                  </a:schemeClr>
-                </a:solidFill>
-                <a:latin typeface="배달의민족 한나" pitchFamily="2" charset="-127"/>
-                <a:ea typeface="배달의민족 한나" pitchFamily="2" charset="-127"/>
-              </a:rPr>
-              <a:t>황</a:t>
-            </a:r>
-            <a:endParaRPr lang="en-US" altLang="ko-KR" sz="2800" dirty="0" smtClean="0">
-              <a:solidFill>
-                <a:schemeClr val="tx1">
-                  <a:lumMod val="65000"/>
-                  <a:lumOff val="35000"/>
-                </a:schemeClr>
-              </a:solidFill>
-              <a:latin typeface="배달의민족 한나" pitchFamily="2" charset="-127"/>
-              <a:ea typeface="배달의민족 한나" pitchFamily="2" charset="-127"/>
-            </a:endParaRPr>
-          </a:p>
-        </p:txBody>
-      </p:sp>
-      <p:cxnSp>
-        <p:nvCxnSpPr>
-          <p:cNvPr id="4" name="직선 연결선 3"/>
-          <p:cNvCxnSpPr/>
-          <p:nvPr/>
-        </p:nvCxnSpPr>
-        <p:spPr>
-          <a:xfrm>
-            <a:off x="179512" y="236354"/>
-            <a:ext cx="4464000" cy="0"/>
-          </a:xfrm>
-          <a:prstGeom prst="line">
-            <a:avLst/>
-          </a:prstGeom>
-          <a:ln>
-            <a:solidFill>
-              <a:schemeClr val="tx1">
-                <a:lumMod val="50000"/>
-                <a:lumOff val="50000"/>
-              </a:schemeClr>
-            </a:solidFill>
-          </a:ln>
-        </p:spPr>
-        <p:style>
-          <a:lnRef idx="1">
-            <a:schemeClr val="accent1"/>
-          </a:lnRef>
-          <a:fillRef idx="0">
-            <a:schemeClr val="accent1"/>
-          </a:fillRef>
-          <a:effectRef idx="0">
-            <a:schemeClr val="accent1"/>
-          </a:effectRef>
-          <a:fontRef idx="minor">
-            <a:schemeClr val="tx1"/>
-          </a:fontRef>
-        </p:style>
-      </p:cxnSp>
-      <p:sp>
-        <p:nvSpPr>
-          <p:cNvPr id="5" name="TextBox 4"/>
-          <p:cNvSpPr txBox="1">
-            <a:spLocks noChangeArrowheads="1"/>
-          </p:cNvSpPr>
-          <p:nvPr/>
-        </p:nvSpPr>
-        <p:spPr bwMode="auto">
-          <a:xfrm>
-            <a:off x="35496" y="182250"/>
-            <a:ext cx="720080" cy="923330"/>
-          </a:xfrm>
-          <a:prstGeom prst="rect">
-            <a:avLst/>
-          </a:prstGeom>
-          <a:noFill/>
-          <a:ln w="9525">
-            <a:noFill/>
-            <a:miter lim="800000"/>
-            <a:headEnd/>
-            <a:tailEnd/>
-          </a:ln>
-        </p:spPr>
-        <p:txBody>
-          <a:bodyPr wrap="square">
-            <a:spAutoFit/>
-          </a:bodyPr>
-          <a:lstStyle/>
-          <a:p>
-            <a:pPr marL="342900" indent="-342900"/>
-            <a:r>
-              <a:rPr lang="en-US" altLang="ko-KR" sz="5400" dirty="0" smtClean="0">
-                <a:solidFill>
-                  <a:schemeClr val="tx1">
-                    <a:lumMod val="65000"/>
-                    <a:lumOff val="35000"/>
-                  </a:schemeClr>
-                </a:solidFill>
-                <a:latin typeface="나눔고딕 ExtraBold" pitchFamily="50" charset="-127"/>
-                <a:ea typeface="나눔고딕 ExtraBold" pitchFamily="50" charset="-127"/>
-              </a:rPr>
-              <a:t>1</a:t>
-            </a:r>
-          </a:p>
-        </p:txBody>
-      </p:sp>
-      <p:cxnSp>
-        <p:nvCxnSpPr>
-          <p:cNvPr id="6" name="직선 연결선 5"/>
-          <p:cNvCxnSpPr/>
-          <p:nvPr/>
-        </p:nvCxnSpPr>
-        <p:spPr>
-          <a:xfrm>
-            <a:off x="179512" y="980728"/>
-            <a:ext cx="4464000" cy="0"/>
-          </a:xfrm>
-          <a:prstGeom prst="line">
-            <a:avLst/>
-          </a:prstGeom>
-          <a:ln>
-            <a:solidFill>
-              <a:schemeClr val="tx1">
-                <a:lumMod val="50000"/>
-                <a:lumOff val="50000"/>
-              </a:schemeClr>
-            </a:solidFill>
-          </a:ln>
-        </p:spPr>
-        <p:style>
-          <a:lnRef idx="1">
-            <a:schemeClr val="accent1"/>
-          </a:lnRef>
-          <a:fillRef idx="0">
-            <a:schemeClr val="accent1"/>
-          </a:fillRef>
-          <a:effectRef idx="0">
-            <a:schemeClr val="accent1"/>
-          </a:effectRef>
-          <a:fontRef idx="minor">
-            <a:schemeClr val="tx1"/>
-          </a:fontRef>
-        </p:style>
-      </p:cxnSp>
-      <p:graphicFrame>
-        <p:nvGraphicFramePr>
-          <p:cNvPr id="15" name="다이어그램 14"/>
-          <p:cNvGraphicFramePr/>
-          <p:nvPr>
-            <p:extLst>
-              <p:ext uri="{D42A27DB-BD31-4B8C-83A1-F6EECF244321}">
-                <p14:modId xmlns:p14="http://schemas.microsoft.com/office/powerpoint/2010/main" val="2695452715"/>
-              </p:ext>
-            </p:extLst>
-          </p:nvPr>
-        </p:nvGraphicFramePr>
-        <p:xfrm>
-          <a:off x="395536" y="1268760"/>
-          <a:ext cx="8388436" cy="4608512"/>
-        </p:xfrm>
-        <a:graphic>
-          <a:graphicData uri="http://schemas.openxmlformats.org/drawingml/2006/diagram">
-            <dgm:relIds xmlns:dgm="http://schemas.openxmlformats.org/drawingml/2006/diagram" xmlns:r="http://schemas.openxmlformats.org/officeDocument/2006/relationships" r:dm="rId2" r:lo="rId3" r:qs="rId4" r:cs="rId5"/>
-          </a:graphicData>
-        </a:graphic>
-      </p:graphicFrame>
-    </p:spTree>
-  </p:cSld>
-  <p:clrMapOvr>
-    <a:masterClrMapping/>
-  </p:clrMapOvr>
-  <p:timing>
-    <p:tnLst>
-      <p:par>
-        <p:cTn id="1" dur="indefinite" restart="never" nodeType="tmRoot"/>
-      </p:par>
-    </p:tnLst>
-  </p:timing>
-</p:sld>
-</file>
-
-<file path=ppt/slides/slide3.xml><?xml version="1.0" encoding="utf-8"?>
-<p:sld xmlns:a="http://schemas.openxmlformats.org/drawingml/2006/main" xmlns:r="http://schemas.openxmlformats.org/officeDocument/2006/relationships" xmlns:p="http://schemas.openxmlformats.org/presentationml/2006/main">
-  <p:cSld>
-    <p:spTree>
-      <p:nvGrpSpPr>
-        <p:cNvPr id="1" name=""/>
-        <p:cNvGrpSpPr/>
-        <p:nvPr/>
-      </p:nvGrpSpPr>
-      <p:grpSpPr>
-        <a:xfrm>
-          <a:off x="0" y="0"/>
-          <a:ext cx="0" cy="0"/>
-          <a:chOff x="0" y="0"/>
-          <a:chExt cx="0" cy="0"/>
-        </a:xfrm>
-      </p:grpSpPr>
-      <p:sp>
-        <p:nvSpPr>
-          <p:cNvPr id="7" name="직사각형 6"/>
-          <p:cNvSpPr/>
-          <p:nvPr/>
-        </p:nvSpPr>
-        <p:spPr>
-          <a:xfrm>
-            <a:off x="0" y="0"/>
-            <a:ext cx="9144000" cy="6858000"/>
-          </a:xfrm>
-          <a:prstGeom prst="rect">
-            <a:avLst/>
-          </a:prstGeom>
-          <a:solidFill>
-            <a:schemeClr val="accent6"/>
-          </a:solidFill>
-          <a:ln>
-            <a:noFill/>
-          </a:ln>
-        </p:spPr>
-        <p:style>
-          <a:lnRef idx="2">
-            <a:schemeClr val="accent1">
-              <a:shade val="50000"/>
-            </a:schemeClr>
-          </a:lnRef>
-          <a:fillRef idx="1">
-            <a:schemeClr val="accent1"/>
-          </a:fillRef>
-          <a:effectRef idx="0">
-            <a:schemeClr val="accent1"/>
-          </a:effectRef>
-          <a:fontRef idx="minor">
-            <a:schemeClr val="lt1"/>
-          </a:fontRef>
-        </p:style>
-        <p:txBody>
-          <a:bodyPr rtlCol="0" anchor="ctr"/>
-          <a:lstStyle/>
-          <a:p>
-            <a:pPr algn="ctr"/>
-            <a:endParaRPr lang="ko-KR" altLang="en-US">
-              <a:latin typeface="배달의민족 한나" pitchFamily="2" charset="-127"/>
-              <a:ea typeface="배달의민족 한나" pitchFamily="2" charset="-127"/>
-            </a:endParaRPr>
-          </a:p>
-        </p:txBody>
-      </p:sp>
-      <p:sp>
-        <p:nvSpPr>
-          <p:cNvPr id="2" name="TextBox 25"/>
-          <p:cNvSpPr txBox="1">
-            <a:spLocks noChangeArrowheads="1"/>
-          </p:cNvSpPr>
-          <p:nvPr/>
-        </p:nvSpPr>
-        <p:spPr bwMode="auto">
-          <a:xfrm>
-            <a:off x="755576" y="404664"/>
-            <a:ext cx="4104456" cy="646331"/>
-          </a:xfrm>
-          <a:prstGeom prst="rect">
-            <a:avLst/>
-          </a:prstGeom>
-          <a:noFill/>
-          <a:ln w="9525">
-            <a:noFill/>
-            <a:miter lim="800000"/>
-            <a:headEnd/>
-            <a:tailEnd/>
-          </a:ln>
-        </p:spPr>
-        <p:txBody>
-          <a:bodyPr wrap="square">
-            <a:spAutoFit/>
-          </a:bodyPr>
-          <a:lstStyle/>
-          <a:p>
-            <a:pPr marL="342900" indent="-342900"/>
-            <a:r>
-              <a:rPr lang="en-US" altLang="ko-KR" sz="3600" dirty="0" smtClean="0">
-                <a:solidFill>
-                  <a:schemeClr val="tx1">
-                    <a:lumMod val="65000"/>
-                    <a:lumOff val="35000"/>
-                  </a:schemeClr>
-                </a:solidFill>
-                <a:latin typeface="배달의민족 한나" pitchFamily="2" charset="-127"/>
-                <a:ea typeface="배달의민족 한나" pitchFamily="2" charset="-127"/>
-              </a:rPr>
-              <a:t>I</a:t>
-            </a:r>
-            <a:r>
-              <a:rPr lang="en-US" altLang="ko-KR" sz="3600" dirty="0" smtClean="0">
-                <a:solidFill>
-                  <a:schemeClr val="tx1">
-                    <a:lumMod val="65000"/>
-                    <a:lumOff val="35000"/>
-                  </a:schemeClr>
-                </a:solidFill>
-                <a:latin typeface="배달의민족 한나" pitchFamily="2" charset="-127"/>
-                <a:ea typeface="배달의민족 한나" pitchFamily="2" charset="-127"/>
-              </a:rPr>
-              <a:t>n</a:t>
-            </a:r>
-            <a:r>
-              <a:rPr lang="en-US" altLang="ko-KR" sz="2800" dirty="0" smtClean="0">
-                <a:solidFill>
-                  <a:schemeClr val="tx1">
-                    <a:lumMod val="65000"/>
-                    <a:lumOff val="35000"/>
-                  </a:schemeClr>
-                </a:solidFill>
-                <a:latin typeface="배달의민족 한나" pitchFamily="2" charset="-127"/>
-                <a:ea typeface="배달의민족 한나" pitchFamily="2" charset="-127"/>
-              </a:rPr>
-              <a:t> Game-1</a:t>
-            </a:r>
-            <a:r>
-              <a:rPr lang="ko-KR" altLang="en-US" sz="2800" dirty="0" smtClean="0">
-                <a:solidFill>
-                  <a:schemeClr val="tx1">
-                    <a:lumMod val="65000"/>
-                    <a:lumOff val="35000"/>
-                  </a:schemeClr>
-                </a:solidFill>
-                <a:latin typeface="배달의민족 한나" pitchFamily="2" charset="-127"/>
-                <a:ea typeface="배달의민족 한나" pitchFamily="2" charset="-127"/>
-              </a:rPr>
-              <a:t>주차</a:t>
-            </a:r>
-            <a:endParaRPr lang="en-US" altLang="ko-KR" sz="2800" dirty="0" smtClean="0">
-              <a:solidFill>
-                <a:schemeClr val="tx1">
-                  <a:lumMod val="65000"/>
-                  <a:lumOff val="35000"/>
-                </a:schemeClr>
-              </a:solidFill>
-              <a:latin typeface="배달의민족 한나" pitchFamily="2" charset="-127"/>
-              <a:ea typeface="배달의민족 한나" pitchFamily="2" charset="-127"/>
-            </a:endParaRPr>
-          </a:p>
-        </p:txBody>
-      </p:sp>
-      <p:cxnSp>
-        <p:nvCxnSpPr>
-          <p:cNvPr id="4" name="직선 연결선 3"/>
-          <p:cNvCxnSpPr/>
-          <p:nvPr/>
-        </p:nvCxnSpPr>
-        <p:spPr>
-          <a:xfrm>
-            <a:off x="179512" y="236354"/>
-            <a:ext cx="4464000" cy="0"/>
-          </a:xfrm>
-          <a:prstGeom prst="line">
-            <a:avLst/>
-          </a:prstGeom>
-          <a:ln>
-            <a:solidFill>
-              <a:schemeClr val="tx1">
-                <a:lumMod val="50000"/>
-                <a:lumOff val="50000"/>
-              </a:schemeClr>
-            </a:solidFill>
-          </a:ln>
-        </p:spPr>
-        <p:style>
-          <a:lnRef idx="1">
-            <a:schemeClr val="accent1"/>
-          </a:lnRef>
-          <a:fillRef idx="0">
-            <a:schemeClr val="accent1"/>
-          </a:fillRef>
-          <a:effectRef idx="0">
-            <a:schemeClr val="accent1"/>
-          </a:effectRef>
-          <a:fontRef idx="minor">
-            <a:schemeClr val="tx1"/>
-          </a:fontRef>
-        </p:style>
-      </p:cxnSp>
-      <p:sp>
-        <p:nvSpPr>
-          <p:cNvPr id="5" name="TextBox 4"/>
-          <p:cNvSpPr txBox="1">
-            <a:spLocks noChangeArrowheads="1"/>
-          </p:cNvSpPr>
-          <p:nvPr/>
-        </p:nvSpPr>
-        <p:spPr bwMode="auto">
-          <a:xfrm>
-            <a:off x="35496" y="182250"/>
-            <a:ext cx="1080120" cy="923330"/>
-          </a:xfrm>
-          <a:prstGeom prst="rect">
-            <a:avLst/>
-          </a:prstGeom>
-          <a:noFill/>
-          <a:ln w="9525">
-            <a:noFill/>
-            <a:miter lim="800000"/>
-            <a:headEnd/>
-            <a:tailEnd/>
-          </a:ln>
-        </p:spPr>
-        <p:txBody>
-          <a:bodyPr wrap="square">
-            <a:spAutoFit/>
-          </a:bodyPr>
-          <a:lstStyle/>
-          <a:p>
-            <a:pPr marL="342900" indent="-342900"/>
-            <a:r>
-              <a:rPr lang="en-US" altLang="ko-KR" sz="5400" dirty="0">
-                <a:solidFill>
-                  <a:schemeClr val="tx1">
-                    <a:lumMod val="65000"/>
-                    <a:lumOff val="35000"/>
-                  </a:schemeClr>
-                </a:solidFill>
-                <a:latin typeface="나눔고딕 ExtraBold" pitchFamily="50" charset="-127"/>
-                <a:ea typeface="나눔고딕 ExtraBold" pitchFamily="50" charset="-127"/>
-              </a:rPr>
-              <a:t>2</a:t>
-            </a:r>
-            <a:endParaRPr lang="en-US" altLang="ko-KR" sz="5400" dirty="0" smtClean="0">
-              <a:solidFill>
-                <a:schemeClr val="tx1">
-                  <a:lumMod val="65000"/>
-                  <a:lumOff val="35000"/>
-                </a:schemeClr>
-              </a:solidFill>
-              <a:latin typeface="나눔고딕 ExtraBold" pitchFamily="50" charset="-127"/>
-              <a:ea typeface="나눔고딕 ExtraBold" pitchFamily="50" charset="-127"/>
-            </a:endParaRPr>
-          </a:p>
-        </p:txBody>
-      </p:sp>
-      <p:cxnSp>
-        <p:nvCxnSpPr>
-          <p:cNvPr id="6" name="직선 연결선 5"/>
-          <p:cNvCxnSpPr/>
-          <p:nvPr/>
-        </p:nvCxnSpPr>
-        <p:spPr>
-          <a:xfrm>
-            <a:off x="179512" y="980728"/>
-            <a:ext cx="4464000" cy="0"/>
-          </a:xfrm>
-          <a:prstGeom prst="line">
-            <a:avLst/>
-          </a:prstGeom>
-          <a:ln>
-            <a:solidFill>
-              <a:schemeClr val="tx1">
-                <a:lumMod val="50000"/>
-                <a:lumOff val="50000"/>
-              </a:schemeClr>
-            </a:solidFill>
-          </a:ln>
-        </p:spPr>
-        <p:style>
-          <a:lnRef idx="1">
-            <a:schemeClr val="accent1"/>
-          </a:lnRef>
-          <a:fillRef idx="0">
-            <a:schemeClr val="accent1"/>
-          </a:fillRef>
-          <a:effectRef idx="0">
-            <a:schemeClr val="accent1"/>
-          </a:effectRef>
-          <a:fontRef idx="minor">
-            <a:schemeClr val="tx1"/>
-          </a:fontRef>
-        </p:style>
-      </p:cxnSp>
-      <p:sp>
-        <p:nvSpPr>
-          <p:cNvPr id="20" name="TextBox 25"/>
-          <p:cNvSpPr txBox="1">
-            <a:spLocks noChangeArrowheads="1"/>
-          </p:cNvSpPr>
-          <p:nvPr/>
-        </p:nvSpPr>
-        <p:spPr bwMode="auto">
-          <a:xfrm>
-            <a:off x="251520" y="1124744"/>
-            <a:ext cx="7704856" cy="369332"/>
-          </a:xfrm>
-          <a:prstGeom prst="rect">
-            <a:avLst/>
-          </a:prstGeom>
-          <a:noFill/>
-          <a:ln w="9525">
-            <a:noFill/>
-            <a:miter lim="800000"/>
-            <a:headEnd/>
-            <a:tailEnd/>
-          </a:ln>
-        </p:spPr>
-        <p:txBody>
-          <a:bodyPr wrap="square">
-            <a:spAutoFit/>
-          </a:bodyPr>
-          <a:lstStyle/>
-          <a:p>
-            <a:pPr lvl="0"/>
-            <a:r>
-              <a:rPr lang="ko-KR" altLang="en-US" b="1" dirty="0">
-                <a:solidFill>
-                  <a:schemeClr val="bg1"/>
-                </a:solidFill>
-              </a:rPr>
-              <a:t>캐릭터 </a:t>
-            </a:r>
-            <a:r>
-              <a:rPr lang="ko-KR" altLang="en-US" b="1" dirty="0" err="1">
-                <a:solidFill>
-                  <a:schemeClr val="bg1"/>
-                </a:solidFill>
-              </a:rPr>
-              <a:t>스프라이트</a:t>
-            </a:r>
-            <a:r>
-              <a:rPr lang="ko-KR" altLang="en-US" b="1" dirty="0">
-                <a:solidFill>
-                  <a:schemeClr val="bg1"/>
-                </a:solidFill>
-              </a:rPr>
-              <a:t> 리소스 수집 </a:t>
-            </a:r>
-            <a:r>
-              <a:rPr lang="ko-KR" altLang="en-US" b="1" dirty="0" smtClean="0">
-                <a:solidFill>
-                  <a:schemeClr val="bg1"/>
-                </a:solidFill>
-              </a:rPr>
-              <a:t>및 수정 제작</a:t>
-            </a:r>
-            <a:r>
-              <a:rPr lang="en-US" altLang="ko-KR" b="1" dirty="0">
-                <a:solidFill>
-                  <a:schemeClr val="bg1"/>
-                </a:solidFill>
-              </a:rPr>
-              <a:t>(9/25~10/1)</a:t>
-            </a:r>
-            <a:endParaRPr lang="ko-KR" altLang="en-US" b="1" dirty="0">
-              <a:solidFill>
-                <a:schemeClr val="bg1"/>
-              </a:solidFill>
-            </a:endParaRPr>
-          </a:p>
-        </p:txBody>
-      </p:sp>
-      <p:pic>
-        <p:nvPicPr>
-          <p:cNvPr id="2051" name="Picture 3" descr="C:\Users\진우원\Desktop\1주차-1.PNG"/>
-          <p:cNvPicPr>
-            <a:picLocks noChangeAspect="1" noChangeArrowheads="1"/>
-          </p:cNvPicPr>
-          <p:nvPr/>
-        </p:nvPicPr>
-        <p:blipFill>
-          <a:blip r:embed="rId2">
-            <a:extLst>
-              <a:ext uri="{28A0092B-C50C-407E-A947-70E740481C1C}">
-                <a14:useLocalDpi xmlns:a14="http://schemas.microsoft.com/office/drawing/2010/main" val="0"/>
-              </a:ext>
-            </a:extLst>
-          </a:blip>
-          <a:srcRect/>
-          <a:stretch>
-            <a:fillRect/>
-          </a:stretch>
-        </p:blipFill>
-        <p:spPr bwMode="auto">
-          <a:xfrm>
-            <a:off x="4572000" y="1952126"/>
-            <a:ext cx="4506373" cy="972818"/>
-          </a:xfrm>
-          <a:prstGeom prst="rect">
-            <a:avLst/>
-          </a:prstGeom>
-          <a:noFill/>
-          <a:extLst>
-            <a:ext uri="{909E8E84-426E-40DD-AFC4-6F175D3DCCD1}">
-              <a14:hiddenFill xmlns:a14="http://schemas.microsoft.com/office/drawing/2010/main">
-                <a:solidFill>
-                  <a:srgbClr val="FFFFFF"/>
-                </a:solidFill>
-              </a14:hiddenFill>
-            </a:ext>
-          </a:extLst>
-        </p:spPr>
-      </p:pic>
-      <p:sp>
-        <p:nvSpPr>
-          <p:cNvPr id="3" name="아래쪽 화살표 2"/>
-          <p:cNvSpPr/>
-          <p:nvPr/>
-        </p:nvSpPr>
-        <p:spPr>
-          <a:xfrm>
-            <a:off x="6645629" y="3472226"/>
-            <a:ext cx="360040" cy="445023"/>
-          </a:xfrm>
-          <a:prstGeom prst="downArrow">
-            <a:avLst/>
-          </a:prstGeom>
-        </p:spPr>
-        <p:style>
-          <a:lnRef idx="2">
-            <a:schemeClr val="accent1">
-              <a:shade val="50000"/>
-            </a:schemeClr>
-          </a:lnRef>
-          <a:fillRef idx="1">
-            <a:schemeClr val="accent1"/>
-          </a:fillRef>
-          <a:effectRef idx="0">
-            <a:schemeClr val="accent1"/>
-          </a:effectRef>
-          <a:fontRef idx="minor">
-            <a:schemeClr val="lt1"/>
-          </a:fontRef>
-        </p:style>
-        <p:txBody>
-          <a:bodyPr rtlCol="0" anchor="ctr"/>
-          <a:lstStyle/>
-          <a:p>
-            <a:pPr algn="ctr"/>
-            <a:endParaRPr lang="ko-KR" altLang="en-US"/>
-          </a:p>
-        </p:txBody>
-      </p:sp>
-      <p:pic>
-        <p:nvPicPr>
-          <p:cNvPr id="9" name="Picture 4" descr="C:\Users\진우원\Desktop\Term_Project\new_char_sheet.png"/>
-          <p:cNvPicPr>
-            <a:picLocks noChangeAspect="1" noChangeArrowheads="1"/>
-          </p:cNvPicPr>
-          <p:nvPr/>
-        </p:nvPicPr>
-        <p:blipFill>
-          <a:blip r:embed="rId3">
-            <a:extLst>
-              <a:ext uri="{28A0092B-C50C-407E-A947-70E740481C1C}">
-                <a14:useLocalDpi xmlns:a14="http://schemas.microsoft.com/office/drawing/2010/main" val="0"/>
-              </a:ext>
-            </a:extLst>
-          </a:blip>
-          <a:srcRect/>
-          <a:stretch>
-            <a:fillRect/>
-          </a:stretch>
-        </p:blipFill>
-        <p:spPr bwMode="auto">
-          <a:xfrm>
-            <a:off x="4419502" y="3991910"/>
-            <a:ext cx="4812295" cy="612038"/>
-          </a:xfrm>
-          <a:prstGeom prst="rect">
-            <a:avLst/>
-          </a:prstGeom>
-          <a:noFill/>
-          <a:extLst>
-            <a:ext uri="{909E8E84-426E-40DD-AFC4-6F175D3DCCD1}">
-              <a14:hiddenFill xmlns:a14="http://schemas.microsoft.com/office/drawing/2010/main">
-                <a:solidFill>
-                  <a:srgbClr val="FFFFFF"/>
-                </a:solidFill>
-              </a14:hiddenFill>
-            </a:ext>
-          </a:extLst>
-        </p:spPr>
-      </p:pic>
-      <p:pic>
-        <p:nvPicPr>
-          <p:cNvPr id="11" name="Picture 5" descr="C:\Users\진우원\Desktop\Term_Project\jump_sheet.png"/>
-          <p:cNvPicPr>
-            <a:picLocks noChangeAspect="1" noChangeArrowheads="1"/>
-          </p:cNvPicPr>
-          <p:nvPr/>
-        </p:nvPicPr>
-        <p:blipFill>
-          <a:blip r:embed="rId4">
-            <a:extLst>
-              <a:ext uri="{28A0092B-C50C-407E-A947-70E740481C1C}">
-                <a14:useLocalDpi xmlns:a14="http://schemas.microsoft.com/office/drawing/2010/main" val="0"/>
-              </a:ext>
-            </a:extLst>
-          </a:blip>
-          <a:srcRect/>
-          <a:stretch>
-            <a:fillRect/>
-          </a:stretch>
-        </p:blipFill>
-        <p:spPr bwMode="auto">
-          <a:xfrm>
-            <a:off x="6296113" y="4838740"/>
-            <a:ext cx="1232293" cy="625435"/>
-          </a:xfrm>
-          <a:prstGeom prst="rect">
-            <a:avLst/>
-          </a:prstGeom>
-          <a:noFill/>
-          <a:extLst>
-            <a:ext uri="{909E8E84-426E-40DD-AFC4-6F175D3DCCD1}">
-              <a14:hiddenFill xmlns:a14="http://schemas.microsoft.com/office/drawing/2010/main">
-                <a:solidFill>
-                  <a:srgbClr val="FFFFFF"/>
-                </a:solidFill>
-              </a14:hiddenFill>
-            </a:ext>
-          </a:extLst>
-        </p:spPr>
-      </p:pic>
-      <p:pic>
-        <p:nvPicPr>
-          <p:cNvPr id="12" name="Picture 6" descr="C:\Users\진우원\Desktop\1주차-2.PNG"/>
-          <p:cNvPicPr>
-            <a:picLocks noChangeAspect="1" noChangeArrowheads="1"/>
-          </p:cNvPicPr>
-          <p:nvPr/>
-        </p:nvPicPr>
-        <p:blipFill>
-          <a:blip r:embed="rId5">
-            <a:extLst>
-              <a:ext uri="{28A0092B-C50C-407E-A947-70E740481C1C}">
-                <a14:useLocalDpi xmlns:a14="http://schemas.microsoft.com/office/drawing/2010/main" val="0"/>
-              </a:ext>
-            </a:extLst>
-          </a:blip>
-          <a:srcRect/>
-          <a:stretch>
-            <a:fillRect/>
-          </a:stretch>
-        </p:blipFill>
-        <p:spPr bwMode="auto">
-          <a:xfrm>
-            <a:off x="179511" y="1952126"/>
-            <a:ext cx="4039740" cy="1150753"/>
-          </a:xfrm>
-          <a:prstGeom prst="rect">
-            <a:avLst/>
-          </a:prstGeom>
-          <a:noFill/>
-          <a:extLst>
-            <a:ext uri="{909E8E84-426E-40DD-AFC4-6F175D3DCCD1}">
-              <a14:hiddenFill xmlns:a14="http://schemas.microsoft.com/office/drawing/2010/main">
-                <a:solidFill>
-                  <a:srgbClr val="FFFFFF"/>
-                </a:solidFill>
-              </a14:hiddenFill>
-            </a:ext>
-          </a:extLst>
-        </p:spPr>
-      </p:pic>
-      <p:sp>
-        <p:nvSpPr>
-          <p:cNvPr id="25" name="아래쪽 화살표 24"/>
-          <p:cNvSpPr/>
-          <p:nvPr/>
-        </p:nvSpPr>
-        <p:spPr>
-          <a:xfrm>
-            <a:off x="2019361" y="3429000"/>
-            <a:ext cx="360040" cy="445023"/>
-          </a:xfrm>
-          <a:prstGeom prst="downArrow">
-            <a:avLst/>
-          </a:prstGeom>
-        </p:spPr>
-        <p:style>
-          <a:lnRef idx="2">
-            <a:schemeClr val="accent1">
-              <a:shade val="50000"/>
-            </a:schemeClr>
-          </a:lnRef>
-          <a:fillRef idx="1">
-            <a:schemeClr val="accent1"/>
-          </a:fillRef>
-          <a:effectRef idx="0">
-            <a:schemeClr val="accent1"/>
-          </a:effectRef>
-          <a:fontRef idx="minor">
-            <a:schemeClr val="lt1"/>
-          </a:fontRef>
-        </p:style>
-        <p:txBody>
-          <a:bodyPr rtlCol="0" anchor="ctr"/>
-          <a:lstStyle/>
-          <a:p>
-            <a:pPr algn="ctr"/>
-            <a:endParaRPr lang="ko-KR" altLang="en-US"/>
-          </a:p>
-        </p:txBody>
-      </p:sp>
-      <p:pic>
-        <p:nvPicPr>
-          <p:cNvPr id="14" name="Picture 7" descr="C:\Users\진우원\Desktop\Term_Project\flying_sheet.png"/>
-          <p:cNvPicPr>
-            <a:picLocks noChangeAspect="1" noChangeArrowheads="1"/>
-          </p:cNvPicPr>
-          <p:nvPr/>
-        </p:nvPicPr>
-        <p:blipFill>
-          <a:blip r:embed="rId6">
-            <a:extLst>
-              <a:ext uri="{28A0092B-C50C-407E-A947-70E740481C1C}">
-                <a14:useLocalDpi xmlns:a14="http://schemas.microsoft.com/office/drawing/2010/main" val="0"/>
-              </a:ext>
-            </a:extLst>
-          </a:blip>
-          <a:srcRect/>
-          <a:stretch>
-            <a:fillRect/>
-          </a:stretch>
-        </p:blipFill>
-        <p:spPr bwMode="auto">
-          <a:xfrm>
-            <a:off x="179512" y="4041038"/>
-            <a:ext cx="4039739" cy="513782"/>
-          </a:xfrm>
-          <a:prstGeom prst="rect">
-            <a:avLst/>
-          </a:prstGeom>
-          <a:noFill/>
-          <a:extLst>
-            <a:ext uri="{909E8E84-426E-40DD-AFC4-6F175D3DCCD1}">
-              <a14:hiddenFill xmlns:a14="http://schemas.microsoft.com/office/drawing/2010/main">
-                <a:solidFill>
-                  <a:srgbClr val="FFFFFF"/>
-                </a:solidFill>
-              </a14:hiddenFill>
-            </a:ext>
-          </a:extLst>
-        </p:spPr>
-      </p:pic>
-      <p:pic>
-        <p:nvPicPr>
-          <p:cNvPr id="2056" name="Picture 8" descr="C:\Users\진우원\Desktop\Term_Project\block2.png"/>
-          <p:cNvPicPr>
-            <a:picLocks noChangeAspect="1" noChangeArrowheads="1"/>
-          </p:cNvPicPr>
-          <p:nvPr/>
-        </p:nvPicPr>
-        <p:blipFill>
-          <a:blip r:embed="rId7">
-            <a:extLst>
-              <a:ext uri="{28A0092B-C50C-407E-A947-70E740481C1C}">
-                <a14:useLocalDpi xmlns:a14="http://schemas.microsoft.com/office/drawing/2010/main" val="0"/>
-              </a:ext>
-            </a:extLst>
-          </a:blip>
-          <a:srcRect/>
-          <a:stretch>
-            <a:fillRect/>
-          </a:stretch>
-        </p:blipFill>
-        <p:spPr bwMode="auto">
-          <a:xfrm>
-            <a:off x="530153" y="4985608"/>
-            <a:ext cx="904875" cy="561975"/>
-          </a:xfrm>
-          <a:prstGeom prst="rect">
-            <a:avLst/>
-          </a:prstGeom>
-          <a:noFill/>
-          <a:extLst>
-            <a:ext uri="{909E8E84-426E-40DD-AFC4-6F175D3DCCD1}">
-              <a14:hiddenFill xmlns:a14="http://schemas.microsoft.com/office/drawing/2010/main">
-                <a:solidFill>
-                  <a:srgbClr val="FFFFFF"/>
-                </a:solidFill>
-              </a14:hiddenFill>
-            </a:ext>
-          </a:extLst>
-        </p:spPr>
-      </p:pic>
-      <p:pic>
-        <p:nvPicPr>
-          <p:cNvPr id="2057" name="Picture 9" descr="C:\Users\진우원\Desktop\Term_Project\block1.png"/>
-          <p:cNvPicPr>
-            <a:picLocks noChangeAspect="1" noChangeArrowheads="1"/>
-          </p:cNvPicPr>
-          <p:nvPr/>
-        </p:nvPicPr>
-        <p:blipFill>
-          <a:blip r:embed="rId8">
-            <a:extLst>
-              <a:ext uri="{28A0092B-C50C-407E-A947-70E740481C1C}">
-                <a14:useLocalDpi xmlns:a14="http://schemas.microsoft.com/office/drawing/2010/main" val="0"/>
-              </a:ext>
-            </a:extLst>
-          </a:blip>
-          <a:srcRect/>
-          <a:stretch>
-            <a:fillRect/>
-          </a:stretch>
-        </p:blipFill>
-        <p:spPr bwMode="auto">
-          <a:xfrm>
-            <a:off x="2199381" y="5187950"/>
-            <a:ext cx="1504950" cy="276225"/>
-          </a:xfrm>
-          <a:prstGeom prst="rect">
-            <a:avLst/>
-          </a:prstGeom>
-          <a:noFill/>
-          <a:extLst>
-            <a:ext uri="{909E8E84-426E-40DD-AFC4-6F175D3DCCD1}">
-              <a14:hiddenFill xmlns:a14="http://schemas.microsoft.com/office/drawing/2010/main">
-                <a:solidFill>
-                  <a:srgbClr val="FFFFFF"/>
-                </a:solidFill>
-              </a14:hiddenFill>
-            </a:ext>
-          </a:extLst>
-        </p:spPr>
-      </p:pic>
-    </p:spTree>
-  </p:cSld>
-  <p:clrMapOvr>
-    <a:masterClrMapping/>
-  </p:clrMapOvr>
-  <p:timing>
-    <p:tnLst>
-      <p:par>
-        <p:cTn id="1" dur="indefinite" restart="never" nodeType="tmRoot"/>
-      </p:par>
-    </p:tnLst>
-  </p:timing>
-</p:sld>
-</file>
-
-<file path=ppt/slides/slide4.xml><?xml version="1.0" encoding="utf-8"?>
-<p:sld xmlns:a="http://schemas.openxmlformats.org/drawingml/2006/main" xmlns:r="http://schemas.openxmlformats.org/officeDocument/2006/relationships" xmlns:p="http://schemas.openxmlformats.org/presentationml/2006/main">
-  <p:cSld>
-    <p:spTree>
-      <p:nvGrpSpPr>
-        <p:cNvPr id="1" name=""/>
-        <p:cNvGrpSpPr/>
-        <p:nvPr/>
-      </p:nvGrpSpPr>
-      <p:grpSpPr>
-        <a:xfrm>
-          <a:off x="0" y="0"/>
-          <a:ext cx="0" cy="0"/>
-          <a:chOff x="0" y="0"/>
-          <a:chExt cx="0" cy="0"/>
-        </a:xfrm>
-      </p:grpSpPr>
-      <p:sp>
-        <p:nvSpPr>
-          <p:cNvPr id="7" name="직사각형 6"/>
-          <p:cNvSpPr/>
-          <p:nvPr/>
-        </p:nvSpPr>
-        <p:spPr>
-          <a:xfrm>
-            <a:off x="0" y="0"/>
-            <a:ext cx="9144000" cy="6858000"/>
-          </a:xfrm>
-          <a:prstGeom prst="rect">
-            <a:avLst/>
-          </a:prstGeom>
-          <a:solidFill>
-            <a:schemeClr val="accent6"/>
-          </a:solidFill>
-          <a:ln>
-            <a:noFill/>
-          </a:ln>
-        </p:spPr>
-        <p:style>
-          <a:lnRef idx="2">
-            <a:schemeClr val="accent1">
-              <a:shade val="50000"/>
-            </a:schemeClr>
-          </a:lnRef>
-          <a:fillRef idx="1">
-            <a:schemeClr val="accent1"/>
-          </a:fillRef>
-          <a:effectRef idx="0">
-            <a:schemeClr val="accent1"/>
-          </a:effectRef>
-          <a:fontRef idx="minor">
-            <a:schemeClr val="lt1"/>
-          </a:fontRef>
-        </p:style>
-        <p:txBody>
-          <a:bodyPr rtlCol="0" anchor="ctr"/>
-          <a:lstStyle/>
-          <a:p>
-            <a:pPr algn="ctr"/>
-            <a:endParaRPr lang="ko-KR" altLang="en-US">
-              <a:latin typeface="배달의민족 한나" pitchFamily="2" charset="-127"/>
-              <a:ea typeface="배달의민족 한나" pitchFamily="2" charset="-127"/>
-            </a:endParaRPr>
-          </a:p>
-        </p:txBody>
-      </p:sp>
-      <p:sp>
-        <p:nvSpPr>
-          <p:cNvPr id="2" name="TextBox 25"/>
-          <p:cNvSpPr txBox="1">
-            <a:spLocks noChangeArrowheads="1"/>
-          </p:cNvSpPr>
-          <p:nvPr/>
-        </p:nvSpPr>
-        <p:spPr bwMode="auto">
-          <a:xfrm>
-            <a:off x="179512" y="267038"/>
-            <a:ext cx="4104456" cy="523220"/>
-          </a:xfrm>
-          <a:prstGeom prst="rect">
-            <a:avLst/>
-          </a:prstGeom>
-          <a:noFill/>
-          <a:ln w="9525">
-            <a:noFill/>
-            <a:miter lim="800000"/>
-            <a:headEnd/>
-            <a:tailEnd/>
-          </a:ln>
-        </p:spPr>
-        <p:txBody>
-          <a:bodyPr wrap="square">
-            <a:spAutoFit/>
-          </a:bodyPr>
-          <a:lstStyle/>
-          <a:p>
-            <a:pPr marL="342900" indent="-342900"/>
-            <a:r>
-              <a:rPr lang="en-US" altLang="ko-KR" sz="2800" dirty="0" err="1" smtClean="0">
-                <a:solidFill>
-                  <a:schemeClr val="tx1">
-                    <a:lumMod val="65000"/>
-                    <a:lumOff val="35000"/>
-                  </a:schemeClr>
-                </a:solidFill>
-                <a:latin typeface="배달의민족 한나" pitchFamily="2" charset="-127"/>
-                <a:ea typeface="배달의민족 한나" pitchFamily="2" charset="-127"/>
-              </a:rPr>
-              <a:t>Github</a:t>
-            </a:r>
-            <a:r>
-              <a:rPr lang="en-US" altLang="ko-KR" sz="2800" dirty="0" smtClean="0">
-                <a:solidFill>
-                  <a:schemeClr val="tx1">
-                    <a:lumMod val="65000"/>
-                    <a:lumOff val="35000"/>
-                  </a:schemeClr>
-                </a:solidFill>
-                <a:latin typeface="배달의민족 한나" pitchFamily="2" charset="-127"/>
-                <a:ea typeface="배달의민족 한나" pitchFamily="2" charset="-127"/>
-              </a:rPr>
-              <a:t>-commit</a:t>
-            </a:r>
-            <a:endParaRPr lang="en-US" altLang="ko-KR" sz="2800" dirty="0" smtClean="0">
-              <a:solidFill>
-                <a:schemeClr val="tx1">
-                  <a:lumMod val="65000"/>
-                  <a:lumOff val="35000"/>
-                </a:schemeClr>
-              </a:solidFill>
-              <a:latin typeface="배달의민족 한나" pitchFamily="2" charset="-127"/>
-              <a:ea typeface="배달의민족 한나" pitchFamily="2" charset="-127"/>
-            </a:endParaRPr>
-          </a:p>
-        </p:txBody>
-      </p:sp>
-      <p:cxnSp>
-        <p:nvCxnSpPr>
-          <p:cNvPr id="4" name="직선 연결선 3"/>
-          <p:cNvCxnSpPr/>
-          <p:nvPr/>
-        </p:nvCxnSpPr>
-        <p:spPr>
-          <a:xfrm>
-            <a:off x="179512" y="188640"/>
-            <a:ext cx="4464000" cy="0"/>
-          </a:xfrm>
-          <a:prstGeom prst="line">
-            <a:avLst/>
-          </a:prstGeom>
-          <a:ln>
-            <a:solidFill>
-              <a:schemeClr val="tx1">
-                <a:lumMod val="50000"/>
-                <a:lumOff val="50000"/>
-              </a:schemeClr>
-            </a:solidFill>
-          </a:ln>
-        </p:spPr>
-        <p:style>
-          <a:lnRef idx="1">
-            <a:schemeClr val="accent1"/>
-          </a:lnRef>
-          <a:fillRef idx="0">
-            <a:schemeClr val="accent1"/>
-          </a:fillRef>
-          <a:effectRef idx="0">
-            <a:schemeClr val="accent1"/>
-          </a:effectRef>
-          <a:fontRef idx="minor">
-            <a:schemeClr val="tx1"/>
-          </a:fontRef>
-        </p:style>
-      </p:cxnSp>
-      <p:cxnSp>
-        <p:nvCxnSpPr>
-          <p:cNvPr id="6" name="직선 연결선 5"/>
-          <p:cNvCxnSpPr/>
-          <p:nvPr/>
-        </p:nvCxnSpPr>
-        <p:spPr>
-          <a:xfrm>
-            <a:off x="179512" y="908720"/>
-            <a:ext cx="4464000" cy="0"/>
-          </a:xfrm>
-          <a:prstGeom prst="line">
-            <a:avLst/>
-          </a:prstGeom>
-          <a:ln>
-            <a:solidFill>
-              <a:schemeClr val="tx1">
-                <a:lumMod val="50000"/>
-                <a:lumOff val="50000"/>
-              </a:schemeClr>
-            </a:solidFill>
-          </a:ln>
-        </p:spPr>
-        <p:style>
-          <a:lnRef idx="1">
-            <a:schemeClr val="accent1"/>
-          </a:lnRef>
-          <a:fillRef idx="0">
-            <a:schemeClr val="accent1"/>
-          </a:fillRef>
-          <a:effectRef idx="0">
-            <a:schemeClr val="accent1"/>
-          </a:effectRef>
-          <a:fontRef idx="minor">
-            <a:schemeClr val="tx1"/>
-          </a:fontRef>
-        </p:style>
-      </p:cxnSp>
-      <p:pic>
-        <p:nvPicPr>
-          <p:cNvPr id="6146" name="Picture 2" descr="C:\Users\진우원\Desktop\1주차.PNG"/>
-          <p:cNvPicPr>
-            <a:picLocks noChangeAspect="1" noChangeArrowheads="1"/>
-          </p:cNvPicPr>
-          <p:nvPr/>
-        </p:nvPicPr>
-        <p:blipFill>
-          <a:blip r:embed="rId2">
-            <a:extLst>
-              <a:ext uri="{28A0092B-C50C-407E-A947-70E740481C1C}">
-                <a14:useLocalDpi xmlns:a14="http://schemas.microsoft.com/office/drawing/2010/main" val="0"/>
-              </a:ext>
-            </a:extLst>
-          </a:blip>
-          <a:srcRect/>
-          <a:stretch>
-            <a:fillRect/>
-          </a:stretch>
-        </p:blipFill>
-        <p:spPr bwMode="auto">
-          <a:xfrm>
-            <a:off x="1061244" y="1268760"/>
-            <a:ext cx="7021512" cy="4962525"/>
-          </a:xfrm>
-          <a:prstGeom prst="rect">
-            <a:avLst/>
-          </a:prstGeom>
-          <a:noFill/>
-          <a:extLst>
-            <a:ext uri="{909E8E84-426E-40DD-AFC4-6F175D3DCCD1}">
-              <a14:hiddenFill xmlns:a14="http://schemas.microsoft.com/office/drawing/2010/main">
-                <a:solidFill>
-                  <a:srgbClr val="FFFFFF"/>
-                </a:solidFill>
-              </a14:hiddenFill>
-            </a:ext>
-          </a:extLst>
-        </p:spPr>
-      </p:pic>
-    </p:spTree>
-    <p:extLst>
-      <p:ext uri="{BB962C8B-B14F-4D97-AF65-F5344CB8AC3E}">
-        <p14:creationId xmlns:p14="http://schemas.microsoft.com/office/powerpoint/2010/main" val="2916902277"/>
-      </p:ext>
-    </p:extLst>
-  </p:cSld>
-  <p:clrMapOvr>
-    <a:masterClrMapping/>
-  </p:clrMapOvr>
-  <p:timing>
-    <p:tnLst>
-      <p:par>
-        <p:cTn id="1" dur="indefinite" restart="never" nodeType="tmRoot"/>
-      </p:par>
-    </p:tnLst>
-  </p:timing>
-</p:sld>
-</file>
-
-<file path=ppt/slides/slide5.xml><?xml version="1.0" encoding="utf-8"?>
-<p:sld xmlns:a="http://schemas.openxmlformats.org/drawingml/2006/main" xmlns:r="http://schemas.openxmlformats.org/officeDocument/2006/relationships" xmlns:p="http://schemas.openxmlformats.org/presentationml/2006/main">
-  <p:cSld>
-    <p:spTree>
-      <p:nvGrpSpPr>
-        <p:cNvPr id="1" name=""/>
-        <p:cNvGrpSpPr/>
-        <p:nvPr/>
-      </p:nvGrpSpPr>
-      <p:grpSpPr>
-        <a:xfrm>
-          <a:off x="0" y="0"/>
-          <a:ext cx="0" cy="0"/>
-          <a:chOff x="0" y="0"/>
-          <a:chExt cx="0" cy="0"/>
-        </a:xfrm>
-      </p:grpSpPr>
-      <p:sp>
-        <p:nvSpPr>
-          <p:cNvPr id="7" name="직사각형 6"/>
-          <p:cNvSpPr/>
-          <p:nvPr/>
-        </p:nvSpPr>
-        <p:spPr>
-          <a:xfrm>
-            <a:off x="0" y="0"/>
-            <a:ext cx="9144000" cy="6858000"/>
-          </a:xfrm>
-          <a:prstGeom prst="rect">
-            <a:avLst/>
-          </a:prstGeom>
-          <a:solidFill>
-            <a:schemeClr val="accent6"/>
-          </a:solidFill>
-          <a:ln>
-            <a:noFill/>
-          </a:ln>
-        </p:spPr>
-        <p:style>
-          <a:lnRef idx="2">
-            <a:schemeClr val="accent1">
-              <a:shade val="50000"/>
-            </a:schemeClr>
-          </a:lnRef>
-          <a:fillRef idx="1">
-            <a:schemeClr val="accent1"/>
-          </a:fillRef>
-          <a:effectRef idx="0">
-            <a:schemeClr val="accent1"/>
-          </a:effectRef>
-          <a:fontRef idx="minor">
-            <a:schemeClr val="lt1"/>
-          </a:fontRef>
-        </p:style>
-        <p:txBody>
-          <a:bodyPr rtlCol="0" anchor="ctr"/>
-          <a:lstStyle/>
-          <a:p>
-            <a:pPr algn="ctr"/>
-            <a:endParaRPr lang="ko-KR" altLang="en-US">
-              <a:latin typeface="배달의민족 한나" pitchFamily="2" charset="-127"/>
-              <a:ea typeface="배달의민족 한나" pitchFamily="2" charset="-127"/>
-            </a:endParaRPr>
-          </a:p>
-        </p:txBody>
-      </p:sp>
-      <p:sp>
-        <p:nvSpPr>
-          <p:cNvPr id="2" name="TextBox 25"/>
-          <p:cNvSpPr txBox="1">
-            <a:spLocks noChangeArrowheads="1"/>
-          </p:cNvSpPr>
-          <p:nvPr/>
-        </p:nvSpPr>
-        <p:spPr bwMode="auto">
-          <a:xfrm>
-            <a:off x="755576" y="404664"/>
-            <a:ext cx="4104456" cy="646331"/>
-          </a:xfrm>
-          <a:prstGeom prst="rect">
-            <a:avLst/>
-          </a:prstGeom>
-          <a:noFill/>
-          <a:ln w="9525">
-            <a:noFill/>
-            <a:miter lim="800000"/>
-            <a:headEnd/>
-            <a:tailEnd/>
-          </a:ln>
-        </p:spPr>
-        <p:txBody>
-          <a:bodyPr wrap="square">
-            <a:spAutoFit/>
-          </a:bodyPr>
-          <a:lstStyle/>
-          <a:p>
-            <a:pPr marL="342900" indent="-342900"/>
-            <a:r>
-              <a:rPr lang="en-US" altLang="ko-KR" sz="3600" dirty="0">
-                <a:solidFill>
-                  <a:schemeClr val="tx1">
-                    <a:lumMod val="65000"/>
-                    <a:lumOff val="35000"/>
-                  </a:schemeClr>
-                </a:solidFill>
-                <a:latin typeface="배달의민족 한나" pitchFamily="2" charset="-127"/>
-                <a:ea typeface="배달의민족 한나" pitchFamily="2" charset="-127"/>
-              </a:rPr>
-              <a:t>In</a:t>
-            </a:r>
-            <a:r>
-              <a:rPr lang="en-US" altLang="ko-KR" sz="2800" dirty="0">
-                <a:solidFill>
-                  <a:schemeClr val="tx1">
-                    <a:lumMod val="65000"/>
-                    <a:lumOff val="35000"/>
-                  </a:schemeClr>
-                </a:solidFill>
-                <a:latin typeface="배달의민족 한나" pitchFamily="2" charset="-127"/>
-                <a:ea typeface="배달의민족 한나" pitchFamily="2" charset="-127"/>
-              </a:rPr>
-              <a:t> </a:t>
-            </a:r>
-            <a:r>
-              <a:rPr lang="en-US" altLang="ko-KR" sz="2800" dirty="0" smtClean="0">
-                <a:solidFill>
-                  <a:schemeClr val="tx1">
-                    <a:lumMod val="65000"/>
-                    <a:lumOff val="35000"/>
-                  </a:schemeClr>
-                </a:solidFill>
-                <a:latin typeface="배달의민족 한나" pitchFamily="2" charset="-127"/>
-                <a:ea typeface="배달의민족 한나" pitchFamily="2" charset="-127"/>
-              </a:rPr>
-              <a:t>Game-2</a:t>
-            </a:r>
-            <a:r>
-              <a:rPr lang="ko-KR" altLang="en-US" sz="2800" dirty="0" smtClean="0">
-                <a:solidFill>
-                  <a:schemeClr val="tx1">
-                    <a:lumMod val="65000"/>
-                    <a:lumOff val="35000"/>
-                  </a:schemeClr>
-                </a:solidFill>
-                <a:latin typeface="배달의민족 한나" pitchFamily="2" charset="-127"/>
-                <a:ea typeface="배달의민족 한나" pitchFamily="2" charset="-127"/>
-              </a:rPr>
-              <a:t>주차</a:t>
-            </a:r>
-            <a:endParaRPr lang="en-US" altLang="ko-KR" sz="2800" dirty="0">
-              <a:solidFill>
-                <a:schemeClr val="tx1">
-                  <a:lumMod val="65000"/>
-                  <a:lumOff val="35000"/>
-                </a:schemeClr>
-              </a:solidFill>
-              <a:latin typeface="배달의민족 한나" pitchFamily="2" charset="-127"/>
-              <a:ea typeface="배달의민족 한나" pitchFamily="2" charset="-127"/>
-            </a:endParaRPr>
-          </a:p>
-        </p:txBody>
-      </p:sp>
-      <p:cxnSp>
-        <p:nvCxnSpPr>
-          <p:cNvPr id="4" name="직선 연결선 3"/>
-          <p:cNvCxnSpPr/>
-          <p:nvPr/>
-        </p:nvCxnSpPr>
-        <p:spPr>
-          <a:xfrm>
-            <a:off x="179512" y="236354"/>
-            <a:ext cx="4464000" cy="0"/>
-          </a:xfrm>
-          <a:prstGeom prst="line">
-            <a:avLst/>
-          </a:prstGeom>
-          <a:ln>
-            <a:solidFill>
-              <a:schemeClr val="tx1">
-                <a:lumMod val="50000"/>
-                <a:lumOff val="50000"/>
-              </a:schemeClr>
-            </a:solidFill>
-          </a:ln>
-        </p:spPr>
-        <p:style>
-          <a:lnRef idx="1">
-            <a:schemeClr val="accent1"/>
-          </a:lnRef>
-          <a:fillRef idx="0">
-            <a:schemeClr val="accent1"/>
-          </a:fillRef>
-          <a:effectRef idx="0">
-            <a:schemeClr val="accent1"/>
-          </a:effectRef>
-          <a:fontRef idx="minor">
-            <a:schemeClr val="tx1"/>
-          </a:fontRef>
-        </p:style>
-      </p:cxnSp>
-      <p:sp>
-        <p:nvSpPr>
-          <p:cNvPr id="5" name="TextBox 4"/>
-          <p:cNvSpPr txBox="1">
-            <a:spLocks noChangeArrowheads="1"/>
-          </p:cNvSpPr>
-          <p:nvPr/>
-        </p:nvSpPr>
-        <p:spPr bwMode="auto">
-          <a:xfrm>
-            <a:off x="35496" y="182250"/>
-            <a:ext cx="1080120" cy="923330"/>
-          </a:xfrm>
-          <a:prstGeom prst="rect">
-            <a:avLst/>
-          </a:prstGeom>
-          <a:noFill/>
-          <a:ln w="9525">
-            <a:noFill/>
-            <a:miter lim="800000"/>
-            <a:headEnd/>
-            <a:tailEnd/>
-          </a:ln>
-        </p:spPr>
-        <p:txBody>
-          <a:bodyPr wrap="square">
-            <a:spAutoFit/>
-          </a:bodyPr>
-          <a:lstStyle/>
-          <a:p>
-            <a:pPr marL="342900" indent="-342900"/>
-            <a:r>
-              <a:rPr lang="en-US" altLang="ko-KR" sz="5400" dirty="0">
-                <a:solidFill>
-                  <a:schemeClr val="tx1">
-                    <a:lumMod val="65000"/>
-                    <a:lumOff val="35000"/>
-                  </a:schemeClr>
-                </a:solidFill>
-                <a:latin typeface="나눔고딕 ExtraBold" pitchFamily="50" charset="-127"/>
-                <a:ea typeface="나눔고딕 ExtraBold" pitchFamily="50" charset="-127"/>
-              </a:rPr>
-              <a:t>3</a:t>
-            </a:r>
-            <a:endParaRPr lang="en-US" altLang="ko-KR" sz="5400" dirty="0" smtClean="0">
-              <a:solidFill>
-                <a:schemeClr val="tx1">
-                  <a:lumMod val="65000"/>
-                  <a:lumOff val="35000"/>
-                </a:schemeClr>
-              </a:solidFill>
-              <a:latin typeface="나눔고딕 ExtraBold" pitchFamily="50" charset="-127"/>
-              <a:ea typeface="나눔고딕 ExtraBold" pitchFamily="50" charset="-127"/>
-            </a:endParaRPr>
-          </a:p>
-        </p:txBody>
-      </p:sp>
-      <p:cxnSp>
-        <p:nvCxnSpPr>
-          <p:cNvPr id="6" name="직선 연결선 5"/>
-          <p:cNvCxnSpPr/>
-          <p:nvPr/>
-        </p:nvCxnSpPr>
-        <p:spPr>
-          <a:xfrm>
-            <a:off x="179512" y="980728"/>
-            <a:ext cx="4464000" cy="0"/>
-          </a:xfrm>
-          <a:prstGeom prst="line">
-            <a:avLst/>
-          </a:prstGeom>
-          <a:ln>
-            <a:solidFill>
-              <a:schemeClr val="tx1">
-                <a:lumMod val="50000"/>
-                <a:lumOff val="50000"/>
-              </a:schemeClr>
-            </a:solidFill>
-          </a:ln>
-        </p:spPr>
-        <p:style>
-          <a:lnRef idx="1">
-            <a:schemeClr val="accent1"/>
-          </a:lnRef>
-          <a:fillRef idx="0">
-            <a:schemeClr val="accent1"/>
-          </a:fillRef>
-          <a:effectRef idx="0">
-            <a:schemeClr val="accent1"/>
-          </a:effectRef>
-          <a:fontRef idx="minor">
-            <a:schemeClr val="tx1"/>
-          </a:fontRef>
-        </p:style>
-      </p:cxnSp>
-      <p:sp>
-        <p:nvSpPr>
-          <p:cNvPr id="10" name="TextBox 25"/>
-          <p:cNvSpPr txBox="1">
-            <a:spLocks noChangeArrowheads="1"/>
-          </p:cNvSpPr>
-          <p:nvPr/>
-        </p:nvSpPr>
-        <p:spPr bwMode="auto">
-          <a:xfrm>
-            <a:off x="251520" y="1124744"/>
-            <a:ext cx="7704856" cy="369332"/>
-          </a:xfrm>
-          <a:prstGeom prst="rect">
-            <a:avLst/>
-          </a:prstGeom>
-          <a:noFill/>
-          <a:ln w="9525">
-            <a:noFill/>
-            <a:miter lim="800000"/>
-            <a:headEnd/>
-            <a:tailEnd/>
-          </a:ln>
-        </p:spPr>
-        <p:txBody>
-          <a:bodyPr wrap="square">
-            <a:spAutoFit/>
-          </a:bodyPr>
-          <a:lstStyle/>
-          <a:p>
-            <a:pPr lvl="0"/>
-            <a:r>
-              <a:rPr lang="ko-KR" altLang="en-US" b="1" dirty="0">
-                <a:solidFill>
-                  <a:schemeClr val="bg1"/>
-                </a:solidFill>
-              </a:rPr>
-              <a:t>캐릭터 </a:t>
-            </a:r>
-            <a:r>
-              <a:rPr lang="ko-KR" altLang="en-US" b="1" dirty="0" err="1">
-                <a:solidFill>
-                  <a:schemeClr val="bg1"/>
-                </a:solidFill>
-              </a:rPr>
-              <a:t>스프라이트</a:t>
-            </a:r>
-            <a:r>
-              <a:rPr lang="ko-KR" altLang="en-US" b="1" dirty="0">
-                <a:solidFill>
-                  <a:schemeClr val="bg1"/>
-                </a:solidFill>
-              </a:rPr>
-              <a:t> </a:t>
-            </a:r>
-            <a:r>
-              <a:rPr lang="en-US" altLang="ko-KR" b="1" dirty="0">
-                <a:solidFill>
-                  <a:schemeClr val="bg1"/>
-                </a:solidFill>
-              </a:rPr>
-              <a:t>Canvas</a:t>
-            </a:r>
-            <a:r>
-              <a:rPr lang="ko-KR" altLang="en-US" b="1" dirty="0">
-                <a:solidFill>
-                  <a:schemeClr val="bg1"/>
-                </a:solidFill>
-              </a:rPr>
-              <a:t>에 배치 및 애니메이션 작업</a:t>
-            </a:r>
-            <a:r>
-              <a:rPr lang="en-US" altLang="ko-KR" b="1" dirty="0">
-                <a:solidFill>
-                  <a:schemeClr val="bg1"/>
-                </a:solidFill>
-              </a:rPr>
-              <a:t>(10/2~10/8)</a:t>
-            </a:r>
-            <a:endParaRPr lang="ko-KR" altLang="en-US" b="1" dirty="0">
-              <a:solidFill>
-                <a:schemeClr val="bg1"/>
-              </a:solidFill>
-            </a:endParaRPr>
-          </a:p>
-        </p:txBody>
-      </p:sp>
-      <p:pic>
-        <p:nvPicPr>
-          <p:cNvPr id="1027" name="Picture 3" descr="C:\Users\진우원\Desktop\qw.PNG"/>
-          <p:cNvPicPr>
-            <a:picLocks noChangeAspect="1" noChangeArrowheads="1"/>
-          </p:cNvPicPr>
-          <p:nvPr/>
-        </p:nvPicPr>
-        <p:blipFill>
-          <a:blip r:embed="rId2">
-            <a:extLst>
-              <a:ext uri="{28A0092B-C50C-407E-A947-70E740481C1C}">
-                <a14:useLocalDpi xmlns:a14="http://schemas.microsoft.com/office/drawing/2010/main" val="0"/>
-              </a:ext>
-            </a:extLst>
-          </a:blip>
-          <a:srcRect/>
-          <a:stretch>
-            <a:fillRect/>
-          </a:stretch>
-        </p:blipFill>
-        <p:spPr bwMode="auto">
-          <a:xfrm>
-            <a:off x="524669" y="2492896"/>
-            <a:ext cx="3579279" cy="2808312"/>
-          </a:xfrm>
-          <a:prstGeom prst="rect">
-            <a:avLst/>
-          </a:prstGeom>
-          <a:noFill/>
-          <a:extLst>
-            <a:ext uri="{909E8E84-426E-40DD-AFC4-6F175D3DCCD1}">
-              <a14:hiddenFill xmlns:a14="http://schemas.microsoft.com/office/drawing/2010/main">
-                <a:solidFill>
-                  <a:srgbClr val="FFFFFF"/>
-                </a:solidFill>
-              </a14:hiddenFill>
-            </a:ext>
-          </a:extLst>
-        </p:spPr>
-      </p:pic>
-      <p:pic>
-        <p:nvPicPr>
-          <p:cNvPr id="1028" name="Picture 4" descr="C:\Users\진우원\Desktop\sdsd.PNG"/>
-          <p:cNvPicPr>
-            <a:picLocks noChangeAspect="1" noChangeArrowheads="1"/>
-          </p:cNvPicPr>
-          <p:nvPr/>
-        </p:nvPicPr>
-        <p:blipFill>
-          <a:blip r:embed="rId3">
-            <a:extLst>
-              <a:ext uri="{28A0092B-C50C-407E-A947-70E740481C1C}">
-                <a14:useLocalDpi xmlns:a14="http://schemas.microsoft.com/office/drawing/2010/main" val="0"/>
-              </a:ext>
-            </a:extLst>
-          </a:blip>
-          <a:srcRect/>
-          <a:stretch>
-            <a:fillRect/>
-          </a:stretch>
-        </p:blipFill>
-        <p:spPr bwMode="auto">
-          <a:xfrm>
-            <a:off x="4886300" y="2520320"/>
-            <a:ext cx="3600896" cy="2831055"/>
-          </a:xfrm>
-          <a:prstGeom prst="rect">
-            <a:avLst/>
-          </a:prstGeom>
-          <a:noFill/>
-          <a:extLst>
-            <a:ext uri="{909E8E84-426E-40DD-AFC4-6F175D3DCCD1}">
-              <a14:hiddenFill xmlns:a14="http://schemas.microsoft.com/office/drawing/2010/main">
-                <a:solidFill>
-                  <a:srgbClr val="FFFFFF"/>
-                </a:solidFill>
-              </a14:hiddenFill>
-            </a:ext>
-          </a:extLst>
-        </p:spPr>
-      </p:pic>
-      <p:sp>
-        <p:nvSpPr>
-          <p:cNvPr id="12" name="TextBox 25"/>
-          <p:cNvSpPr txBox="1">
-            <a:spLocks noChangeArrowheads="1"/>
-          </p:cNvSpPr>
-          <p:nvPr/>
-        </p:nvSpPr>
-        <p:spPr bwMode="auto">
-          <a:xfrm>
-            <a:off x="575556" y="5733256"/>
-            <a:ext cx="7704856" cy="369332"/>
-          </a:xfrm>
-          <a:prstGeom prst="rect">
-            <a:avLst/>
-          </a:prstGeom>
-          <a:noFill/>
-          <a:ln w="9525">
-            <a:noFill/>
-            <a:miter lim="800000"/>
-            <a:headEnd/>
-            <a:tailEnd/>
-          </a:ln>
-        </p:spPr>
-        <p:txBody>
-          <a:bodyPr wrap="square">
-            <a:spAutoFit/>
-          </a:bodyPr>
-          <a:lstStyle/>
-          <a:p>
-            <a:pPr lvl="0" algn="ctr"/>
-            <a:r>
-              <a:rPr lang="ko-KR" altLang="en-US" b="1" dirty="0" err="1" smtClean="0">
-                <a:solidFill>
-                  <a:schemeClr val="bg1"/>
-                </a:solidFill>
-              </a:rPr>
-              <a:t>케릭터</a:t>
-            </a:r>
-            <a:r>
-              <a:rPr lang="ko-KR" altLang="en-US" b="1" dirty="0" smtClean="0">
-                <a:solidFill>
-                  <a:schemeClr val="bg1"/>
-                </a:solidFill>
-              </a:rPr>
-              <a:t> 및 배경 </a:t>
-            </a:r>
-            <a:r>
-              <a:rPr lang="en-US" altLang="ko-KR" b="1" dirty="0" smtClean="0">
-                <a:solidFill>
-                  <a:schemeClr val="bg1"/>
-                </a:solidFill>
-              </a:rPr>
-              <a:t>Canvas </a:t>
-            </a:r>
-            <a:r>
-              <a:rPr lang="ko-KR" altLang="en-US" b="1" dirty="0" smtClean="0">
-                <a:solidFill>
-                  <a:schemeClr val="bg1"/>
-                </a:solidFill>
-              </a:rPr>
-              <a:t>배치 및 애니메이션 적용</a:t>
-            </a:r>
-            <a:endParaRPr lang="ko-KR" altLang="en-US" b="1" dirty="0">
-              <a:solidFill>
-                <a:schemeClr val="bg1"/>
-              </a:solidFill>
-            </a:endParaRPr>
-          </a:p>
-        </p:txBody>
-      </p:sp>
-    </p:spTree>
-  </p:cSld>
-  <p:clrMapOvr>
-    <a:masterClrMapping/>
-  </p:clrMapOvr>
-  <p:timing>
-    <p:tnLst>
-      <p:par>
-        <p:cTn id="1" dur="indefinite" restart="never" nodeType="tmRoot"/>
-      </p:par>
-    </p:tnLst>
-  </p:timing>
-</p:sld>
-</file>
-
-<file path=ppt/slides/slide6.xml><?xml version="1.0" encoding="utf-8"?>
-<p:sld xmlns:a="http://schemas.openxmlformats.org/drawingml/2006/main" xmlns:r="http://schemas.openxmlformats.org/officeDocument/2006/relationships" xmlns:p="http://schemas.openxmlformats.org/presentationml/2006/main">
-  <p:cSld>
-    <p:spTree>
-      <p:nvGrpSpPr>
-        <p:cNvPr id="1" name=""/>
-        <p:cNvGrpSpPr/>
-        <p:nvPr/>
-      </p:nvGrpSpPr>
-      <p:grpSpPr>
-        <a:xfrm>
-          <a:off x="0" y="0"/>
-          <a:ext cx="0" cy="0"/>
-          <a:chOff x="0" y="0"/>
-          <a:chExt cx="0" cy="0"/>
-        </a:xfrm>
-      </p:grpSpPr>
-      <p:sp>
-        <p:nvSpPr>
-          <p:cNvPr id="7" name="직사각형 6"/>
-          <p:cNvSpPr/>
-          <p:nvPr/>
-        </p:nvSpPr>
-        <p:spPr>
-          <a:xfrm>
-            <a:off x="0" y="0"/>
-            <a:ext cx="9144000" cy="6858000"/>
-          </a:xfrm>
-          <a:prstGeom prst="rect">
-            <a:avLst/>
-          </a:prstGeom>
-          <a:solidFill>
-            <a:schemeClr val="accent6"/>
-          </a:solidFill>
-          <a:ln>
-            <a:noFill/>
-          </a:ln>
-        </p:spPr>
-        <p:style>
-          <a:lnRef idx="2">
-            <a:schemeClr val="accent1">
-              <a:shade val="50000"/>
-            </a:schemeClr>
-          </a:lnRef>
-          <a:fillRef idx="1">
-            <a:schemeClr val="accent1"/>
-          </a:fillRef>
-          <a:effectRef idx="0">
-            <a:schemeClr val="accent1"/>
-          </a:effectRef>
-          <a:fontRef idx="minor">
-            <a:schemeClr val="lt1"/>
-          </a:fontRef>
-        </p:style>
-        <p:txBody>
-          <a:bodyPr rtlCol="0" anchor="ctr"/>
-          <a:lstStyle/>
-          <a:p>
-            <a:pPr algn="ctr"/>
-            <a:endParaRPr lang="ko-KR" altLang="en-US">
-              <a:latin typeface="배달의민족 한나" pitchFamily="2" charset="-127"/>
-              <a:ea typeface="배달의민족 한나" pitchFamily="2" charset="-127"/>
-            </a:endParaRPr>
-          </a:p>
-        </p:txBody>
-      </p:sp>
-      <p:sp>
-        <p:nvSpPr>
-          <p:cNvPr id="2" name="TextBox 25"/>
-          <p:cNvSpPr txBox="1">
-            <a:spLocks noChangeArrowheads="1"/>
-          </p:cNvSpPr>
-          <p:nvPr/>
-        </p:nvSpPr>
-        <p:spPr bwMode="auto">
-          <a:xfrm>
-            <a:off x="179512" y="267038"/>
-            <a:ext cx="4104456" cy="523220"/>
-          </a:xfrm>
-          <a:prstGeom prst="rect">
-            <a:avLst/>
-          </a:prstGeom>
-          <a:noFill/>
-          <a:ln w="9525">
-            <a:noFill/>
-            <a:miter lim="800000"/>
-            <a:headEnd/>
-            <a:tailEnd/>
-          </a:ln>
-        </p:spPr>
-        <p:txBody>
-          <a:bodyPr wrap="square">
-            <a:spAutoFit/>
-          </a:bodyPr>
-          <a:lstStyle/>
-          <a:p>
-            <a:pPr marL="342900" indent="-342900"/>
-            <a:r>
-              <a:rPr lang="en-US" altLang="ko-KR" sz="2800" dirty="0" err="1" smtClean="0">
-                <a:solidFill>
-                  <a:schemeClr val="tx1">
-                    <a:lumMod val="65000"/>
-                    <a:lumOff val="35000"/>
-                  </a:schemeClr>
-                </a:solidFill>
-                <a:latin typeface="배달의민족 한나" pitchFamily="2" charset="-127"/>
-                <a:ea typeface="배달의민족 한나" pitchFamily="2" charset="-127"/>
-              </a:rPr>
-              <a:t>Github</a:t>
-            </a:r>
-            <a:r>
-              <a:rPr lang="en-US" altLang="ko-KR" sz="2800" dirty="0" smtClean="0">
-                <a:solidFill>
-                  <a:schemeClr val="tx1">
-                    <a:lumMod val="65000"/>
-                    <a:lumOff val="35000"/>
-                  </a:schemeClr>
-                </a:solidFill>
-                <a:latin typeface="배달의민족 한나" pitchFamily="2" charset="-127"/>
-                <a:ea typeface="배달의민족 한나" pitchFamily="2" charset="-127"/>
-              </a:rPr>
-              <a:t>-commit</a:t>
-            </a:r>
-            <a:endParaRPr lang="en-US" altLang="ko-KR" sz="2800" dirty="0" smtClean="0">
-              <a:solidFill>
-                <a:schemeClr val="tx1">
-                  <a:lumMod val="65000"/>
-                  <a:lumOff val="35000"/>
-                </a:schemeClr>
-              </a:solidFill>
-              <a:latin typeface="배달의민족 한나" pitchFamily="2" charset="-127"/>
-              <a:ea typeface="배달의민족 한나" pitchFamily="2" charset="-127"/>
-            </a:endParaRPr>
-          </a:p>
-        </p:txBody>
-      </p:sp>
-      <p:cxnSp>
-        <p:nvCxnSpPr>
-          <p:cNvPr id="4" name="직선 연결선 3"/>
-          <p:cNvCxnSpPr/>
-          <p:nvPr/>
-        </p:nvCxnSpPr>
-        <p:spPr>
-          <a:xfrm>
-            <a:off x="179512" y="188640"/>
-            <a:ext cx="4464000" cy="0"/>
-          </a:xfrm>
-          <a:prstGeom prst="line">
-            <a:avLst/>
-          </a:prstGeom>
-          <a:ln>
-            <a:solidFill>
-              <a:schemeClr val="tx1">
-                <a:lumMod val="50000"/>
-                <a:lumOff val="50000"/>
-              </a:schemeClr>
-            </a:solidFill>
-          </a:ln>
-        </p:spPr>
-        <p:style>
-          <a:lnRef idx="1">
-            <a:schemeClr val="accent1"/>
-          </a:lnRef>
-          <a:fillRef idx="0">
-            <a:schemeClr val="accent1"/>
-          </a:fillRef>
-          <a:effectRef idx="0">
-            <a:schemeClr val="accent1"/>
-          </a:effectRef>
-          <a:fontRef idx="minor">
-            <a:schemeClr val="tx1"/>
-          </a:fontRef>
-        </p:style>
-      </p:cxnSp>
-      <p:cxnSp>
-        <p:nvCxnSpPr>
-          <p:cNvPr id="6" name="직선 연결선 5"/>
-          <p:cNvCxnSpPr/>
-          <p:nvPr/>
-        </p:nvCxnSpPr>
-        <p:spPr>
-          <a:xfrm>
-            <a:off x="179512" y="908720"/>
-            <a:ext cx="4464000" cy="0"/>
-          </a:xfrm>
-          <a:prstGeom prst="line">
-            <a:avLst/>
-          </a:prstGeom>
-          <a:ln>
-            <a:solidFill>
-              <a:schemeClr val="tx1">
-                <a:lumMod val="50000"/>
-                <a:lumOff val="50000"/>
-              </a:schemeClr>
-            </a:solidFill>
-          </a:ln>
-        </p:spPr>
-        <p:style>
-          <a:lnRef idx="1">
-            <a:schemeClr val="accent1"/>
-          </a:lnRef>
-          <a:fillRef idx="0">
-            <a:schemeClr val="accent1"/>
-          </a:fillRef>
-          <a:effectRef idx="0">
-            <a:schemeClr val="accent1"/>
-          </a:effectRef>
-          <a:fontRef idx="minor">
-            <a:schemeClr val="tx1"/>
-          </a:fontRef>
-        </p:style>
-      </p:cxnSp>
-      <p:pic>
-        <p:nvPicPr>
-          <p:cNvPr id="7170" name="Picture 2" descr="C:\Users\진우원\Desktop\2주차.PNG"/>
-          <p:cNvPicPr>
-            <a:picLocks noChangeAspect="1" noChangeArrowheads="1"/>
-          </p:cNvPicPr>
-          <p:nvPr/>
-        </p:nvPicPr>
-        <p:blipFill>
-          <a:blip r:embed="rId2">
-            <a:extLst>
-              <a:ext uri="{28A0092B-C50C-407E-A947-70E740481C1C}">
-                <a14:useLocalDpi xmlns:a14="http://schemas.microsoft.com/office/drawing/2010/main" val="0"/>
-              </a:ext>
-            </a:extLst>
-          </a:blip>
-          <a:srcRect/>
-          <a:stretch>
-            <a:fillRect/>
-          </a:stretch>
-        </p:blipFill>
-        <p:spPr bwMode="auto">
-          <a:xfrm>
-            <a:off x="1104106" y="1340768"/>
-            <a:ext cx="6935788" cy="4962525"/>
-          </a:xfrm>
-          <a:prstGeom prst="rect">
-            <a:avLst/>
-          </a:prstGeom>
-          <a:noFill/>
-          <a:extLst>
-            <a:ext uri="{909E8E84-426E-40DD-AFC4-6F175D3DCCD1}">
-              <a14:hiddenFill xmlns:a14="http://schemas.microsoft.com/office/drawing/2010/main">
-                <a:solidFill>
-                  <a:srgbClr val="FFFFFF"/>
-                </a:solidFill>
-              </a14:hiddenFill>
-            </a:ext>
-          </a:extLst>
-        </p:spPr>
-      </p:pic>
-    </p:spTree>
-    <p:extLst>
-      <p:ext uri="{BB962C8B-B14F-4D97-AF65-F5344CB8AC3E}">
-        <p14:creationId xmlns:p14="http://schemas.microsoft.com/office/powerpoint/2010/main" val="2916902277"/>
-      </p:ext>
-    </p:extLst>
-  </p:cSld>
-  <p:clrMapOvr>
-    <a:masterClrMapping/>
-  </p:clrMapOvr>
-  <p:timing>
-    <p:tnLst>
-      <p:par>
-        <p:cTn id="1" dur="indefinite" restart="never" nodeType="tmRoot"/>
-      </p:par>
-    </p:tnLst>
-  </p:timing>
-</p:sld>
-</file>
-
-<file path=ppt/slides/slide7.xml><?xml version="1.0" encoding="utf-8"?>
-<p:sld xmlns:a="http://schemas.openxmlformats.org/drawingml/2006/main" xmlns:r="http://schemas.openxmlformats.org/officeDocument/2006/relationships" xmlns:p="http://schemas.openxmlformats.org/presentationml/2006/main">
-  <p:cSld>
-    <p:spTree>
-      <p:nvGrpSpPr>
-        <p:cNvPr id="1" name=""/>
-        <p:cNvGrpSpPr/>
-        <p:nvPr/>
-      </p:nvGrpSpPr>
-      <p:grpSpPr>
-        <a:xfrm>
-          <a:off x="0" y="0"/>
-          <a:ext cx="0" cy="0"/>
-          <a:chOff x="0" y="0"/>
-          <a:chExt cx="0" cy="0"/>
-        </a:xfrm>
-      </p:grpSpPr>
-      <p:sp>
-        <p:nvSpPr>
-          <p:cNvPr id="7" name="직사각형 6"/>
-          <p:cNvSpPr/>
-          <p:nvPr/>
-        </p:nvSpPr>
-        <p:spPr>
-          <a:xfrm>
-            <a:off x="0" y="0"/>
-            <a:ext cx="9144000" cy="6858000"/>
-          </a:xfrm>
-          <a:prstGeom prst="rect">
-            <a:avLst/>
-          </a:prstGeom>
-          <a:solidFill>
-            <a:schemeClr val="accent6"/>
-          </a:solidFill>
-          <a:ln>
-            <a:noFill/>
-          </a:ln>
-        </p:spPr>
-        <p:style>
-          <a:lnRef idx="2">
-            <a:schemeClr val="accent1">
-              <a:shade val="50000"/>
-            </a:schemeClr>
-          </a:lnRef>
-          <a:fillRef idx="1">
-            <a:schemeClr val="accent1"/>
-          </a:fillRef>
-          <a:effectRef idx="0">
-            <a:schemeClr val="accent1"/>
-          </a:effectRef>
-          <a:fontRef idx="minor">
-            <a:schemeClr val="lt1"/>
-          </a:fontRef>
-        </p:style>
-        <p:txBody>
-          <a:bodyPr rtlCol="0" anchor="ctr"/>
-          <a:lstStyle/>
-          <a:p>
-            <a:pPr algn="ctr"/>
-            <a:endParaRPr lang="ko-KR" altLang="en-US">
-              <a:latin typeface="배달의민족 한나" pitchFamily="2" charset="-127"/>
-              <a:ea typeface="배달의민족 한나" pitchFamily="2" charset="-127"/>
-            </a:endParaRPr>
-          </a:p>
-        </p:txBody>
-      </p:sp>
-      <p:sp>
-        <p:nvSpPr>
-          <p:cNvPr id="2" name="TextBox 25"/>
-          <p:cNvSpPr txBox="1">
-            <a:spLocks noChangeArrowheads="1"/>
-          </p:cNvSpPr>
-          <p:nvPr/>
-        </p:nvSpPr>
-        <p:spPr bwMode="auto">
-          <a:xfrm>
-            <a:off x="755576" y="404664"/>
-            <a:ext cx="4104456" cy="646331"/>
-          </a:xfrm>
-          <a:prstGeom prst="rect">
-            <a:avLst/>
-          </a:prstGeom>
-          <a:noFill/>
-          <a:ln w="9525">
-            <a:noFill/>
-            <a:miter lim="800000"/>
-            <a:headEnd/>
-            <a:tailEnd/>
-          </a:ln>
-        </p:spPr>
-        <p:txBody>
-          <a:bodyPr wrap="square">
-            <a:spAutoFit/>
-          </a:bodyPr>
-          <a:lstStyle/>
-          <a:p>
-            <a:pPr marL="342900" indent="-342900"/>
-            <a:r>
-              <a:rPr lang="en-US" altLang="ko-KR" sz="3600" dirty="0" smtClean="0">
-                <a:solidFill>
-                  <a:schemeClr val="tx1">
-                    <a:lumMod val="65000"/>
-                    <a:lumOff val="35000"/>
-                  </a:schemeClr>
-                </a:solidFill>
-                <a:latin typeface="배달의민족 한나" pitchFamily="2" charset="-127"/>
-                <a:ea typeface="배달의민족 한나" pitchFamily="2" charset="-127"/>
-              </a:rPr>
-              <a:t>I</a:t>
-            </a:r>
-            <a:r>
-              <a:rPr lang="en-US" altLang="ko-KR" sz="3600" dirty="0" smtClean="0">
-                <a:solidFill>
-                  <a:schemeClr val="tx1">
-                    <a:lumMod val="65000"/>
-                    <a:lumOff val="35000"/>
-                  </a:schemeClr>
-                </a:solidFill>
-                <a:latin typeface="배달의민족 한나" pitchFamily="2" charset="-127"/>
-                <a:ea typeface="배달의민족 한나" pitchFamily="2" charset="-127"/>
-              </a:rPr>
-              <a:t>n</a:t>
-            </a:r>
-            <a:r>
-              <a:rPr lang="en-US" altLang="ko-KR" sz="2800" dirty="0" smtClean="0">
-                <a:solidFill>
-                  <a:schemeClr val="tx1">
-                    <a:lumMod val="65000"/>
-                    <a:lumOff val="35000"/>
-                  </a:schemeClr>
-                </a:solidFill>
-                <a:latin typeface="배달의민족 한나" pitchFamily="2" charset="-127"/>
-                <a:ea typeface="배달의민족 한나" pitchFamily="2" charset="-127"/>
-              </a:rPr>
-              <a:t> Game-3</a:t>
-            </a:r>
-            <a:r>
-              <a:rPr lang="ko-KR" altLang="en-US" sz="2800" dirty="0" smtClean="0">
-                <a:solidFill>
-                  <a:schemeClr val="tx1">
-                    <a:lumMod val="65000"/>
-                    <a:lumOff val="35000"/>
-                  </a:schemeClr>
-                </a:solidFill>
-                <a:latin typeface="배달의민족 한나" pitchFamily="2" charset="-127"/>
-                <a:ea typeface="배달의민족 한나" pitchFamily="2" charset="-127"/>
-              </a:rPr>
-              <a:t>주차</a:t>
-            </a:r>
-            <a:endParaRPr lang="en-US" altLang="ko-KR" sz="2800" dirty="0" smtClean="0">
-              <a:solidFill>
-                <a:schemeClr val="tx1">
-                  <a:lumMod val="65000"/>
-                  <a:lumOff val="35000"/>
-                </a:schemeClr>
-              </a:solidFill>
-              <a:latin typeface="배달의민족 한나" pitchFamily="2" charset="-127"/>
-              <a:ea typeface="배달의민족 한나" pitchFamily="2" charset="-127"/>
-            </a:endParaRPr>
-          </a:p>
-        </p:txBody>
-      </p:sp>
-      <p:cxnSp>
-        <p:nvCxnSpPr>
-          <p:cNvPr id="4" name="직선 연결선 3"/>
-          <p:cNvCxnSpPr/>
-          <p:nvPr/>
-        </p:nvCxnSpPr>
-        <p:spPr>
-          <a:xfrm>
-            <a:off x="179512" y="236354"/>
-            <a:ext cx="4464000" cy="0"/>
-          </a:xfrm>
-          <a:prstGeom prst="line">
-            <a:avLst/>
-          </a:prstGeom>
-          <a:ln>
-            <a:solidFill>
-              <a:schemeClr val="tx1">
-                <a:lumMod val="50000"/>
-                <a:lumOff val="50000"/>
-              </a:schemeClr>
-            </a:solidFill>
-          </a:ln>
-        </p:spPr>
-        <p:style>
-          <a:lnRef idx="1">
-            <a:schemeClr val="accent1"/>
-          </a:lnRef>
-          <a:fillRef idx="0">
-            <a:schemeClr val="accent1"/>
-          </a:fillRef>
-          <a:effectRef idx="0">
-            <a:schemeClr val="accent1"/>
-          </a:effectRef>
-          <a:fontRef idx="minor">
-            <a:schemeClr val="tx1"/>
-          </a:fontRef>
-        </p:style>
-      </p:cxnSp>
-      <p:sp>
-        <p:nvSpPr>
-          <p:cNvPr id="5" name="TextBox 4"/>
-          <p:cNvSpPr txBox="1">
-            <a:spLocks noChangeArrowheads="1"/>
-          </p:cNvSpPr>
-          <p:nvPr/>
-        </p:nvSpPr>
-        <p:spPr bwMode="auto">
-          <a:xfrm>
-            <a:off x="35496" y="182250"/>
-            <a:ext cx="1080120" cy="923330"/>
-          </a:xfrm>
-          <a:prstGeom prst="rect">
-            <a:avLst/>
-          </a:prstGeom>
-          <a:noFill/>
-          <a:ln w="9525">
-            <a:noFill/>
-            <a:miter lim="800000"/>
-            <a:headEnd/>
-            <a:tailEnd/>
-          </a:ln>
-        </p:spPr>
-        <p:txBody>
-          <a:bodyPr wrap="square">
-            <a:spAutoFit/>
-          </a:bodyPr>
-          <a:lstStyle/>
-          <a:p>
-            <a:pPr marL="342900" indent="-342900"/>
-            <a:r>
-              <a:rPr lang="en-US" altLang="ko-KR" sz="5400" dirty="0">
-                <a:solidFill>
-                  <a:schemeClr val="tx1">
-                    <a:lumMod val="65000"/>
-                    <a:lumOff val="35000"/>
-                  </a:schemeClr>
-                </a:solidFill>
-                <a:latin typeface="나눔고딕 ExtraBold" pitchFamily="50" charset="-127"/>
-                <a:ea typeface="나눔고딕 ExtraBold" pitchFamily="50" charset="-127"/>
-              </a:rPr>
-              <a:t>4</a:t>
-            </a:r>
-            <a:endParaRPr lang="en-US" altLang="ko-KR" sz="5400" dirty="0" smtClean="0">
-              <a:solidFill>
-                <a:schemeClr val="tx1">
-                  <a:lumMod val="65000"/>
-                  <a:lumOff val="35000"/>
-                </a:schemeClr>
-              </a:solidFill>
-              <a:latin typeface="나눔고딕 ExtraBold" pitchFamily="50" charset="-127"/>
-              <a:ea typeface="나눔고딕 ExtraBold" pitchFamily="50" charset="-127"/>
-            </a:endParaRPr>
-          </a:p>
-        </p:txBody>
-      </p:sp>
-      <p:cxnSp>
-        <p:nvCxnSpPr>
-          <p:cNvPr id="6" name="직선 연결선 5"/>
-          <p:cNvCxnSpPr/>
-          <p:nvPr/>
-        </p:nvCxnSpPr>
-        <p:spPr>
-          <a:xfrm>
-            <a:off x="179512" y="980728"/>
-            <a:ext cx="4464000" cy="0"/>
-          </a:xfrm>
-          <a:prstGeom prst="line">
-            <a:avLst/>
-          </a:prstGeom>
-          <a:ln>
-            <a:solidFill>
-              <a:schemeClr val="tx1">
-                <a:lumMod val="50000"/>
-                <a:lumOff val="50000"/>
-              </a:schemeClr>
-            </a:solidFill>
-          </a:ln>
-        </p:spPr>
-        <p:style>
-          <a:lnRef idx="1">
-            <a:schemeClr val="accent1"/>
-          </a:lnRef>
-          <a:fillRef idx="0">
-            <a:schemeClr val="accent1"/>
-          </a:fillRef>
-          <a:effectRef idx="0">
-            <a:schemeClr val="accent1"/>
-          </a:effectRef>
-          <a:fontRef idx="minor">
-            <a:schemeClr val="tx1"/>
-          </a:fontRef>
-        </p:style>
-      </p:cxnSp>
-      <p:pic>
-        <p:nvPicPr>
-          <p:cNvPr id="3074" name="Picture 2" descr="C:\Users\진우원\Desktop\xxc.PNG"/>
-          <p:cNvPicPr>
-            <a:picLocks noChangeAspect="1" noChangeArrowheads="1"/>
-          </p:cNvPicPr>
-          <p:nvPr/>
-        </p:nvPicPr>
-        <p:blipFill>
-          <a:blip r:embed="rId2">
-            <a:extLst>
-              <a:ext uri="{28A0092B-C50C-407E-A947-70E740481C1C}">
-                <a14:useLocalDpi xmlns:a14="http://schemas.microsoft.com/office/drawing/2010/main" val="0"/>
-              </a:ext>
-            </a:extLst>
-          </a:blip>
-          <a:srcRect/>
-          <a:stretch>
-            <a:fillRect/>
-          </a:stretch>
-        </p:blipFill>
-        <p:spPr bwMode="auto">
-          <a:xfrm>
-            <a:off x="498971" y="1988840"/>
-            <a:ext cx="3825081" cy="3015456"/>
-          </a:xfrm>
-          <a:prstGeom prst="rect">
-            <a:avLst/>
-          </a:prstGeom>
-          <a:noFill/>
-          <a:extLst>
-            <a:ext uri="{909E8E84-426E-40DD-AFC4-6F175D3DCCD1}">
-              <a14:hiddenFill xmlns:a14="http://schemas.microsoft.com/office/drawing/2010/main">
-                <a:solidFill>
-                  <a:srgbClr val="FFFFFF"/>
-                </a:solidFill>
-              </a14:hiddenFill>
-            </a:ext>
-          </a:extLst>
-        </p:spPr>
-      </p:pic>
-      <p:pic>
-        <p:nvPicPr>
-          <p:cNvPr id="3075" name="Picture 3" descr="C:\Users\진우원\Desktop\bvbv.PNG"/>
-          <p:cNvPicPr>
-            <a:picLocks noChangeAspect="1" noChangeArrowheads="1"/>
-          </p:cNvPicPr>
-          <p:nvPr/>
-        </p:nvPicPr>
-        <p:blipFill>
-          <a:blip r:embed="rId3">
-            <a:extLst>
-              <a:ext uri="{28A0092B-C50C-407E-A947-70E740481C1C}">
-                <a14:useLocalDpi xmlns:a14="http://schemas.microsoft.com/office/drawing/2010/main" val="0"/>
-              </a:ext>
-            </a:extLst>
-          </a:blip>
-          <a:srcRect/>
-          <a:stretch>
-            <a:fillRect/>
-          </a:stretch>
-        </p:blipFill>
-        <p:spPr bwMode="auto">
-          <a:xfrm>
-            <a:off x="4866878" y="1988840"/>
-            <a:ext cx="3832826" cy="3015456"/>
-          </a:xfrm>
-          <a:prstGeom prst="rect">
-            <a:avLst/>
-          </a:prstGeom>
-          <a:noFill/>
-          <a:extLst>
-            <a:ext uri="{909E8E84-426E-40DD-AFC4-6F175D3DCCD1}">
-              <a14:hiddenFill xmlns:a14="http://schemas.microsoft.com/office/drawing/2010/main">
-                <a:solidFill>
-                  <a:srgbClr val="FFFFFF"/>
-                </a:solidFill>
-              </a14:hiddenFill>
-            </a:ext>
-          </a:extLst>
-        </p:spPr>
-      </p:pic>
-      <p:sp>
-        <p:nvSpPr>
-          <p:cNvPr id="10" name="TextBox 25"/>
-          <p:cNvSpPr txBox="1">
-            <a:spLocks noChangeArrowheads="1"/>
-          </p:cNvSpPr>
-          <p:nvPr/>
-        </p:nvSpPr>
-        <p:spPr bwMode="auto">
-          <a:xfrm>
-            <a:off x="251520" y="1124744"/>
-            <a:ext cx="7704856" cy="369332"/>
-          </a:xfrm>
-          <a:prstGeom prst="rect">
-            <a:avLst/>
-          </a:prstGeom>
-          <a:noFill/>
-          <a:ln w="9525">
-            <a:noFill/>
-            <a:miter lim="800000"/>
-            <a:headEnd/>
-            <a:tailEnd/>
-          </a:ln>
-        </p:spPr>
-        <p:txBody>
-          <a:bodyPr wrap="square">
-            <a:spAutoFit/>
-          </a:bodyPr>
-          <a:lstStyle/>
-          <a:p>
-            <a:pPr lvl="0"/>
-            <a:r>
-              <a:rPr lang="ko-KR" altLang="en-US" b="1" dirty="0">
-                <a:solidFill>
-                  <a:schemeClr val="bg1"/>
-                </a:solidFill>
-              </a:rPr>
-              <a:t>캐릭터 입력처리 제작</a:t>
-            </a:r>
-            <a:r>
-              <a:rPr lang="en-US" altLang="ko-KR" b="1" dirty="0">
-                <a:solidFill>
-                  <a:schemeClr val="bg1"/>
-                </a:solidFill>
-              </a:rPr>
-              <a:t>(10/9~10/15)</a:t>
-            </a:r>
-            <a:endParaRPr lang="ko-KR" altLang="en-US" b="1" dirty="0">
-              <a:solidFill>
-                <a:schemeClr val="bg1"/>
-              </a:solidFill>
-            </a:endParaRPr>
-          </a:p>
-        </p:txBody>
-      </p:sp>
-      <p:sp>
-        <p:nvSpPr>
-          <p:cNvPr id="11" name="TextBox 25"/>
-          <p:cNvSpPr txBox="1">
-            <a:spLocks noChangeArrowheads="1"/>
-          </p:cNvSpPr>
-          <p:nvPr/>
-        </p:nvSpPr>
-        <p:spPr bwMode="auto">
-          <a:xfrm>
-            <a:off x="423362" y="5517232"/>
-            <a:ext cx="7704856" cy="369332"/>
-          </a:xfrm>
-          <a:prstGeom prst="rect">
-            <a:avLst/>
-          </a:prstGeom>
-          <a:noFill/>
-          <a:ln w="9525">
-            <a:noFill/>
-            <a:miter lim="800000"/>
-            <a:headEnd/>
-            <a:tailEnd/>
-          </a:ln>
-        </p:spPr>
-        <p:txBody>
-          <a:bodyPr wrap="square">
-            <a:spAutoFit/>
-          </a:bodyPr>
-          <a:lstStyle/>
-          <a:p>
-            <a:pPr lvl="0" algn="ctr"/>
-            <a:r>
-              <a:rPr lang="en-US" altLang="ko-KR" b="1" dirty="0" smtClean="0">
-                <a:solidFill>
-                  <a:schemeClr val="bg1"/>
-                </a:solidFill>
-              </a:rPr>
-              <a:t>Spacebar </a:t>
-            </a:r>
-            <a:r>
-              <a:rPr lang="ko-KR" altLang="en-US" b="1" dirty="0" smtClean="0">
-                <a:solidFill>
-                  <a:schemeClr val="bg1"/>
-                </a:solidFill>
-              </a:rPr>
-              <a:t>입력 시 </a:t>
-            </a:r>
-            <a:r>
-              <a:rPr lang="en-US" altLang="ko-KR" b="1" dirty="0" smtClean="0">
-                <a:solidFill>
-                  <a:schemeClr val="bg1"/>
-                </a:solidFill>
-              </a:rPr>
-              <a:t>Jump </a:t>
-            </a:r>
-            <a:r>
-              <a:rPr lang="ko-KR" altLang="en-US" b="1" dirty="0" smtClean="0">
-                <a:solidFill>
-                  <a:schemeClr val="bg1"/>
-                </a:solidFill>
-              </a:rPr>
-              <a:t>연속 입력 시 </a:t>
-            </a:r>
-            <a:r>
-              <a:rPr lang="en-US" altLang="ko-KR" b="1" dirty="0" smtClean="0">
-                <a:solidFill>
-                  <a:schemeClr val="bg1"/>
-                </a:solidFill>
-              </a:rPr>
-              <a:t>2</a:t>
-            </a:r>
-            <a:r>
-              <a:rPr lang="ko-KR" altLang="en-US" b="1" dirty="0" smtClean="0">
-                <a:solidFill>
-                  <a:schemeClr val="bg1"/>
-                </a:solidFill>
-              </a:rPr>
-              <a:t>단 </a:t>
-            </a:r>
-            <a:r>
-              <a:rPr lang="en-US" altLang="ko-KR" b="1" dirty="0" smtClean="0">
-                <a:solidFill>
-                  <a:schemeClr val="bg1"/>
-                </a:solidFill>
-              </a:rPr>
-              <a:t>Jump</a:t>
-            </a:r>
-            <a:endParaRPr lang="ko-KR" altLang="en-US" b="1" dirty="0">
-              <a:solidFill>
-                <a:schemeClr val="bg1"/>
-              </a:solidFill>
-            </a:endParaRPr>
-          </a:p>
-        </p:txBody>
-      </p:sp>
-    </p:spTree>
-    <p:extLst>
-      <p:ext uri="{BB962C8B-B14F-4D97-AF65-F5344CB8AC3E}">
-        <p14:creationId xmlns:p14="http://schemas.microsoft.com/office/powerpoint/2010/main" val="679497562"/>
-      </p:ext>
-    </p:extLst>
-  </p:cSld>
-  <p:clrMapOvr>
-    <a:masterClrMapping/>
-  </p:clrMapOvr>
-  <p:timing>
-    <p:tnLst>
-      <p:par>
-        <p:cTn id="1" dur="indefinite" restart="never" nodeType="tmRoot"/>
-      </p:par>
-    </p:tnLst>
-  </p:timing>
-</p:sld>
-</file>
-
-<file path=ppt/slides/slide8.xml><?xml version="1.0" encoding="utf-8"?>
-<p:sld xmlns:a="http://schemas.openxmlformats.org/drawingml/2006/main" xmlns:r="http://schemas.openxmlformats.org/officeDocument/2006/relationships" xmlns:p="http://schemas.openxmlformats.org/presentationml/2006/main">
-  <p:cSld>
-    <p:spTree>
-      <p:nvGrpSpPr>
-        <p:cNvPr id="1" name=""/>
-        <p:cNvGrpSpPr/>
-        <p:nvPr/>
-      </p:nvGrpSpPr>
-      <p:grpSpPr>
-        <a:xfrm>
-          <a:off x="0" y="0"/>
-          <a:ext cx="0" cy="0"/>
-          <a:chOff x="0" y="0"/>
-          <a:chExt cx="0" cy="0"/>
-        </a:xfrm>
-      </p:grpSpPr>
-      <p:sp>
-        <p:nvSpPr>
-          <p:cNvPr id="7" name="직사각형 6"/>
-          <p:cNvSpPr/>
-          <p:nvPr/>
-        </p:nvSpPr>
-        <p:spPr>
-          <a:xfrm>
-            <a:off x="0" y="0"/>
-            <a:ext cx="9144000" cy="6858000"/>
-          </a:xfrm>
-          <a:prstGeom prst="rect">
-            <a:avLst/>
-          </a:prstGeom>
-          <a:solidFill>
-            <a:schemeClr val="accent6"/>
-          </a:solidFill>
-          <a:ln>
-            <a:noFill/>
-          </a:ln>
-        </p:spPr>
-        <p:style>
-          <a:lnRef idx="2">
-            <a:schemeClr val="accent1">
-              <a:shade val="50000"/>
-            </a:schemeClr>
-          </a:lnRef>
-          <a:fillRef idx="1">
-            <a:schemeClr val="accent1"/>
-          </a:fillRef>
-          <a:effectRef idx="0">
-            <a:schemeClr val="accent1"/>
-          </a:effectRef>
-          <a:fontRef idx="minor">
-            <a:schemeClr val="lt1"/>
-          </a:fontRef>
-        </p:style>
-        <p:txBody>
-          <a:bodyPr rtlCol="0" anchor="ctr"/>
-          <a:lstStyle/>
-          <a:p>
-            <a:pPr algn="ctr"/>
-            <a:endParaRPr lang="ko-KR" altLang="en-US">
-              <a:latin typeface="배달의민족 한나" pitchFamily="2" charset="-127"/>
-              <a:ea typeface="배달의민족 한나" pitchFamily="2" charset="-127"/>
-            </a:endParaRPr>
-          </a:p>
-        </p:txBody>
-      </p:sp>
-      <p:sp>
-        <p:nvSpPr>
-          <p:cNvPr id="2" name="TextBox 25"/>
-          <p:cNvSpPr txBox="1">
-            <a:spLocks noChangeArrowheads="1"/>
-          </p:cNvSpPr>
-          <p:nvPr/>
-        </p:nvSpPr>
-        <p:spPr bwMode="auto">
-          <a:xfrm>
-            <a:off x="179512" y="267038"/>
-            <a:ext cx="4104456" cy="523220"/>
-          </a:xfrm>
-          <a:prstGeom prst="rect">
-            <a:avLst/>
-          </a:prstGeom>
-          <a:noFill/>
-          <a:ln w="9525">
-            <a:noFill/>
-            <a:miter lim="800000"/>
-            <a:headEnd/>
-            <a:tailEnd/>
-          </a:ln>
-        </p:spPr>
-        <p:txBody>
-          <a:bodyPr wrap="square">
-            <a:spAutoFit/>
-          </a:bodyPr>
-          <a:lstStyle/>
-          <a:p>
-            <a:pPr marL="342900" indent="-342900"/>
-            <a:r>
-              <a:rPr lang="en-US" altLang="ko-KR" sz="2800" dirty="0" err="1" smtClean="0">
-                <a:solidFill>
-                  <a:schemeClr val="tx1">
-                    <a:lumMod val="65000"/>
-                    <a:lumOff val="35000"/>
-                  </a:schemeClr>
-                </a:solidFill>
-                <a:latin typeface="배달의민족 한나" pitchFamily="2" charset="-127"/>
-                <a:ea typeface="배달의민족 한나" pitchFamily="2" charset="-127"/>
-              </a:rPr>
-              <a:t>Github</a:t>
-            </a:r>
-            <a:r>
-              <a:rPr lang="en-US" altLang="ko-KR" sz="2800" dirty="0" smtClean="0">
-                <a:solidFill>
-                  <a:schemeClr val="tx1">
-                    <a:lumMod val="65000"/>
-                    <a:lumOff val="35000"/>
-                  </a:schemeClr>
-                </a:solidFill>
-                <a:latin typeface="배달의민족 한나" pitchFamily="2" charset="-127"/>
-                <a:ea typeface="배달의민족 한나" pitchFamily="2" charset="-127"/>
-              </a:rPr>
-              <a:t>-commit</a:t>
-            </a:r>
-            <a:endParaRPr lang="en-US" altLang="ko-KR" sz="2800" dirty="0" smtClean="0">
-              <a:solidFill>
-                <a:schemeClr val="tx1">
-                  <a:lumMod val="65000"/>
-                  <a:lumOff val="35000"/>
-                </a:schemeClr>
-              </a:solidFill>
-              <a:latin typeface="배달의민족 한나" pitchFamily="2" charset="-127"/>
-              <a:ea typeface="배달의민족 한나" pitchFamily="2" charset="-127"/>
-            </a:endParaRPr>
-          </a:p>
-        </p:txBody>
-      </p:sp>
-      <p:cxnSp>
-        <p:nvCxnSpPr>
-          <p:cNvPr id="4" name="직선 연결선 3"/>
-          <p:cNvCxnSpPr/>
-          <p:nvPr/>
-        </p:nvCxnSpPr>
-        <p:spPr>
-          <a:xfrm>
-            <a:off x="179512" y="188640"/>
-            <a:ext cx="4464000" cy="0"/>
-          </a:xfrm>
-          <a:prstGeom prst="line">
-            <a:avLst/>
-          </a:prstGeom>
-          <a:ln>
-            <a:solidFill>
-              <a:schemeClr val="tx1">
-                <a:lumMod val="50000"/>
-                <a:lumOff val="50000"/>
-              </a:schemeClr>
-            </a:solidFill>
-          </a:ln>
-        </p:spPr>
-        <p:style>
-          <a:lnRef idx="1">
-            <a:schemeClr val="accent1"/>
-          </a:lnRef>
-          <a:fillRef idx="0">
-            <a:schemeClr val="accent1"/>
-          </a:fillRef>
-          <a:effectRef idx="0">
-            <a:schemeClr val="accent1"/>
-          </a:effectRef>
-          <a:fontRef idx="minor">
-            <a:schemeClr val="tx1"/>
-          </a:fontRef>
-        </p:style>
-      </p:cxnSp>
-      <p:cxnSp>
-        <p:nvCxnSpPr>
-          <p:cNvPr id="6" name="직선 연결선 5"/>
-          <p:cNvCxnSpPr/>
-          <p:nvPr/>
-        </p:nvCxnSpPr>
-        <p:spPr>
-          <a:xfrm>
-            <a:off x="179512" y="908720"/>
-            <a:ext cx="4464000" cy="0"/>
-          </a:xfrm>
-          <a:prstGeom prst="line">
-            <a:avLst/>
-          </a:prstGeom>
-          <a:ln>
-            <a:solidFill>
-              <a:schemeClr val="tx1">
-                <a:lumMod val="50000"/>
-                <a:lumOff val="50000"/>
-              </a:schemeClr>
-            </a:solidFill>
-          </a:ln>
-        </p:spPr>
-        <p:style>
-          <a:lnRef idx="1">
-            <a:schemeClr val="accent1"/>
-          </a:lnRef>
-          <a:fillRef idx="0">
-            <a:schemeClr val="accent1"/>
-          </a:fillRef>
-          <a:effectRef idx="0">
-            <a:schemeClr val="accent1"/>
-          </a:effectRef>
-          <a:fontRef idx="minor">
-            <a:schemeClr val="tx1"/>
-          </a:fontRef>
-        </p:style>
-      </p:cxnSp>
-      <p:pic>
-        <p:nvPicPr>
-          <p:cNvPr id="8194" name="Picture 2" descr="C:\Users\진우원\Desktop\3주차.PNG"/>
-          <p:cNvPicPr>
-            <a:picLocks noChangeAspect="1" noChangeArrowheads="1"/>
-          </p:cNvPicPr>
-          <p:nvPr/>
-        </p:nvPicPr>
-        <p:blipFill>
-          <a:blip r:embed="rId2">
-            <a:extLst>
-              <a:ext uri="{28A0092B-C50C-407E-A947-70E740481C1C}">
-                <a14:useLocalDpi xmlns:a14="http://schemas.microsoft.com/office/drawing/2010/main" val="0"/>
-              </a:ext>
-            </a:extLst>
-          </a:blip>
-          <a:srcRect/>
-          <a:stretch>
-            <a:fillRect/>
-          </a:stretch>
-        </p:blipFill>
-        <p:spPr bwMode="auto">
-          <a:xfrm>
-            <a:off x="1106204" y="1340768"/>
-            <a:ext cx="6888163" cy="5029200"/>
-          </a:xfrm>
-          <a:prstGeom prst="rect">
-            <a:avLst/>
-          </a:prstGeom>
-          <a:noFill/>
-          <a:extLst>
-            <a:ext uri="{909E8E84-426E-40DD-AFC4-6F175D3DCCD1}">
-              <a14:hiddenFill xmlns:a14="http://schemas.microsoft.com/office/drawing/2010/main">
-                <a:solidFill>
-                  <a:srgbClr val="FFFFFF"/>
-                </a:solidFill>
-              </a14:hiddenFill>
-            </a:ext>
-          </a:extLst>
-        </p:spPr>
-      </p:pic>
-    </p:spTree>
-    <p:extLst>
-      <p:ext uri="{BB962C8B-B14F-4D97-AF65-F5344CB8AC3E}">
-        <p14:creationId xmlns:p14="http://schemas.microsoft.com/office/powerpoint/2010/main" val="2916902277"/>
-      </p:ext>
-    </p:extLst>
-  </p:cSld>
-  <p:clrMapOvr>
-    <a:masterClrMapping/>
-  </p:clrMapOvr>
-  <p:timing>
-    <p:tnLst>
-      <p:par>
-        <p:cTn id="1" dur="indefinite" restart="never" nodeType="tmRoot"/>
-      </p:par>
-    </p:tnLst>
-  </p:timing>
-</p:sld>
-</file>
-
-<file path=ppt/slides/slide9.xml><?xml version="1.0" encoding="utf-8"?>
-<p:sld xmlns:a="http://schemas.openxmlformats.org/drawingml/2006/main" xmlns:r="http://schemas.openxmlformats.org/officeDocument/2006/relationships" xmlns:p="http://schemas.openxmlformats.org/presentationml/2006/main">
-  <p:cSld>
-    <p:spTree>
-      <p:nvGrpSpPr>
-        <p:cNvPr id="1" name=""/>
-        <p:cNvGrpSpPr/>
-        <p:nvPr/>
-      </p:nvGrpSpPr>
-      <p:grpSpPr>
-        <a:xfrm>
-          <a:off x="0" y="0"/>
-          <a:ext cx="0" cy="0"/>
-          <a:chOff x="0" y="0"/>
-          <a:chExt cx="0" cy="0"/>
-        </a:xfrm>
-      </p:grpSpPr>
-      <p:sp>
-        <p:nvSpPr>
-          <p:cNvPr id="7" name="직사각형 6"/>
-          <p:cNvSpPr/>
-          <p:nvPr/>
-        </p:nvSpPr>
-        <p:spPr>
-          <a:xfrm>
-            <a:off x="0" y="0"/>
-            <a:ext cx="9144000" cy="6858000"/>
-          </a:xfrm>
-          <a:prstGeom prst="rect">
-            <a:avLst/>
-          </a:prstGeom>
-          <a:solidFill>
-            <a:schemeClr val="accent6"/>
-          </a:solidFill>
-          <a:ln>
-            <a:noFill/>
-          </a:ln>
-        </p:spPr>
-        <p:style>
-          <a:lnRef idx="2">
-            <a:schemeClr val="accent1">
-              <a:shade val="50000"/>
-            </a:schemeClr>
-          </a:lnRef>
-          <a:fillRef idx="1">
-            <a:schemeClr val="accent1"/>
-          </a:fillRef>
-          <a:effectRef idx="0">
-            <a:schemeClr val="accent1"/>
-          </a:effectRef>
-          <a:fontRef idx="minor">
-            <a:schemeClr val="lt1"/>
-          </a:fontRef>
-        </p:style>
-        <p:txBody>
-          <a:bodyPr rtlCol="0" anchor="ctr"/>
-          <a:lstStyle/>
-          <a:p>
-            <a:pPr algn="ctr"/>
-            <a:endParaRPr lang="ko-KR" altLang="en-US">
-              <a:latin typeface="배달의민족 한나" pitchFamily="2" charset="-127"/>
-              <a:ea typeface="배달의민족 한나" pitchFamily="2" charset="-127"/>
-            </a:endParaRPr>
-          </a:p>
-        </p:txBody>
-      </p:sp>
-      <p:sp>
-        <p:nvSpPr>
-          <p:cNvPr id="2" name="TextBox 25"/>
-          <p:cNvSpPr txBox="1">
-            <a:spLocks noChangeArrowheads="1"/>
-          </p:cNvSpPr>
-          <p:nvPr/>
-        </p:nvSpPr>
-        <p:spPr bwMode="auto">
-          <a:xfrm>
-            <a:off x="755576" y="404664"/>
-            <a:ext cx="4104456" cy="646331"/>
-          </a:xfrm>
-          <a:prstGeom prst="rect">
-            <a:avLst/>
-          </a:prstGeom>
-          <a:noFill/>
-          <a:ln w="9525">
-            <a:noFill/>
-            <a:miter lim="800000"/>
-            <a:headEnd/>
-            <a:tailEnd/>
-          </a:ln>
-        </p:spPr>
-        <p:txBody>
-          <a:bodyPr wrap="square">
-            <a:spAutoFit/>
-          </a:bodyPr>
-          <a:lstStyle/>
-          <a:p>
-            <a:pPr marL="342900" indent="-342900"/>
-            <a:r>
-              <a:rPr lang="en-US" altLang="ko-KR" sz="3600" dirty="0" smtClean="0">
-                <a:solidFill>
-                  <a:schemeClr val="tx1">
-                    <a:lumMod val="65000"/>
-                    <a:lumOff val="35000"/>
-                  </a:schemeClr>
-                </a:solidFill>
-                <a:latin typeface="배달의민족 한나" pitchFamily="2" charset="-127"/>
-                <a:ea typeface="배달의민족 한나" pitchFamily="2" charset="-127"/>
-              </a:rPr>
-              <a:t>I</a:t>
-            </a:r>
-            <a:r>
-              <a:rPr lang="en-US" altLang="ko-KR" sz="3600" dirty="0" smtClean="0">
-                <a:solidFill>
-                  <a:schemeClr val="tx1">
-                    <a:lumMod val="65000"/>
-                    <a:lumOff val="35000"/>
-                  </a:schemeClr>
-                </a:solidFill>
-                <a:latin typeface="배달의민족 한나" pitchFamily="2" charset="-127"/>
-                <a:ea typeface="배달의민족 한나" pitchFamily="2" charset="-127"/>
-              </a:rPr>
-              <a:t>n</a:t>
-            </a:r>
-            <a:r>
-              <a:rPr lang="en-US" altLang="ko-KR" sz="2800" dirty="0" smtClean="0">
-                <a:solidFill>
-                  <a:schemeClr val="tx1">
-                    <a:lumMod val="65000"/>
-                    <a:lumOff val="35000"/>
-                  </a:schemeClr>
-                </a:solidFill>
-                <a:latin typeface="배달의민족 한나" pitchFamily="2" charset="-127"/>
-                <a:ea typeface="배달의민족 한나" pitchFamily="2" charset="-127"/>
-              </a:rPr>
-              <a:t> Game-4</a:t>
-            </a:r>
-            <a:r>
-              <a:rPr lang="ko-KR" altLang="en-US" sz="2800" dirty="0" smtClean="0">
-                <a:solidFill>
-                  <a:schemeClr val="tx1">
-                    <a:lumMod val="65000"/>
-                    <a:lumOff val="35000"/>
-                  </a:schemeClr>
-                </a:solidFill>
-                <a:latin typeface="배달의민족 한나" pitchFamily="2" charset="-127"/>
-                <a:ea typeface="배달의민족 한나" pitchFamily="2" charset="-127"/>
-              </a:rPr>
-              <a:t>주차</a:t>
-            </a:r>
-            <a:endParaRPr lang="en-US" altLang="ko-KR" sz="2800" dirty="0" smtClean="0">
-              <a:solidFill>
-                <a:schemeClr val="tx1">
-                  <a:lumMod val="65000"/>
-                  <a:lumOff val="35000"/>
-                </a:schemeClr>
-              </a:solidFill>
-              <a:latin typeface="배달의민족 한나" pitchFamily="2" charset="-127"/>
-              <a:ea typeface="배달의민족 한나" pitchFamily="2" charset="-127"/>
-            </a:endParaRPr>
-          </a:p>
-        </p:txBody>
-      </p:sp>
-      <p:cxnSp>
-        <p:nvCxnSpPr>
-          <p:cNvPr id="4" name="직선 연결선 3"/>
-          <p:cNvCxnSpPr/>
-          <p:nvPr/>
-        </p:nvCxnSpPr>
-        <p:spPr>
-          <a:xfrm>
-            <a:off x="179512" y="236354"/>
-            <a:ext cx="4464000" cy="0"/>
-          </a:xfrm>
-          <a:prstGeom prst="line">
-            <a:avLst/>
-          </a:prstGeom>
-          <a:ln>
-            <a:solidFill>
-              <a:schemeClr val="tx1">
-                <a:lumMod val="50000"/>
-                <a:lumOff val="50000"/>
-              </a:schemeClr>
-            </a:solidFill>
-          </a:ln>
-        </p:spPr>
-        <p:style>
-          <a:lnRef idx="1">
-            <a:schemeClr val="accent1"/>
-          </a:lnRef>
-          <a:fillRef idx="0">
-            <a:schemeClr val="accent1"/>
-          </a:fillRef>
-          <a:effectRef idx="0">
-            <a:schemeClr val="accent1"/>
-          </a:effectRef>
-          <a:fontRef idx="minor">
-            <a:schemeClr val="tx1"/>
-          </a:fontRef>
-        </p:style>
-      </p:cxnSp>
-      <p:sp>
-        <p:nvSpPr>
-          <p:cNvPr id="5" name="TextBox 4"/>
-          <p:cNvSpPr txBox="1">
-            <a:spLocks noChangeArrowheads="1"/>
-          </p:cNvSpPr>
-          <p:nvPr/>
-        </p:nvSpPr>
-        <p:spPr bwMode="auto">
-          <a:xfrm>
-            <a:off x="35496" y="182250"/>
-            <a:ext cx="1080120" cy="923330"/>
-          </a:xfrm>
-          <a:prstGeom prst="rect">
-            <a:avLst/>
-          </a:prstGeom>
-          <a:noFill/>
-          <a:ln w="9525">
-            <a:noFill/>
-            <a:miter lim="800000"/>
-            <a:headEnd/>
-            <a:tailEnd/>
-          </a:ln>
-        </p:spPr>
-        <p:txBody>
-          <a:bodyPr wrap="square">
-            <a:spAutoFit/>
-          </a:bodyPr>
-          <a:lstStyle/>
-          <a:p>
-            <a:pPr marL="342900" indent="-342900"/>
-            <a:r>
-              <a:rPr lang="en-US" altLang="ko-KR" sz="5400" dirty="0">
-                <a:solidFill>
-                  <a:schemeClr val="tx1">
-                    <a:lumMod val="65000"/>
-                    <a:lumOff val="35000"/>
-                  </a:schemeClr>
-                </a:solidFill>
-                <a:latin typeface="나눔고딕 ExtraBold" pitchFamily="50" charset="-127"/>
-                <a:ea typeface="나눔고딕 ExtraBold" pitchFamily="50" charset="-127"/>
-              </a:rPr>
-              <a:t>4</a:t>
-            </a:r>
-            <a:endParaRPr lang="en-US" altLang="ko-KR" sz="5400" dirty="0" smtClean="0">
-              <a:solidFill>
-                <a:schemeClr val="tx1">
-                  <a:lumMod val="65000"/>
-                  <a:lumOff val="35000"/>
-                </a:schemeClr>
-              </a:solidFill>
-              <a:latin typeface="나눔고딕 ExtraBold" pitchFamily="50" charset="-127"/>
-              <a:ea typeface="나눔고딕 ExtraBold" pitchFamily="50" charset="-127"/>
-            </a:endParaRPr>
-          </a:p>
-        </p:txBody>
-      </p:sp>
-      <p:cxnSp>
-        <p:nvCxnSpPr>
-          <p:cNvPr id="6" name="직선 연결선 5"/>
-          <p:cNvCxnSpPr/>
-          <p:nvPr/>
-        </p:nvCxnSpPr>
-        <p:spPr>
-          <a:xfrm>
-            <a:off x="179512" y="980728"/>
-            <a:ext cx="4464000" cy="0"/>
-          </a:xfrm>
-          <a:prstGeom prst="line">
-            <a:avLst/>
-          </a:prstGeom>
-          <a:ln>
-            <a:solidFill>
-              <a:schemeClr val="tx1">
-                <a:lumMod val="50000"/>
-                <a:lumOff val="50000"/>
-              </a:schemeClr>
-            </a:solidFill>
-          </a:ln>
-        </p:spPr>
-        <p:style>
-          <a:lnRef idx="1">
-            <a:schemeClr val="accent1"/>
-          </a:lnRef>
-          <a:fillRef idx="0">
-            <a:schemeClr val="accent1"/>
-          </a:fillRef>
-          <a:effectRef idx="0">
-            <a:schemeClr val="accent1"/>
-          </a:effectRef>
-          <a:fontRef idx="minor">
-            <a:schemeClr val="tx1"/>
-          </a:fontRef>
-        </p:style>
-      </p:cxnSp>
-      <p:sp>
-        <p:nvSpPr>
-          <p:cNvPr id="8" name="TextBox 25"/>
-          <p:cNvSpPr txBox="1">
-            <a:spLocks noChangeArrowheads="1"/>
-          </p:cNvSpPr>
-          <p:nvPr/>
-        </p:nvSpPr>
-        <p:spPr bwMode="auto">
-          <a:xfrm>
-            <a:off x="251520" y="1124744"/>
-            <a:ext cx="7704856" cy="646331"/>
-          </a:xfrm>
-          <a:prstGeom prst="rect">
-            <a:avLst/>
-          </a:prstGeom>
-          <a:noFill/>
-          <a:ln w="9525">
-            <a:noFill/>
-            <a:miter lim="800000"/>
-            <a:headEnd/>
-            <a:tailEnd/>
-          </a:ln>
-        </p:spPr>
-        <p:txBody>
-          <a:bodyPr wrap="square">
-            <a:spAutoFit/>
-          </a:bodyPr>
-          <a:lstStyle/>
-          <a:p>
-            <a:pPr lvl="0"/>
-            <a:r>
-              <a:rPr lang="ko-KR" altLang="en-US" b="1" dirty="0">
-                <a:solidFill>
-                  <a:schemeClr val="bg1"/>
-                </a:solidFill>
-              </a:rPr>
-              <a:t>기타 게임 오브젝트 </a:t>
-            </a:r>
-            <a:r>
-              <a:rPr lang="en-US" altLang="ko-KR" b="1" dirty="0">
-                <a:solidFill>
-                  <a:schemeClr val="bg1"/>
-                </a:solidFill>
-              </a:rPr>
-              <a:t>Canvas</a:t>
-            </a:r>
-            <a:r>
-              <a:rPr lang="ko-KR" altLang="en-US" b="1" dirty="0">
-                <a:solidFill>
-                  <a:schemeClr val="bg1"/>
-                </a:solidFill>
-              </a:rPr>
-              <a:t>배치 및 애니메이션작업</a:t>
-            </a:r>
-            <a:r>
-              <a:rPr lang="en-US" altLang="ko-KR" b="1" dirty="0">
-                <a:solidFill>
-                  <a:schemeClr val="bg1"/>
-                </a:solidFill>
-              </a:rPr>
-              <a:t>(10/16~10/22)</a:t>
-            </a:r>
-            <a:r>
-              <a:rPr lang="ko-KR" altLang="en-US" b="1" dirty="0">
-                <a:solidFill>
-                  <a:schemeClr val="bg1"/>
-                </a:solidFill>
-              </a:rPr>
-              <a:t> 중간 발표일</a:t>
-            </a:r>
-            <a:r>
-              <a:rPr lang="en-US" altLang="ko-KR" b="1" dirty="0">
-                <a:solidFill>
-                  <a:schemeClr val="bg1"/>
-                </a:solidFill>
-              </a:rPr>
-              <a:t>: 10/18</a:t>
-            </a:r>
-            <a:endParaRPr lang="ko-KR" altLang="en-US" b="1" dirty="0">
-              <a:solidFill>
-                <a:schemeClr val="bg1"/>
-              </a:solidFill>
-            </a:endParaRPr>
-          </a:p>
-        </p:txBody>
-      </p:sp>
-      <p:pic>
-        <p:nvPicPr>
-          <p:cNvPr id="4098" name="Picture 2" descr="C:\Users\진우원\Desktop\ingame.PNG"/>
-          <p:cNvPicPr>
-            <a:picLocks noChangeAspect="1" noChangeArrowheads="1"/>
-          </p:cNvPicPr>
-          <p:nvPr/>
-        </p:nvPicPr>
-        <p:blipFill>
-          <a:blip r:embed="rId2">
-            <a:extLst>
-              <a:ext uri="{28A0092B-C50C-407E-A947-70E740481C1C}">
-                <a14:useLocalDpi xmlns:a14="http://schemas.microsoft.com/office/drawing/2010/main" val="0"/>
-              </a:ext>
-            </a:extLst>
-          </a:blip>
-          <a:srcRect/>
-          <a:stretch>
-            <a:fillRect/>
-          </a:stretch>
-        </p:blipFill>
-        <p:spPr bwMode="auto">
-          <a:xfrm>
-            <a:off x="260238" y="2276872"/>
-            <a:ext cx="3843710" cy="3024336"/>
-          </a:xfrm>
-          <a:prstGeom prst="rect">
-            <a:avLst/>
-          </a:prstGeom>
-          <a:noFill/>
-          <a:extLst>
-            <a:ext uri="{909E8E84-426E-40DD-AFC4-6F175D3DCCD1}">
-              <a14:hiddenFill xmlns:a14="http://schemas.microsoft.com/office/drawing/2010/main">
-                <a:solidFill>
-                  <a:srgbClr val="FFFFFF"/>
-                </a:solidFill>
-              </a14:hiddenFill>
-            </a:ext>
-          </a:extLst>
-        </p:spPr>
-      </p:pic>
-      <p:pic>
-        <p:nvPicPr>
-          <p:cNvPr id="4099" name="Picture 3" descr="C:\Users\진우원\Desktop\ingame2.PNG"/>
-          <p:cNvPicPr>
-            <a:picLocks noChangeAspect="1" noChangeArrowheads="1"/>
-          </p:cNvPicPr>
-          <p:nvPr/>
-        </p:nvPicPr>
-        <p:blipFill>
-          <a:blip r:embed="rId3">
-            <a:extLst>
-              <a:ext uri="{28A0092B-C50C-407E-A947-70E740481C1C}">
-                <a14:useLocalDpi xmlns:a14="http://schemas.microsoft.com/office/drawing/2010/main" val="0"/>
-              </a:ext>
-            </a:extLst>
-          </a:blip>
-          <a:srcRect/>
-          <a:stretch>
-            <a:fillRect/>
-          </a:stretch>
-        </p:blipFill>
-        <p:spPr bwMode="auto">
-          <a:xfrm>
-            <a:off x="4863440" y="2291858"/>
-            <a:ext cx="3819895" cy="3009350"/>
-          </a:xfrm>
-          <a:prstGeom prst="rect">
-            <a:avLst/>
-          </a:prstGeom>
-          <a:noFill/>
-          <a:extLst>
-            <a:ext uri="{909E8E84-426E-40DD-AFC4-6F175D3DCCD1}">
-              <a14:hiddenFill xmlns:a14="http://schemas.microsoft.com/office/drawing/2010/main">
-                <a:solidFill>
-                  <a:srgbClr val="FFFFFF"/>
-                </a:solidFill>
-              </a14:hiddenFill>
-            </a:ext>
-          </a:extLst>
-        </p:spPr>
-      </p:pic>
-      <p:sp>
-        <p:nvSpPr>
-          <p:cNvPr id="11" name="TextBox 25"/>
-          <p:cNvSpPr txBox="1">
-            <a:spLocks noChangeArrowheads="1"/>
-          </p:cNvSpPr>
-          <p:nvPr/>
-        </p:nvSpPr>
-        <p:spPr bwMode="auto">
-          <a:xfrm>
-            <a:off x="575556" y="5733256"/>
-            <a:ext cx="7704856" cy="369332"/>
-          </a:xfrm>
-          <a:prstGeom prst="rect">
-            <a:avLst/>
-          </a:prstGeom>
-          <a:noFill/>
-          <a:ln w="9525">
-            <a:noFill/>
-            <a:miter lim="800000"/>
-            <a:headEnd/>
-            <a:tailEnd/>
-          </a:ln>
-        </p:spPr>
-        <p:txBody>
-          <a:bodyPr wrap="square">
-            <a:spAutoFit/>
-          </a:bodyPr>
-          <a:lstStyle/>
-          <a:p>
-            <a:pPr lvl="0" algn="ctr"/>
-            <a:r>
-              <a:rPr lang="ko-KR" altLang="en-US" b="1" dirty="0" smtClean="0">
-                <a:solidFill>
-                  <a:schemeClr val="bg1"/>
-                </a:solidFill>
-              </a:rPr>
-              <a:t>장애물 및 적 오브젝트 횡 이동</a:t>
-            </a:r>
-            <a:r>
-              <a:rPr lang="en-US" altLang="ko-KR" b="1" dirty="0" smtClean="0">
-                <a:solidFill>
-                  <a:schemeClr val="bg1"/>
-                </a:solidFill>
-              </a:rPr>
-              <a:t>(</a:t>
-            </a:r>
-            <a:r>
-              <a:rPr lang="ko-KR" altLang="en-US" b="1" dirty="0" smtClean="0">
-                <a:solidFill>
-                  <a:schemeClr val="bg1"/>
-                </a:solidFill>
-              </a:rPr>
-              <a:t>충돌 처리 </a:t>
-            </a:r>
-            <a:r>
-              <a:rPr lang="en-US" altLang="ko-KR" b="1" dirty="0" smtClean="0">
-                <a:solidFill>
-                  <a:schemeClr val="bg1"/>
-                </a:solidFill>
-              </a:rPr>
-              <a:t>X,</a:t>
-            </a:r>
-            <a:r>
-              <a:rPr lang="ko-KR" altLang="en-US" b="1" dirty="0" smtClean="0">
-                <a:solidFill>
-                  <a:schemeClr val="bg1"/>
-                </a:solidFill>
-              </a:rPr>
-              <a:t>패턴 단순</a:t>
-            </a:r>
-            <a:r>
-              <a:rPr lang="en-US" altLang="ko-KR" b="1" dirty="0" smtClean="0">
-                <a:solidFill>
-                  <a:schemeClr val="bg1"/>
-                </a:solidFill>
-              </a:rPr>
-              <a:t>)</a:t>
-            </a:r>
-            <a:endParaRPr lang="ko-KR" altLang="en-US" b="1" dirty="0">
-              <a:solidFill>
-                <a:schemeClr val="bg1"/>
-              </a:solidFill>
-            </a:endParaRPr>
-          </a:p>
-        </p:txBody>
-      </p:sp>
-    </p:spTree>
-    <p:extLst>
-      <p:ext uri="{BB962C8B-B14F-4D97-AF65-F5344CB8AC3E}">
-        <p14:creationId xmlns:p14="http://schemas.microsoft.com/office/powerpoint/2010/main" val="679497562"/>
-      </p:ext>
-    </p:extLst>
   </p:cSld>
   <p:clrMapOvr>
     <a:masterClrMapping/>
